--- a/week 10/T test.pptx
+++ b/week 10/T test.pptx
@@ -5,11 +5,26 @@
     <p:sldMasterId id="2147483648" r:id="rId4"/>
   </p:sldMasterIdLst>
   <p:notesMasterIdLst>
-    <p:notesMasterId r:id="rId7"/>
+    <p:notesMasterId r:id="rId22"/>
   </p:notesMasterIdLst>
   <p:sldIdLst>
     <p:sldId id="257" r:id="rId5"/>
     <p:sldId id="283" r:id="rId6"/>
+    <p:sldId id="284" r:id="rId7"/>
+    <p:sldId id="285" r:id="rId8"/>
+    <p:sldId id="286" r:id="rId9"/>
+    <p:sldId id="297" r:id="rId10"/>
+    <p:sldId id="287" r:id="rId11"/>
+    <p:sldId id="288" r:id="rId12"/>
+    <p:sldId id="289" r:id="rId13"/>
+    <p:sldId id="290" r:id="rId14"/>
+    <p:sldId id="298" r:id="rId15"/>
+    <p:sldId id="291" r:id="rId16"/>
+    <p:sldId id="292" r:id="rId17"/>
+    <p:sldId id="293" r:id="rId18"/>
+    <p:sldId id="294" r:id="rId19"/>
+    <p:sldId id="295" r:id="rId20"/>
+    <p:sldId id="296" r:id="rId21"/>
   </p:sldIdLst>
   <p:sldSz cx="12192000" cy="6858000"/>
   <p:notesSz cx="6858000" cy="9144000"/>
@@ -206,7 +221,7 @@
           <a:p>
             <a:fld id="{F666E1FD-E7A0-497B-BBC0-740BAAC97C64}" type="datetimeFigureOut">
               <a:rPr lang="en-PH" smtClean="0"/>
-              <a:t>11/3/23</a:t>
+              <a:t>11/4/23</a:t>
             </a:fld>
             <a:endParaRPr lang="en-PH"/>
           </a:p>
@@ -558,6 +573,678 @@
 </p:notes>
 </file>
 
+<file path=ppt/notesSlides/notesSlide10.xml><?xml version="1.0" encoding="utf-8"?>
+<p:notes xmlns:a="http://schemas.openxmlformats.org/drawingml/2006/main" xmlns:r="http://schemas.openxmlformats.org/officeDocument/2006/relationships" xmlns:p="http://schemas.openxmlformats.org/presentationml/2006/main">
+  <p:cSld>
+    <p:spTree>
+      <p:nvGrpSpPr>
+        <p:cNvPr id="1" name=""/>
+        <p:cNvGrpSpPr/>
+        <p:nvPr/>
+      </p:nvGrpSpPr>
+      <p:grpSpPr>
+        <a:xfrm>
+          <a:off x="0" y="0"/>
+          <a:ext cx="0" cy="0"/>
+          <a:chOff x="0" y="0"/>
+          <a:chExt cx="0" cy="0"/>
+        </a:xfrm>
+      </p:grpSpPr>
+      <p:sp>
+        <p:nvSpPr>
+          <p:cNvPr id="2" name="Slide Image Placeholder 1"/>
+          <p:cNvSpPr>
+            <a:spLocks noGrp="1" noRot="1" noChangeAspect="1"/>
+          </p:cNvSpPr>
+          <p:nvPr>
+            <p:ph type="sldImg"/>
+          </p:nvPr>
+        </p:nvSpPr>
+        <p:spPr/>
+      </p:sp>
+      <p:sp>
+        <p:nvSpPr>
+          <p:cNvPr id="3" name="Notes Placeholder 2"/>
+          <p:cNvSpPr>
+            <a:spLocks noGrp="1"/>
+          </p:cNvSpPr>
+          <p:nvPr>
+            <p:ph type="body" idx="1"/>
+          </p:nvPr>
+        </p:nvSpPr>
+        <p:spPr/>
+        <p:txBody>
+          <a:bodyPr/>
+          <a:lstStyle/>
+          <a:p>
+            <a:endParaRPr lang="en-PH" dirty="0"/>
+          </a:p>
+        </p:txBody>
+      </p:sp>
+      <p:sp>
+        <p:nvSpPr>
+          <p:cNvPr id="4" name="Slide Number Placeholder 3"/>
+          <p:cNvSpPr>
+            <a:spLocks noGrp="1"/>
+          </p:cNvSpPr>
+          <p:nvPr>
+            <p:ph type="sldNum" sz="quarter" idx="5"/>
+          </p:nvPr>
+        </p:nvSpPr>
+        <p:spPr/>
+        <p:txBody>
+          <a:bodyPr/>
+          <a:lstStyle/>
+          <a:p>
+            <a:fld id="{FE90CCE9-4AAE-4E1F-85AD-521A406D6524}" type="slidenum">
+              <a:rPr lang="en-PH" smtClean="0"/>
+              <a:t>10</a:t>
+            </a:fld>
+            <a:endParaRPr lang="en-PH"/>
+          </a:p>
+        </p:txBody>
+      </p:sp>
+    </p:spTree>
+    <p:extLst>
+      <p:ext uri="{BB962C8B-B14F-4D97-AF65-F5344CB8AC3E}">
+        <p14:creationId xmlns:p14="http://schemas.microsoft.com/office/powerpoint/2010/main" val="2735803262"/>
+      </p:ext>
+    </p:extLst>
+  </p:cSld>
+  <p:clrMapOvr>
+    <a:masterClrMapping/>
+  </p:clrMapOvr>
+</p:notes>
+</file>
+
+<file path=ppt/notesSlides/notesSlide11.xml><?xml version="1.0" encoding="utf-8"?>
+<p:notes xmlns:a="http://schemas.openxmlformats.org/drawingml/2006/main" xmlns:r="http://schemas.openxmlformats.org/officeDocument/2006/relationships" xmlns:p="http://schemas.openxmlformats.org/presentationml/2006/main">
+  <p:cSld>
+    <p:spTree>
+      <p:nvGrpSpPr>
+        <p:cNvPr id="1" name=""/>
+        <p:cNvGrpSpPr/>
+        <p:nvPr/>
+      </p:nvGrpSpPr>
+      <p:grpSpPr>
+        <a:xfrm>
+          <a:off x="0" y="0"/>
+          <a:ext cx="0" cy="0"/>
+          <a:chOff x="0" y="0"/>
+          <a:chExt cx="0" cy="0"/>
+        </a:xfrm>
+      </p:grpSpPr>
+      <p:sp>
+        <p:nvSpPr>
+          <p:cNvPr id="2" name="Slide Image Placeholder 1"/>
+          <p:cNvSpPr>
+            <a:spLocks noGrp="1" noRot="1" noChangeAspect="1"/>
+          </p:cNvSpPr>
+          <p:nvPr>
+            <p:ph type="sldImg"/>
+          </p:nvPr>
+        </p:nvSpPr>
+        <p:spPr/>
+      </p:sp>
+      <p:sp>
+        <p:nvSpPr>
+          <p:cNvPr id="3" name="Notes Placeholder 2"/>
+          <p:cNvSpPr>
+            <a:spLocks noGrp="1"/>
+          </p:cNvSpPr>
+          <p:nvPr>
+            <p:ph type="body" idx="1"/>
+          </p:nvPr>
+        </p:nvSpPr>
+        <p:spPr/>
+        <p:txBody>
+          <a:bodyPr/>
+          <a:lstStyle/>
+          <a:p>
+            <a:endParaRPr lang="en-PH" dirty="0"/>
+          </a:p>
+        </p:txBody>
+      </p:sp>
+      <p:sp>
+        <p:nvSpPr>
+          <p:cNvPr id="4" name="Slide Number Placeholder 3"/>
+          <p:cNvSpPr>
+            <a:spLocks noGrp="1"/>
+          </p:cNvSpPr>
+          <p:nvPr>
+            <p:ph type="sldNum" sz="quarter" idx="5"/>
+          </p:nvPr>
+        </p:nvSpPr>
+        <p:spPr/>
+        <p:txBody>
+          <a:bodyPr/>
+          <a:lstStyle/>
+          <a:p>
+            <a:fld id="{FE90CCE9-4AAE-4E1F-85AD-521A406D6524}" type="slidenum">
+              <a:rPr lang="en-PH" smtClean="0"/>
+              <a:t>11</a:t>
+            </a:fld>
+            <a:endParaRPr lang="en-PH"/>
+          </a:p>
+        </p:txBody>
+      </p:sp>
+    </p:spTree>
+    <p:extLst>
+      <p:ext uri="{BB962C8B-B14F-4D97-AF65-F5344CB8AC3E}">
+        <p14:creationId xmlns:p14="http://schemas.microsoft.com/office/powerpoint/2010/main" val="2088537744"/>
+      </p:ext>
+    </p:extLst>
+  </p:cSld>
+  <p:clrMapOvr>
+    <a:masterClrMapping/>
+  </p:clrMapOvr>
+</p:notes>
+</file>
+
+<file path=ppt/notesSlides/notesSlide12.xml><?xml version="1.0" encoding="utf-8"?>
+<p:notes xmlns:a="http://schemas.openxmlformats.org/drawingml/2006/main" xmlns:r="http://schemas.openxmlformats.org/officeDocument/2006/relationships" xmlns:p="http://schemas.openxmlformats.org/presentationml/2006/main">
+  <p:cSld>
+    <p:spTree>
+      <p:nvGrpSpPr>
+        <p:cNvPr id="1" name=""/>
+        <p:cNvGrpSpPr/>
+        <p:nvPr/>
+      </p:nvGrpSpPr>
+      <p:grpSpPr>
+        <a:xfrm>
+          <a:off x="0" y="0"/>
+          <a:ext cx="0" cy="0"/>
+          <a:chOff x="0" y="0"/>
+          <a:chExt cx="0" cy="0"/>
+        </a:xfrm>
+      </p:grpSpPr>
+      <p:sp>
+        <p:nvSpPr>
+          <p:cNvPr id="2" name="Slide Image Placeholder 1"/>
+          <p:cNvSpPr>
+            <a:spLocks noGrp="1" noRot="1" noChangeAspect="1"/>
+          </p:cNvSpPr>
+          <p:nvPr>
+            <p:ph type="sldImg"/>
+          </p:nvPr>
+        </p:nvSpPr>
+        <p:spPr/>
+      </p:sp>
+      <p:sp>
+        <p:nvSpPr>
+          <p:cNvPr id="3" name="Notes Placeholder 2"/>
+          <p:cNvSpPr>
+            <a:spLocks noGrp="1"/>
+          </p:cNvSpPr>
+          <p:nvPr>
+            <p:ph type="body" idx="1"/>
+          </p:nvPr>
+        </p:nvSpPr>
+        <p:spPr/>
+        <p:txBody>
+          <a:bodyPr/>
+          <a:lstStyle/>
+          <a:p>
+            <a:endParaRPr lang="en-PH" dirty="0"/>
+          </a:p>
+        </p:txBody>
+      </p:sp>
+      <p:sp>
+        <p:nvSpPr>
+          <p:cNvPr id="4" name="Slide Number Placeholder 3"/>
+          <p:cNvSpPr>
+            <a:spLocks noGrp="1"/>
+          </p:cNvSpPr>
+          <p:nvPr>
+            <p:ph type="sldNum" sz="quarter" idx="5"/>
+          </p:nvPr>
+        </p:nvSpPr>
+        <p:spPr/>
+        <p:txBody>
+          <a:bodyPr/>
+          <a:lstStyle/>
+          <a:p>
+            <a:fld id="{FE90CCE9-4AAE-4E1F-85AD-521A406D6524}" type="slidenum">
+              <a:rPr lang="en-PH" smtClean="0"/>
+              <a:t>12</a:t>
+            </a:fld>
+            <a:endParaRPr lang="en-PH"/>
+          </a:p>
+        </p:txBody>
+      </p:sp>
+    </p:spTree>
+    <p:extLst>
+      <p:ext uri="{BB962C8B-B14F-4D97-AF65-F5344CB8AC3E}">
+        <p14:creationId xmlns:p14="http://schemas.microsoft.com/office/powerpoint/2010/main" val="820465341"/>
+      </p:ext>
+    </p:extLst>
+  </p:cSld>
+  <p:clrMapOvr>
+    <a:masterClrMapping/>
+  </p:clrMapOvr>
+</p:notes>
+</file>
+
+<file path=ppt/notesSlides/notesSlide13.xml><?xml version="1.0" encoding="utf-8"?>
+<p:notes xmlns:a="http://schemas.openxmlformats.org/drawingml/2006/main" xmlns:r="http://schemas.openxmlformats.org/officeDocument/2006/relationships" xmlns:p="http://schemas.openxmlformats.org/presentationml/2006/main">
+  <p:cSld>
+    <p:spTree>
+      <p:nvGrpSpPr>
+        <p:cNvPr id="1" name=""/>
+        <p:cNvGrpSpPr/>
+        <p:nvPr/>
+      </p:nvGrpSpPr>
+      <p:grpSpPr>
+        <a:xfrm>
+          <a:off x="0" y="0"/>
+          <a:ext cx="0" cy="0"/>
+          <a:chOff x="0" y="0"/>
+          <a:chExt cx="0" cy="0"/>
+        </a:xfrm>
+      </p:grpSpPr>
+      <p:sp>
+        <p:nvSpPr>
+          <p:cNvPr id="2" name="Slide Image Placeholder 1"/>
+          <p:cNvSpPr>
+            <a:spLocks noGrp="1" noRot="1" noChangeAspect="1"/>
+          </p:cNvSpPr>
+          <p:nvPr>
+            <p:ph type="sldImg"/>
+          </p:nvPr>
+        </p:nvSpPr>
+        <p:spPr/>
+      </p:sp>
+      <p:sp>
+        <p:nvSpPr>
+          <p:cNvPr id="3" name="Notes Placeholder 2"/>
+          <p:cNvSpPr>
+            <a:spLocks noGrp="1"/>
+          </p:cNvSpPr>
+          <p:nvPr>
+            <p:ph type="body" idx="1"/>
+          </p:nvPr>
+        </p:nvSpPr>
+        <p:spPr/>
+        <p:txBody>
+          <a:bodyPr/>
+          <a:lstStyle/>
+          <a:p>
+            <a:endParaRPr lang="en-PH" dirty="0"/>
+          </a:p>
+        </p:txBody>
+      </p:sp>
+      <p:sp>
+        <p:nvSpPr>
+          <p:cNvPr id="4" name="Slide Number Placeholder 3"/>
+          <p:cNvSpPr>
+            <a:spLocks noGrp="1"/>
+          </p:cNvSpPr>
+          <p:nvPr>
+            <p:ph type="sldNum" sz="quarter" idx="5"/>
+          </p:nvPr>
+        </p:nvSpPr>
+        <p:spPr/>
+        <p:txBody>
+          <a:bodyPr/>
+          <a:lstStyle/>
+          <a:p>
+            <a:fld id="{FE90CCE9-4AAE-4E1F-85AD-521A406D6524}" type="slidenum">
+              <a:rPr lang="en-PH" smtClean="0"/>
+              <a:t>13</a:t>
+            </a:fld>
+            <a:endParaRPr lang="en-PH"/>
+          </a:p>
+        </p:txBody>
+      </p:sp>
+    </p:spTree>
+    <p:extLst>
+      <p:ext uri="{BB962C8B-B14F-4D97-AF65-F5344CB8AC3E}">
+        <p14:creationId xmlns:p14="http://schemas.microsoft.com/office/powerpoint/2010/main" val="3856868617"/>
+      </p:ext>
+    </p:extLst>
+  </p:cSld>
+  <p:clrMapOvr>
+    <a:masterClrMapping/>
+  </p:clrMapOvr>
+</p:notes>
+</file>
+
+<file path=ppt/notesSlides/notesSlide14.xml><?xml version="1.0" encoding="utf-8"?>
+<p:notes xmlns:a="http://schemas.openxmlformats.org/drawingml/2006/main" xmlns:r="http://schemas.openxmlformats.org/officeDocument/2006/relationships" xmlns:p="http://schemas.openxmlformats.org/presentationml/2006/main">
+  <p:cSld>
+    <p:spTree>
+      <p:nvGrpSpPr>
+        <p:cNvPr id="1" name=""/>
+        <p:cNvGrpSpPr/>
+        <p:nvPr/>
+      </p:nvGrpSpPr>
+      <p:grpSpPr>
+        <a:xfrm>
+          <a:off x="0" y="0"/>
+          <a:ext cx="0" cy="0"/>
+          <a:chOff x="0" y="0"/>
+          <a:chExt cx="0" cy="0"/>
+        </a:xfrm>
+      </p:grpSpPr>
+      <p:sp>
+        <p:nvSpPr>
+          <p:cNvPr id="2" name="Slide Image Placeholder 1"/>
+          <p:cNvSpPr>
+            <a:spLocks noGrp="1" noRot="1" noChangeAspect="1"/>
+          </p:cNvSpPr>
+          <p:nvPr>
+            <p:ph type="sldImg"/>
+          </p:nvPr>
+        </p:nvSpPr>
+        <p:spPr/>
+      </p:sp>
+      <p:sp>
+        <p:nvSpPr>
+          <p:cNvPr id="3" name="Notes Placeholder 2"/>
+          <p:cNvSpPr>
+            <a:spLocks noGrp="1"/>
+          </p:cNvSpPr>
+          <p:nvPr>
+            <p:ph type="body" idx="1"/>
+          </p:nvPr>
+        </p:nvSpPr>
+        <p:spPr/>
+        <p:txBody>
+          <a:bodyPr/>
+          <a:lstStyle/>
+          <a:p>
+            <a:endParaRPr lang="en-PH" dirty="0"/>
+          </a:p>
+        </p:txBody>
+      </p:sp>
+      <p:sp>
+        <p:nvSpPr>
+          <p:cNvPr id="4" name="Slide Number Placeholder 3"/>
+          <p:cNvSpPr>
+            <a:spLocks noGrp="1"/>
+          </p:cNvSpPr>
+          <p:nvPr>
+            <p:ph type="sldNum" sz="quarter" idx="5"/>
+          </p:nvPr>
+        </p:nvSpPr>
+        <p:spPr/>
+        <p:txBody>
+          <a:bodyPr/>
+          <a:lstStyle/>
+          <a:p>
+            <a:fld id="{FE90CCE9-4AAE-4E1F-85AD-521A406D6524}" type="slidenum">
+              <a:rPr lang="en-PH" smtClean="0"/>
+              <a:t>14</a:t>
+            </a:fld>
+            <a:endParaRPr lang="en-PH"/>
+          </a:p>
+        </p:txBody>
+      </p:sp>
+    </p:spTree>
+    <p:extLst>
+      <p:ext uri="{BB962C8B-B14F-4D97-AF65-F5344CB8AC3E}">
+        <p14:creationId xmlns:p14="http://schemas.microsoft.com/office/powerpoint/2010/main" val="1642917808"/>
+      </p:ext>
+    </p:extLst>
+  </p:cSld>
+  <p:clrMapOvr>
+    <a:masterClrMapping/>
+  </p:clrMapOvr>
+</p:notes>
+</file>
+
+<file path=ppt/notesSlides/notesSlide15.xml><?xml version="1.0" encoding="utf-8"?>
+<p:notes xmlns:a="http://schemas.openxmlformats.org/drawingml/2006/main" xmlns:r="http://schemas.openxmlformats.org/officeDocument/2006/relationships" xmlns:p="http://schemas.openxmlformats.org/presentationml/2006/main">
+  <p:cSld>
+    <p:spTree>
+      <p:nvGrpSpPr>
+        <p:cNvPr id="1" name=""/>
+        <p:cNvGrpSpPr/>
+        <p:nvPr/>
+      </p:nvGrpSpPr>
+      <p:grpSpPr>
+        <a:xfrm>
+          <a:off x="0" y="0"/>
+          <a:ext cx="0" cy="0"/>
+          <a:chOff x="0" y="0"/>
+          <a:chExt cx="0" cy="0"/>
+        </a:xfrm>
+      </p:grpSpPr>
+      <p:sp>
+        <p:nvSpPr>
+          <p:cNvPr id="2" name="Slide Image Placeholder 1"/>
+          <p:cNvSpPr>
+            <a:spLocks noGrp="1" noRot="1" noChangeAspect="1"/>
+          </p:cNvSpPr>
+          <p:nvPr>
+            <p:ph type="sldImg"/>
+          </p:nvPr>
+        </p:nvSpPr>
+        <p:spPr/>
+      </p:sp>
+      <p:sp>
+        <p:nvSpPr>
+          <p:cNvPr id="3" name="Notes Placeholder 2"/>
+          <p:cNvSpPr>
+            <a:spLocks noGrp="1"/>
+          </p:cNvSpPr>
+          <p:nvPr>
+            <p:ph type="body" idx="1"/>
+          </p:nvPr>
+        </p:nvSpPr>
+        <p:spPr/>
+        <p:txBody>
+          <a:bodyPr/>
+          <a:lstStyle/>
+          <a:p>
+            <a:endParaRPr lang="en-PH" dirty="0"/>
+          </a:p>
+        </p:txBody>
+      </p:sp>
+      <p:sp>
+        <p:nvSpPr>
+          <p:cNvPr id="4" name="Slide Number Placeholder 3"/>
+          <p:cNvSpPr>
+            <a:spLocks noGrp="1"/>
+          </p:cNvSpPr>
+          <p:nvPr>
+            <p:ph type="sldNum" sz="quarter" idx="5"/>
+          </p:nvPr>
+        </p:nvSpPr>
+        <p:spPr/>
+        <p:txBody>
+          <a:bodyPr/>
+          <a:lstStyle/>
+          <a:p>
+            <a:fld id="{FE90CCE9-4AAE-4E1F-85AD-521A406D6524}" type="slidenum">
+              <a:rPr lang="en-PH" smtClean="0"/>
+              <a:t>15</a:t>
+            </a:fld>
+            <a:endParaRPr lang="en-PH"/>
+          </a:p>
+        </p:txBody>
+      </p:sp>
+    </p:spTree>
+    <p:extLst>
+      <p:ext uri="{BB962C8B-B14F-4D97-AF65-F5344CB8AC3E}">
+        <p14:creationId xmlns:p14="http://schemas.microsoft.com/office/powerpoint/2010/main" val="2021901976"/>
+      </p:ext>
+    </p:extLst>
+  </p:cSld>
+  <p:clrMapOvr>
+    <a:masterClrMapping/>
+  </p:clrMapOvr>
+</p:notes>
+</file>
+
+<file path=ppt/notesSlides/notesSlide16.xml><?xml version="1.0" encoding="utf-8"?>
+<p:notes xmlns:a="http://schemas.openxmlformats.org/drawingml/2006/main" xmlns:r="http://schemas.openxmlformats.org/officeDocument/2006/relationships" xmlns:p="http://schemas.openxmlformats.org/presentationml/2006/main">
+  <p:cSld>
+    <p:spTree>
+      <p:nvGrpSpPr>
+        <p:cNvPr id="1" name=""/>
+        <p:cNvGrpSpPr/>
+        <p:nvPr/>
+      </p:nvGrpSpPr>
+      <p:grpSpPr>
+        <a:xfrm>
+          <a:off x="0" y="0"/>
+          <a:ext cx="0" cy="0"/>
+          <a:chOff x="0" y="0"/>
+          <a:chExt cx="0" cy="0"/>
+        </a:xfrm>
+      </p:grpSpPr>
+      <p:sp>
+        <p:nvSpPr>
+          <p:cNvPr id="2" name="Slide Image Placeholder 1"/>
+          <p:cNvSpPr>
+            <a:spLocks noGrp="1" noRot="1" noChangeAspect="1"/>
+          </p:cNvSpPr>
+          <p:nvPr>
+            <p:ph type="sldImg"/>
+          </p:nvPr>
+        </p:nvSpPr>
+        <p:spPr/>
+      </p:sp>
+      <p:sp>
+        <p:nvSpPr>
+          <p:cNvPr id="3" name="Notes Placeholder 2"/>
+          <p:cNvSpPr>
+            <a:spLocks noGrp="1"/>
+          </p:cNvSpPr>
+          <p:nvPr>
+            <p:ph type="body" idx="1"/>
+          </p:nvPr>
+        </p:nvSpPr>
+        <p:spPr/>
+        <p:txBody>
+          <a:bodyPr/>
+          <a:lstStyle/>
+          <a:p>
+            <a:endParaRPr lang="en-PH" dirty="0"/>
+          </a:p>
+        </p:txBody>
+      </p:sp>
+      <p:sp>
+        <p:nvSpPr>
+          <p:cNvPr id="4" name="Slide Number Placeholder 3"/>
+          <p:cNvSpPr>
+            <a:spLocks noGrp="1"/>
+          </p:cNvSpPr>
+          <p:nvPr>
+            <p:ph type="sldNum" sz="quarter" idx="5"/>
+          </p:nvPr>
+        </p:nvSpPr>
+        <p:spPr/>
+        <p:txBody>
+          <a:bodyPr/>
+          <a:lstStyle/>
+          <a:p>
+            <a:fld id="{FE90CCE9-4AAE-4E1F-85AD-521A406D6524}" type="slidenum">
+              <a:rPr lang="en-PH" smtClean="0"/>
+              <a:t>16</a:t>
+            </a:fld>
+            <a:endParaRPr lang="en-PH"/>
+          </a:p>
+        </p:txBody>
+      </p:sp>
+    </p:spTree>
+    <p:extLst>
+      <p:ext uri="{BB962C8B-B14F-4D97-AF65-F5344CB8AC3E}">
+        <p14:creationId xmlns:p14="http://schemas.microsoft.com/office/powerpoint/2010/main" val="2161134267"/>
+      </p:ext>
+    </p:extLst>
+  </p:cSld>
+  <p:clrMapOvr>
+    <a:masterClrMapping/>
+  </p:clrMapOvr>
+</p:notes>
+</file>
+
+<file path=ppt/notesSlides/notesSlide17.xml><?xml version="1.0" encoding="utf-8"?>
+<p:notes xmlns:a="http://schemas.openxmlformats.org/drawingml/2006/main" xmlns:r="http://schemas.openxmlformats.org/officeDocument/2006/relationships" xmlns:p="http://schemas.openxmlformats.org/presentationml/2006/main">
+  <p:cSld>
+    <p:spTree>
+      <p:nvGrpSpPr>
+        <p:cNvPr id="1" name=""/>
+        <p:cNvGrpSpPr/>
+        <p:nvPr/>
+      </p:nvGrpSpPr>
+      <p:grpSpPr>
+        <a:xfrm>
+          <a:off x="0" y="0"/>
+          <a:ext cx="0" cy="0"/>
+          <a:chOff x="0" y="0"/>
+          <a:chExt cx="0" cy="0"/>
+        </a:xfrm>
+      </p:grpSpPr>
+      <p:sp>
+        <p:nvSpPr>
+          <p:cNvPr id="2" name="Slide Image Placeholder 1"/>
+          <p:cNvSpPr>
+            <a:spLocks noGrp="1" noRot="1" noChangeAspect="1"/>
+          </p:cNvSpPr>
+          <p:nvPr>
+            <p:ph type="sldImg"/>
+          </p:nvPr>
+        </p:nvSpPr>
+        <p:spPr/>
+      </p:sp>
+      <p:sp>
+        <p:nvSpPr>
+          <p:cNvPr id="3" name="Notes Placeholder 2"/>
+          <p:cNvSpPr>
+            <a:spLocks noGrp="1"/>
+          </p:cNvSpPr>
+          <p:nvPr>
+            <p:ph type="body" idx="1"/>
+          </p:nvPr>
+        </p:nvSpPr>
+        <p:spPr/>
+        <p:txBody>
+          <a:bodyPr/>
+          <a:lstStyle/>
+          <a:p>
+            <a:endParaRPr lang="en-PH" dirty="0"/>
+          </a:p>
+        </p:txBody>
+      </p:sp>
+      <p:sp>
+        <p:nvSpPr>
+          <p:cNvPr id="4" name="Slide Number Placeholder 3"/>
+          <p:cNvSpPr>
+            <a:spLocks noGrp="1"/>
+          </p:cNvSpPr>
+          <p:nvPr>
+            <p:ph type="sldNum" sz="quarter" idx="5"/>
+          </p:nvPr>
+        </p:nvSpPr>
+        <p:spPr/>
+        <p:txBody>
+          <a:bodyPr/>
+          <a:lstStyle/>
+          <a:p>
+            <a:fld id="{FE90CCE9-4AAE-4E1F-85AD-521A406D6524}" type="slidenum">
+              <a:rPr lang="en-PH" smtClean="0"/>
+              <a:t>17</a:t>
+            </a:fld>
+            <a:endParaRPr lang="en-PH"/>
+          </a:p>
+        </p:txBody>
+      </p:sp>
+    </p:spTree>
+    <p:extLst>
+      <p:ext uri="{BB962C8B-B14F-4D97-AF65-F5344CB8AC3E}">
+        <p14:creationId xmlns:p14="http://schemas.microsoft.com/office/powerpoint/2010/main" val="3375702982"/>
+      </p:ext>
+    </p:extLst>
+  </p:cSld>
+  <p:clrMapOvr>
+    <a:masterClrMapping/>
+  </p:clrMapOvr>
+</p:notes>
+</file>
+
 <file path=ppt/notesSlides/notesSlide2.xml><?xml version="1.0" encoding="utf-8"?>
 <p:notes xmlns:a="http://schemas.openxmlformats.org/drawingml/2006/main" xmlns:r="http://schemas.openxmlformats.org/officeDocument/2006/relationships" xmlns:p="http://schemas.openxmlformats.org/presentationml/2006/main">
   <p:cSld>
@@ -633,6 +1320,594 @@
     <p:extLst>
       <p:ext uri="{BB962C8B-B14F-4D97-AF65-F5344CB8AC3E}">
         <p14:creationId xmlns:p14="http://schemas.microsoft.com/office/powerpoint/2010/main" val="1022805588"/>
+      </p:ext>
+    </p:extLst>
+  </p:cSld>
+  <p:clrMapOvr>
+    <a:masterClrMapping/>
+  </p:clrMapOvr>
+</p:notes>
+</file>
+
+<file path=ppt/notesSlides/notesSlide3.xml><?xml version="1.0" encoding="utf-8"?>
+<p:notes xmlns:a="http://schemas.openxmlformats.org/drawingml/2006/main" xmlns:r="http://schemas.openxmlformats.org/officeDocument/2006/relationships" xmlns:p="http://schemas.openxmlformats.org/presentationml/2006/main">
+  <p:cSld>
+    <p:spTree>
+      <p:nvGrpSpPr>
+        <p:cNvPr id="1" name=""/>
+        <p:cNvGrpSpPr/>
+        <p:nvPr/>
+      </p:nvGrpSpPr>
+      <p:grpSpPr>
+        <a:xfrm>
+          <a:off x="0" y="0"/>
+          <a:ext cx="0" cy="0"/>
+          <a:chOff x="0" y="0"/>
+          <a:chExt cx="0" cy="0"/>
+        </a:xfrm>
+      </p:grpSpPr>
+      <p:sp>
+        <p:nvSpPr>
+          <p:cNvPr id="2" name="Slide Image Placeholder 1"/>
+          <p:cNvSpPr>
+            <a:spLocks noGrp="1" noRot="1" noChangeAspect="1"/>
+          </p:cNvSpPr>
+          <p:nvPr>
+            <p:ph type="sldImg"/>
+          </p:nvPr>
+        </p:nvSpPr>
+        <p:spPr/>
+      </p:sp>
+      <p:sp>
+        <p:nvSpPr>
+          <p:cNvPr id="3" name="Notes Placeholder 2"/>
+          <p:cNvSpPr>
+            <a:spLocks noGrp="1"/>
+          </p:cNvSpPr>
+          <p:nvPr>
+            <p:ph type="body" idx="1"/>
+          </p:nvPr>
+        </p:nvSpPr>
+        <p:spPr/>
+        <p:txBody>
+          <a:bodyPr/>
+          <a:lstStyle/>
+          <a:p>
+            <a:endParaRPr lang="en-PH" dirty="0"/>
+          </a:p>
+        </p:txBody>
+      </p:sp>
+      <p:sp>
+        <p:nvSpPr>
+          <p:cNvPr id="4" name="Slide Number Placeholder 3"/>
+          <p:cNvSpPr>
+            <a:spLocks noGrp="1"/>
+          </p:cNvSpPr>
+          <p:nvPr>
+            <p:ph type="sldNum" sz="quarter" idx="5"/>
+          </p:nvPr>
+        </p:nvSpPr>
+        <p:spPr/>
+        <p:txBody>
+          <a:bodyPr/>
+          <a:lstStyle/>
+          <a:p>
+            <a:fld id="{FE90CCE9-4AAE-4E1F-85AD-521A406D6524}" type="slidenum">
+              <a:rPr lang="en-PH" smtClean="0"/>
+              <a:t>3</a:t>
+            </a:fld>
+            <a:endParaRPr lang="en-PH"/>
+          </a:p>
+        </p:txBody>
+      </p:sp>
+    </p:spTree>
+    <p:extLst>
+      <p:ext uri="{BB962C8B-B14F-4D97-AF65-F5344CB8AC3E}">
+        <p14:creationId xmlns:p14="http://schemas.microsoft.com/office/powerpoint/2010/main" val="1028274672"/>
+      </p:ext>
+    </p:extLst>
+  </p:cSld>
+  <p:clrMapOvr>
+    <a:masterClrMapping/>
+  </p:clrMapOvr>
+</p:notes>
+</file>
+
+<file path=ppt/notesSlides/notesSlide4.xml><?xml version="1.0" encoding="utf-8"?>
+<p:notes xmlns:a="http://schemas.openxmlformats.org/drawingml/2006/main" xmlns:r="http://schemas.openxmlformats.org/officeDocument/2006/relationships" xmlns:p="http://schemas.openxmlformats.org/presentationml/2006/main">
+  <p:cSld>
+    <p:spTree>
+      <p:nvGrpSpPr>
+        <p:cNvPr id="1" name=""/>
+        <p:cNvGrpSpPr/>
+        <p:nvPr/>
+      </p:nvGrpSpPr>
+      <p:grpSpPr>
+        <a:xfrm>
+          <a:off x="0" y="0"/>
+          <a:ext cx="0" cy="0"/>
+          <a:chOff x="0" y="0"/>
+          <a:chExt cx="0" cy="0"/>
+        </a:xfrm>
+      </p:grpSpPr>
+      <p:sp>
+        <p:nvSpPr>
+          <p:cNvPr id="2" name="Slide Image Placeholder 1"/>
+          <p:cNvSpPr>
+            <a:spLocks noGrp="1" noRot="1" noChangeAspect="1"/>
+          </p:cNvSpPr>
+          <p:nvPr>
+            <p:ph type="sldImg"/>
+          </p:nvPr>
+        </p:nvSpPr>
+        <p:spPr/>
+      </p:sp>
+      <p:sp>
+        <p:nvSpPr>
+          <p:cNvPr id="3" name="Notes Placeholder 2"/>
+          <p:cNvSpPr>
+            <a:spLocks noGrp="1"/>
+          </p:cNvSpPr>
+          <p:nvPr>
+            <p:ph type="body" idx="1"/>
+          </p:nvPr>
+        </p:nvSpPr>
+        <p:spPr/>
+        <p:txBody>
+          <a:bodyPr/>
+          <a:lstStyle/>
+          <a:p>
+            <a:endParaRPr lang="en-PH" dirty="0"/>
+          </a:p>
+        </p:txBody>
+      </p:sp>
+      <p:sp>
+        <p:nvSpPr>
+          <p:cNvPr id="4" name="Slide Number Placeholder 3"/>
+          <p:cNvSpPr>
+            <a:spLocks noGrp="1"/>
+          </p:cNvSpPr>
+          <p:nvPr>
+            <p:ph type="sldNum" sz="quarter" idx="5"/>
+          </p:nvPr>
+        </p:nvSpPr>
+        <p:spPr/>
+        <p:txBody>
+          <a:bodyPr/>
+          <a:lstStyle/>
+          <a:p>
+            <a:fld id="{FE90CCE9-4AAE-4E1F-85AD-521A406D6524}" type="slidenum">
+              <a:rPr lang="en-PH" smtClean="0"/>
+              <a:t>4</a:t>
+            </a:fld>
+            <a:endParaRPr lang="en-PH"/>
+          </a:p>
+        </p:txBody>
+      </p:sp>
+    </p:spTree>
+    <p:extLst>
+      <p:ext uri="{BB962C8B-B14F-4D97-AF65-F5344CB8AC3E}">
+        <p14:creationId xmlns:p14="http://schemas.microsoft.com/office/powerpoint/2010/main" val="2584818473"/>
+      </p:ext>
+    </p:extLst>
+  </p:cSld>
+  <p:clrMapOvr>
+    <a:masterClrMapping/>
+  </p:clrMapOvr>
+</p:notes>
+</file>
+
+<file path=ppt/notesSlides/notesSlide5.xml><?xml version="1.0" encoding="utf-8"?>
+<p:notes xmlns:a="http://schemas.openxmlformats.org/drawingml/2006/main" xmlns:r="http://schemas.openxmlformats.org/officeDocument/2006/relationships" xmlns:p="http://schemas.openxmlformats.org/presentationml/2006/main">
+  <p:cSld>
+    <p:spTree>
+      <p:nvGrpSpPr>
+        <p:cNvPr id="1" name=""/>
+        <p:cNvGrpSpPr/>
+        <p:nvPr/>
+      </p:nvGrpSpPr>
+      <p:grpSpPr>
+        <a:xfrm>
+          <a:off x="0" y="0"/>
+          <a:ext cx="0" cy="0"/>
+          <a:chOff x="0" y="0"/>
+          <a:chExt cx="0" cy="0"/>
+        </a:xfrm>
+      </p:grpSpPr>
+      <p:sp>
+        <p:nvSpPr>
+          <p:cNvPr id="2" name="Slide Image Placeholder 1"/>
+          <p:cNvSpPr>
+            <a:spLocks noGrp="1" noRot="1" noChangeAspect="1"/>
+          </p:cNvSpPr>
+          <p:nvPr>
+            <p:ph type="sldImg"/>
+          </p:nvPr>
+        </p:nvSpPr>
+        <p:spPr/>
+      </p:sp>
+      <p:sp>
+        <p:nvSpPr>
+          <p:cNvPr id="3" name="Notes Placeholder 2"/>
+          <p:cNvSpPr>
+            <a:spLocks noGrp="1"/>
+          </p:cNvSpPr>
+          <p:nvPr>
+            <p:ph type="body" idx="1"/>
+          </p:nvPr>
+        </p:nvSpPr>
+        <p:spPr/>
+        <p:txBody>
+          <a:bodyPr/>
+          <a:lstStyle/>
+          <a:p>
+            <a:endParaRPr lang="en-PH" dirty="0"/>
+          </a:p>
+        </p:txBody>
+      </p:sp>
+      <p:sp>
+        <p:nvSpPr>
+          <p:cNvPr id="4" name="Slide Number Placeholder 3"/>
+          <p:cNvSpPr>
+            <a:spLocks noGrp="1"/>
+          </p:cNvSpPr>
+          <p:nvPr>
+            <p:ph type="sldNum" sz="quarter" idx="5"/>
+          </p:nvPr>
+        </p:nvSpPr>
+        <p:spPr/>
+        <p:txBody>
+          <a:bodyPr/>
+          <a:lstStyle/>
+          <a:p>
+            <a:fld id="{FE90CCE9-4AAE-4E1F-85AD-521A406D6524}" type="slidenum">
+              <a:rPr lang="en-PH" smtClean="0"/>
+              <a:t>5</a:t>
+            </a:fld>
+            <a:endParaRPr lang="en-PH"/>
+          </a:p>
+        </p:txBody>
+      </p:sp>
+    </p:spTree>
+    <p:extLst>
+      <p:ext uri="{BB962C8B-B14F-4D97-AF65-F5344CB8AC3E}">
+        <p14:creationId xmlns:p14="http://schemas.microsoft.com/office/powerpoint/2010/main" val="2810188219"/>
+      </p:ext>
+    </p:extLst>
+  </p:cSld>
+  <p:clrMapOvr>
+    <a:masterClrMapping/>
+  </p:clrMapOvr>
+</p:notes>
+</file>
+
+<file path=ppt/notesSlides/notesSlide6.xml><?xml version="1.0" encoding="utf-8"?>
+<p:notes xmlns:a="http://schemas.openxmlformats.org/drawingml/2006/main" xmlns:r="http://schemas.openxmlformats.org/officeDocument/2006/relationships" xmlns:p="http://schemas.openxmlformats.org/presentationml/2006/main">
+  <p:cSld>
+    <p:spTree>
+      <p:nvGrpSpPr>
+        <p:cNvPr id="1" name=""/>
+        <p:cNvGrpSpPr/>
+        <p:nvPr/>
+      </p:nvGrpSpPr>
+      <p:grpSpPr>
+        <a:xfrm>
+          <a:off x="0" y="0"/>
+          <a:ext cx="0" cy="0"/>
+          <a:chOff x="0" y="0"/>
+          <a:chExt cx="0" cy="0"/>
+        </a:xfrm>
+      </p:grpSpPr>
+      <p:sp>
+        <p:nvSpPr>
+          <p:cNvPr id="2" name="Slide Image Placeholder 1"/>
+          <p:cNvSpPr>
+            <a:spLocks noGrp="1" noRot="1" noChangeAspect="1"/>
+          </p:cNvSpPr>
+          <p:nvPr>
+            <p:ph type="sldImg"/>
+          </p:nvPr>
+        </p:nvSpPr>
+        <p:spPr/>
+      </p:sp>
+      <p:sp>
+        <p:nvSpPr>
+          <p:cNvPr id="3" name="Notes Placeholder 2"/>
+          <p:cNvSpPr>
+            <a:spLocks noGrp="1"/>
+          </p:cNvSpPr>
+          <p:nvPr>
+            <p:ph type="body" idx="1"/>
+          </p:nvPr>
+        </p:nvSpPr>
+        <p:spPr/>
+        <p:txBody>
+          <a:bodyPr/>
+          <a:lstStyle/>
+          <a:p>
+            <a:endParaRPr lang="en-PH" dirty="0"/>
+          </a:p>
+        </p:txBody>
+      </p:sp>
+      <p:sp>
+        <p:nvSpPr>
+          <p:cNvPr id="4" name="Slide Number Placeholder 3"/>
+          <p:cNvSpPr>
+            <a:spLocks noGrp="1"/>
+          </p:cNvSpPr>
+          <p:nvPr>
+            <p:ph type="sldNum" sz="quarter" idx="5"/>
+          </p:nvPr>
+        </p:nvSpPr>
+        <p:spPr/>
+        <p:txBody>
+          <a:bodyPr/>
+          <a:lstStyle/>
+          <a:p>
+            <a:fld id="{FE90CCE9-4AAE-4E1F-85AD-521A406D6524}" type="slidenum">
+              <a:rPr lang="en-PH" smtClean="0"/>
+              <a:t>6</a:t>
+            </a:fld>
+            <a:endParaRPr lang="en-PH"/>
+          </a:p>
+        </p:txBody>
+      </p:sp>
+    </p:spTree>
+    <p:extLst>
+      <p:ext uri="{BB962C8B-B14F-4D97-AF65-F5344CB8AC3E}">
+        <p14:creationId xmlns:p14="http://schemas.microsoft.com/office/powerpoint/2010/main" val="300004829"/>
+      </p:ext>
+    </p:extLst>
+  </p:cSld>
+  <p:clrMapOvr>
+    <a:masterClrMapping/>
+  </p:clrMapOvr>
+</p:notes>
+</file>
+
+<file path=ppt/notesSlides/notesSlide7.xml><?xml version="1.0" encoding="utf-8"?>
+<p:notes xmlns:a="http://schemas.openxmlformats.org/drawingml/2006/main" xmlns:r="http://schemas.openxmlformats.org/officeDocument/2006/relationships" xmlns:p="http://schemas.openxmlformats.org/presentationml/2006/main">
+  <p:cSld>
+    <p:spTree>
+      <p:nvGrpSpPr>
+        <p:cNvPr id="1" name=""/>
+        <p:cNvGrpSpPr/>
+        <p:nvPr/>
+      </p:nvGrpSpPr>
+      <p:grpSpPr>
+        <a:xfrm>
+          <a:off x="0" y="0"/>
+          <a:ext cx="0" cy="0"/>
+          <a:chOff x="0" y="0"/>
+          <a:chExt cx="0" cy="0"/>
+        </a:xfrm>
+      </p:grpSpPr>
+      <p:sp>
+        <p:nvSpPr>
+          <p:cNvPr id="2" name="Slide Image Placeholder 1"/>
+          <p:cNvSpPr>
+            <a:spLocks noGrp="1" noRot="1" noChangeAspect="1"/>
+          </p:cNvSpPr>
+          <p:nvPr>
+            <p:ph type="sldImg"/>
+          </p:nvPr>
+        </p:nvSpPr>
+        <p:spPr/>
+      </p:sp>
+      <p:sp>
+        <p:nvSpPr>
+          <p:cNvPr id="3" name="Notes Placeholder 2"/>
+          <p:cNvSpPr>
+            <a:spLocks noGrp="1"/>
+          </p:cNvSpPr>
+          <p:nvPr>
+            <p:ph type="body" idx="1"/>
+          </p:nvPr>
+        </p:nvSpPr>
+        <p:spPr/>
+        <p:txBody>
+          <a:bodyPr/>
+          <a:lstStyle/>
+          <a:p>
+            <a:endParaRPr lang="en-PH" dirty="0"/>
+          </a:p>
+        </p:txBody>
+      </p:sp>
+      <p:sp>
+        <p:nvSpPr>
+          <p:cNvPr id="4" name="Slide Number Placeholder 3"/>
+          <p:cNvSpPr>
+            <a:spLocks noGrp="1"/>
+          </p:cNvSpPr>
+          <p:nvPr>
+            <p:ph type="sldNum" sz="quarter" idx="5"/>
+          </p:nvPr>
+        </p:nvSpPr>
+        <p:spPr/>
+        <p:txBody>
+          <a:bodyPr/>
+          <a:lstStyle/>
+          <a:p>
+            <a:fld id="{FE90CCE9-4AAE-4E1F-85AD-521A406D6524}" type="slidenum">
+              <a:rPr lang="en-PH" smtClean="0"/>
+              <a:t>7</a:t>
+            </a:fld>
+            <a:endParaRPr lang="en-PH"/>
+          </a:p>
+        </p:txBody>
+      </p:sp>
+    </p:spTree>
+    <p:extLst>
+      <p:ext uri="{BB962C8B-B14F-4D97-AF65-F5344CB8AC3E}">
+        <p14:creationId xmlns:p14="http://schemas.microsoft.com/office/powerpoint/2010/main" val="3665293838"/>
+      </p:ext>
+    </p:extLst>
+  </p:cSld>
+  <p:clrMapOvr>
+    <a:masterClrMapping/>
+  </p:clrMapOvr>
+</p:notes>
+</file>
+
+<file path=ppt/notesSlides/notesSlide8.xml><?xml version="1.0" encoding="utf-8"?>
+<p:notes xmlns:a="http://schemas.openxmlformats.org/drawingml/2006/main" xmlns:r="http://schemas.openxmlformats.org/officeDocument/2006/relationships" xmlns:p="http://schemas.openxmlformats.org/presentationml/2006/main">
+  <p:cSld>
+    <p:spTree>
+      <p:nvGrpSpPr>
+        <p:cNvPr id="1" name=""/>
+        <p:cNvGrpSpPr/>
+        <p:nvPr/>
+      </p:nvGrpSpPr>
+      <p:grpSpPr>
+        <a:xfrm>
+          <a:off x="0" y="0"/>
+          <a:ext cx="0" cy="0"/>
+          <a:chOff x="0" y="0"/>
+          <a:chExt cx="0" cy="0"/>
+        </a:xfrm>
+      </p:grpSpPr>
+      <p:sp>
+        <p:nvSpPr>
+          <p:cNvPr id="2" name="Slide Image Placeholder 1"/>
+          <p:cNvSpPr>
+            <a:spLocks noGrp="1" noRot="1" noChangeAspect="1"/>
+          </p:cNvSpPr>
+          <p:nvPr>
+            <p:ph type="sldImg"/>
+          </p:nvPr>
+        </p:nvSpPr>
+        <p:spPr/>
+      </p:sp>
+      <p:sp>
+        <p:nvSpPr>
+          <p:cNvPr id="3" name="Notes Placeholder 2"/>
+          <p:cNvSpPr>
+            <a:spLocks noGrp="1"/>
+          </p:cNvSpPr>
+          <p:nvPr>
+            <p:ph type="body" idx="1"/>
+          </p:nvPr>
+        </p:nvSpPr>
+        <p:spPr/>
+        <p:txBody>
+          <a:bodyPr/>
+          <a:lstStyle/>
+          <a:p>
+            <a:endParaRPr lang="en-PH" dirty="0"/>
+          </a:p>
+        </p:txBody>
+      </p:sp>
+      <p:sp>
+        <p:nvSpPr>
+          <p:cNvPr id="4" name="Slide Number Placeholder 3"/>
+          <p:cNvSpPr>
+            <a:spLocks noGrp="1"/>
+          </p:cNvSpPr>
+          <p:nvPr>
+            <p:ph type="sldNum" sz="quarter" idx="5"/>
+          </p:nvPr>
+        </p:nvSpPr>
+        <p:spPr/>
+        <p:txBody>
+          <a:bodyPr/>
+          <a:lstStyle/>
+          <a:p>
+            <a:fld id="{FE90CCE9-4AAE-4E1F-85AD-521A406D6524}" type="slidenum">
+              <a:rPr lang="en-PH" smtClean="0"/>
+              <a:t>8</a:t>
+            </a:fld>
+            <a:endParaRPr lang="en-PH"/>
+          </a:p>
+        </p:txBody>
+      </p:sp>
+    </p:spTree>
+    <p:extLst>
+      <p:ext uri="{BB962C8B-B14F-4D97-AF65-F5344CB8AC3E}">
+        <p14:creationId xmlns:p14="http://schemas.microsoft.com/office/powerpoint/2010/main" val="1280852578"/>
+      </p:ext>
+    </p:extLst>
+  </p:cSld>
+  <p:clrMapOvr>
+    <a:masterClrMapping/>
+  </p:clrMapOvr>
+</p:notes>
+</file>
+
+<file path=ppt/notesSlides/notesSlide9.xml><?xml version="1.0" encoding="utf-8"?>
+<p:notes xmlns:a="http://schemas.openxmlformats.org/drawingml/2006/main" xmlns:r="http://schemas.openxmlformats.org/officeDocument/2006/relationships" xmlns:p="http://schemas.openxmlformats.org/presentationml/2006/main">
+  <p:cSld>
+    <p:spTree>
+      <p:nvGrpSpPr>
+        <p:cNvPr id="1" name=""/>
+        <p:cNvGrpSpPr/>
+        <p:nvPr/>
+      </p:nvGrpSpPr>
+      <p:grpSpPr>
+        <a:xfrm>
+          <a:off x="0" y="0"/>
+          <a:ext cx="0" cy="0"/>
+          <a:chOff x="0" y="0"/>
+          <a:chExt cx="0" cy="0"/>
+        </a:xfrm>
+      </p:grpSpPr>
+      <p:sp>
+        <p:nvSpPr>
+          <p:cNvPr id="2" name="Slide Image Placeholder 1"/>
+          <p:cNvSpPr>
+            <a:spLocks noGrp="1" noRot="1" noChangeAspect="1"/>
+          </p:cNvSpPr>
+          <p:nvPr>
+            <p:ph type="sldImg"/>
+          </p:nvPr>
+        </p:nvSpPr>
+        <p:spPr/>
+      </p:sp>
+      <p:sp>
+        <p:nvSpPr>
+          <p:cNvPr id="3" name="Notes Placeholder 2"/>
+          <p:cNvSpPr>
+            <a:spLocks noGrp="1"/>
+          </p:cNvSpPr>
+          <p:nvPr>
+            <p:ph type="body" idx="1"/>
+          </p:nvPr>
+        </p:nvSpPr>
+        <p:spPr/>
+        <p:txBody>
+          <a:bodyPr/>
+          <a:lstStyle/>
+          <a:p>
+            <a:endParaRPr lang="en-PH" dirty="0"/>
+          </a:p>
+        </p:txBody>
+      </p:sp>
+      <p:sp>
+        <p:nvSpPr>
+          <p:cNvPr id="4" name="Slide Number Placeholder 3"/>
+          <p:cNvSpPr>
+            <a:spLocks noGrp="1"/>
+          </p:cNvSpPr>
+          <p:nvPr>
+            <p:ph type="sldNum" sz="quarter" idx="5"/>
+          </p:nvPr>
+        </p:nvSpPr>
+        <p:spPr/>
+        <p:txBody>
+          <a:bodyPr/>
+          <a:lstStyle/>
+          <a:p>
+            <a:fld id="{FE90CCE9-4AAE-4E1F-85AD-521A406D6524}" type="slidenum">
+              <a:rPr lang="en-PH" smtClean="0"/>
+              <a:t>9</a:t>
+            </a:fld>
+            <a:endParaRPr lang="en-PH"/>
+          </a:p>
+        </p:txBody>
+      </p:sp>
+    </p:spTree>
+    <p:extLst>
+      <p:ext uri="{BB962C8B-B14F-4D97-AF65-F5344CB8AC3E}">
+        <p14:creationId xmlns:p14="http://schemas.microsoft.com/office/powerpoint/2010/main" val="3521362674"/>
       </p:ext>
     </p:extLst>
   </p:cSld>
@@ -791,7 +2066,7 @@
           <a:p>
             <a:fld id="{0CCF0B81-6BD8-4C65-9459-815598C5F1F4}" type="datetimeFigureOut">
               <a:rPr lang="en-PH" smtClean="0"/>
-              <a:t>11/3/23</a:t>
+              <a:t>11/4/23</a:t>
             </a:fld>
             <a:endParaRPr lang="en-PH"/>
           </a:p>
@@ -991,7 +2266,7 @@
           <a:p>
             <a:fld id="{0CCF0B81-6BD8-4C65-9459-815598C5F1F4}" type="datetimeFigureOut">
               <a:rPr lang="en-PH" smtClean="0"/>
-              <a:t>11/3/23</a:t>
+              <a:t>11/4/23</a:t>
             </a:fld>
             <a:endParaRPr lang="en-PH"/>
           </a:p>
@@ -1201,7 +2476,7 @@
           <a:p>
             <a:fld id="{0CCF0B81-6BD8-4C65-9459-815598C5F1F4}" type="datetimeFigureOut">
               <a:rPr lang="en-PH" smtClean="0"/>
-              <a:t>11/3/23</a:t>
+              <a:t>11/4/23</a:t>
             </a:fld>
             <a:endParaRPr lang="en-PH"/>
           </a:p>
@@ -1401,7 +2676,7 @@
           <a:p>
             <a:fld id="{0CCF0B81-6BD8-4C65-9459-815598C5F1F4}" type="datetimeFigureOut">
               <a:rPr lang="en-PH" smtClean="0"/>
-              <a:t>11/3/23</a:t>
+              <a:t>11/4/23</a:t>
             </a:fld>
             <a:endParaRPr lang="en-PH"/>
           </a:p>
@@ -1677,7 +2952,7 @@
           <a:p>
             <a:fld id="{0CCF0B81-6BD8-4C65-9459-815598C5F1F4}" type="datetimeFigureOut">
               <a:rPr lang="en-PH" smtClean="0"/>
-              <a:t>11/3/23</a:t>
+              <a:t>11/4/23</a:t>
             </a:fld>
             <a:endParaRPr lang="en-PH"/>
           </a:p>
@@ -1945,7 +3220,7 @@
           <a:p>
             <a:fld id="{0CCF0B81-6BD8-4C65-9459-815598C5F1F4}" type="datetimeFigureOut">
               <a:rPr lang="en-PH" smtClean="0"/>
-              <a:t>11/3/23</a:t>
+              <a:t>11/4/23</a:t>
             </a:fld>
             <a:endParaRPr lang="en-PH"/>
           </a:p>
@@ -2360,7 +3635,7 @@
           <a:p>
             <a:fld id="{0CCF0B81-6BD8-4C65-9459-815598C5F1F4}" type="datetimeFigureOut">
               <a:rPr lang="en-PH" smtClean="0"/>
-              <a:t>11/3/23</a:t>
+              <a:t>11/4/23</a:t>
             </a:fld>
             <a:endParaRPr lang="en-PH"/>
           </a:p>
@@ -2502,7 +3777,7 @@
           <a:p>
             <a:fld id="{0CCF0B81-6BD8-4C65-9459-815598C5F1F4}" type="datetimeFigureOut">
               <a:rPr lang="en-PH" smtClean="0"/>
-              <a:t>11/3/23</a:t>
+              <a:t>11/4/23</a:t>
             </a:fld>
             <a:endParaRPr lang="en-PH"/>
           </a:p>
@@ -2615,7 +3890,7 @@
           <a:p>
             <a:fld id="{0CCF0B81-6BD8-4C65-9459-815598C5F1F4}" type="datetimeFigureOut">
               <a:rPr lang="en-PH" smtClean="0"/>
-              <a:t>11/3/23</a:t>
+              <a:t>11/4/23</a:t>
             </a:fld>
             <a:endParaRPr lang="en-PH"/>
           </a:p>
@@ -2928,7 +4203,7 @@
           <a:p>
             <a:fld id="{0CCF0B81-6BD8-4C65-9459-815598C5F1F4}" type="datetimeFigureOut">
               <a:rPr lang="en-PH" smtClean="0"/>
-              <a:t>11/3/23</a:t>
+              <a:t>11/4/23</a:t>
             </a:fld>
             <a:endParaRPr lang="en-PH"/>
           </a:p>
@@ -3217,7 +4492,7 @@
           <a:p>
             <a:fld id="{0CCF0B81-6BD8-4C65-9459-815598C5F1F4}" type="datetimeFigureOut">
               <a:rPr lang="en-PH" smtClean="0"/>
-              <a:t>11/3/23</a:t>
+              <a:t>11/4/23</a:t>
             </a:fld>
             <a:endParaRPr lang="en-PH"/>
           </a:p>
@@ -3460,7 +4735,7 @@
           <a:p>
             <a:fld id="{0CCF0B81-6BD8-4C65-9459-815598C5F1F4}" type="datetimeFigureOut">
               <a:rPr lang="en-PH" smtClean="0"/>
-              <a:t>11/3/23</a:t>
+              <a:t>11/4/23</a:t>
             </a:fld>
             <a:endParaRPr lang="en-PH"/>
           </a:p>
@@ -3917,7 +5192,7 @@
           <a:p>
             <a:r>
               <a:rPr lang="en-PH" b="1" dirty="0"/>
-              <a:t>T test</a:t>
+              <a:t>Students Test or t-test</a:t>
             </a:r>
           </a:p>
         </p:txBody>
@@ -4029,6 +5304,3227 @@
     <p:extLst>
       <p:ext uri="{BB962C8B-B14F-4D97-AF65-F5344CB8AC3E}">
         <p14:creationId xmlns:p14="http://schemas.microsoft.com/office/powerpoint/2010/main" val="4005017068"/>
+      </p:ext>
+    </p:extLst>
+  </p:cSld>
+  <p:clrMapOvr>
+    <a:masterClrMapping/>
+  </p:clrMapOvr>
+</p:sld>
+</file>
+
+<file path=ppt/slides/slide10.xml><?xml version="1.0" encoding="utf-8"?>
+<p:sld xmlns:a="http://schemas.openxmlformats.org/drawingml/2006/main" xmlns:r="http://schemas.openxmlformats.org/officeDocument/2006/relationships" xmlns:p="http://schemas.openxmlformats.org/presentationml/2006/main">
+  <p:cSld>
+    <p:bg>
+      <p:bgPr>
+        <a:blipFill dpi="0" rotWithShape="1">
+          <a:blip r:embed="rId3">
+            <a:alphaModFix amt="99000"/>
+            <a:lum/>
+          </a:blip>
+          <a:srcRect/>
+          <a:stretch>
+            <a:fillRect t="89000" r="85000" b="-1000"/>
+          </a:stretch>
+        </a:blipFill>
+        <a:effectLst/>
+      </p:bgPr>
+    </p:bg>
+    <p:spTree>
+      <p:nvGrpSpPr>
+        <p:cNvPr id="1" name=""/>
+        <p:cNvGrpSpPr/>
+        <p:nvPr/>
+      </p:nvGrpSpPr>
+      <p:grpSpPr>
+        <a:xfrm>
+          <a:off x="0" y="0"/>
+          <a:ext cx="0" cy="0"/>
+          <a:chOff x="0" y="0"/>
+          <a:chExt cx="0" cy="0"/>
+        </a:xfrm>
+      </p:grpSpPr>
+      <p:sp>
+        <p:nvSpPr>
+          <p:cNvPr id="5" name="Title 1">
+            <a:extLst>
+              <a:ext uri="{FF2B5EF4-FFF2-40B4-BE49-F238E27FC236}">
+                <a16:creationId xmlns:a16="http://schemas.microsoft.com/office/drawing/2014/main" id="{3444037F-B658-D82C-5DCA-53E8AA1493D7}"/>
+              </a:ext>
+            </a:extLst>
+          </p:cNvPr>
+          <p:cNvSpPr txBox="1">
+            <a:spLocks/>
+          </p:cNvSpPr>
+          <p:nvPr/>
+        </p:nvSpPr>
+        <p:spPr>
+          <a:xfrm>
+            <a:off x="1524000" y="1516449"/>
+            <a:ext cx="9144000" cy="4290585"/>
+          </a:xfrm>
+          <a:prstGeom prst="rect">
+            <a:avLst/>
+          </a:prstGeom>
+        </p:spPr>
+        <p:txBody>
+          <a:bodyPr vert="horz" lIns="91440" tIns="45720" rIns="91440" bIns="45720" rtlCol="0" anchor="b">
+            <a:normAutofit fontScale="97500"/>
+          </a:bodyPr>
+          <a:lstStyle>
+            <a:lvl1pPr algn="ctr" defTabSz="914400" rtl="0" eaLnBrk="1" latinLnBrk="0" hangingPunct="1">
+              <a:lnSpc>
+                <a:spcPct val="90000"/>
+              </a:lnSpc>
+              <a:spcBef>
+                <a:spcPct val="0"/>
+              </a:spcBef>
+              <a:buNone/>
+              <a:defRPr sz="6000" kern="1200">
+                <a:solidFill>
+                  <a:schemeClr val="tx1"/>
+                </a:solidFill>
+                <a:latin typeface="+mj-lt"/>
+                <a:ea typeface="+mj-ea"/>
+                <a:cs typeface="+mj-cs"/>
+              </a:defRPr>
+            </a:lvl1pPr>
+          </a:lstStyle>
+          <a:p>
+            <a:pPr algn="l"/>
+            <a:endParaRPr lang="en-US" sz="3100" dirty="0"/>
+          </a:p>
+          <a:p>
+            <a:pPr algn="l"/>
+            <a:endParaRPr lang="en-US" sz="3100" dirty="0"/>
+          </a:p>
+          <a:p>
+            <a:pPr algn="l"/>
+            <a:endParaRPr lang="en-US" sz="3100" dirty="0"/>
+          </a:p>
+          <a:p>
+            <a:pPr algn="l"/>
+            <a:endParaRPr lang="en-US" sz="3100" dirty="0"/>
+          </a:p>
+          <a:p>
+            <a:pPr algn="l"/>
+            <a:endParaRPr lang="en-US" sz="3000" dirty="0"/>
+          </a:p>
+          <a:p>
+            <a:pPr algn="l"/>
+            <a:endParaRPr lang="en-US" sz="3000" dirty="0"/>
+          </a:p>
+        </p:txBody>
+      </p:sp>
+      <p:sp>
+        <p:nvSpPr>
+          <p:cNvPr id="39" name="Footer Placeholder 3">
+            <a:extLst>
+              <a:ext uri="{FF2B5EF4-FFF2-40B4-BE49-F238E27FC236}">
+                <a16:creationId xmlns:a16="http://schemas.microsoft.com/office/drawing/2014/main" id="{77EF4DA7-E5CF-896F-45E0-B1D58FD59B96}"/>
+              </a:ext>
+            </a:extLst>
+          </p:cNvPr>
+          <p:cNvSpPr>
+            <a:spLocks noGrp="1"/>
+          </p:cNvSpPr>
+          <p:nvPr>
+            <p:ph type="ftr" sz="quarter" idx="11"/>
+          </p:nvPr>
+        </p:nvSpPr>
+        <p:spPr>
+          <a:xfrm>
+            <a:off x="0" y="6139541"/>
+            <a:ext cx="12192000" cy="718459"/>
+          </a:xfrm>
+          <a:ln w="28575">
+            <a:solidFill>
+              <a:schemeClr val="accent5">
+                <a:lumMod val="50000"/>
+              </a:schemeClr>
+            </a:solidFill>
+          </a:ln>
+        </p:spPr>
+        <p:txBody>
+          <a:bodyPr/>
+          <a:lstStyle/>
+          <a:p>
+            <a:pPr lvl="1" algn="r"/>
+            <a:r>
+              <a:rPr lang="en-US" sz="1200" b="1" dirty="0"/>
+              <a:t>CCDATS1L</a:t>
+            </a:r>
+            <a:endParaRPr lang="en-PH" sz="1200" b="1" dirty="0"/>
+          </a:p>
+        </p:txBody>
+      </p:sp>
+      <p:sp>
+        <p:nvSpPr>
+          <p:cNvPr id="2" name="Title 1">
+            <a:extLst>
+              <a:ext uri="{FF2B5EF4-FFF2-40B4-BE49-F238E27FC236}">
+                <a16:creationId xmlns:a16="http://schemas.microsoft.com/office/drawing/2014/main" id="{79EF1114-32BB-A28C-0B44-90073AA32F6C}"/>
+              </a:ext>
+            </a:extLst>
+          </p:cNvPr>
+          <p:cNvSpPr txBox="1">
+            <a:spLocks/>
+          </p:cNvSpPr>
+          <p:nvPr/>
+        </p:nvSpPr>
+        <p:spPr>
+          <a:xfrm>
+            <a:off x="480642" y="1350196"/>
+            <a:ext cx="11273589" cy="968221"/>
+          </a:xfrm>
+          <a:prstGeom prst="rect">
+            <a:avLst/>
+          </a:prstGeom>
+        </p:spPr>
+        <p:txBody>
+          <a:bodyPr vert="horz" lIns="91440" tIns="45720" rIns="91440" bIns="45720" rtlCol="0" anchor="b">
+            <a:noAutofit/>
+          </a:bodyPr>
+          <a:lstStyle>
+            <a:lvl1pPr algn="ctr" defTabSz="914400" rtl="0" eaLnBrk="1" latinLnBrk="0" hangingPunct="1">
+              <a:lnSpc>
+                <a:spcPct val="90000"/>
+              </a:lnSpc>
+              <a:spcBef>
+                <a:spcPct val="0"/>
+              </a:spcBef>
+              <a:buNone/>
+              <a:defRPr sz="6000" kern="1200">
+                <a:solidFill>
+                  <a:schemeClr val="tx1"/>
+                </a:solidFill>
+                <a:latin typeface="+mj-lt"/>
+                <a:ea typeface="+mj-ea"/>
+                <a:cs typeface="+mj-cs"/>
+              </a:defRPr>
+            </a:lvl1pPr>
+          </a:lstStyle>
+          <a:p>
+            <a:pPr algn="l"/>
+            <a:r>
+              <a:rPr lang="en-PH" sz="3000" dirty="0">
+                <a:latin typeface="+mn-lt"/>
+              </a:rPr>
+              <a:t>A </a:t>
+            </a:r>
+            <a:r>
+              <a:rPr lang="en-PH" sz="3000" b="1" dirty="0">
+                <a:solidFill>
+                  <a:srgbClr val="00B0F0"/>
+                </a:solidFill>
+                <a:latin typeface="+mn-lt"/>
+              </a:rPr>
+              <a:t>one sample t-test </a:t>
+            </a:r>
+            <a:r>
+              <a:rPr lang="en-PH" sz="3000" dirty="0">
+                <a:latin typeface="+mn-lt"/>
+              </a:rPr>
+              <a:t>tests the mean of a single group against a known mean.</a:t>
+            </a:r>
+          </a:p>
+        </p:txBody>
+      </p:sp>
+      <p:sp>
+        <p:nvSpPr>
+          <p:cNvPr id="7" name="Title 1">
+            <a:extLst>
+              <a:ext uri="{FF2B5EF4-FFF2-40B4-BE49-F238E27FC236}">
+                <a16:creationId xmlns:a16="http://schemas.microsoft.com/office/drawing/2014/main" id="{F9F68FD0-4734-F88A-26AE-8BD1D795B778}"/>
+              </a:ext>
+            </a:extLst>
+          </p:cNvPr>
+          <p:cNvSpPr>
+            <a:spLocks noGrp="1"/>
+          </p:cNvSpPr>
+          <p:nvPr>
+            <p:ph type="ctrTitle"/>
+          </p:nvPr>
+        </p:nvSpPr>
+        <p:spPr>
+          <a:xfrm>
+            <a:off x="459205" y="359228"/>
+            <a:ext cx="11273589" cy="718459"/>
+          </a:xfrm>
+        </p:spPr>
+        <p:txBody>
+          <a:bodyPr>
+            <a:noAutofit/>
+          </a:bodyPr>
+          <a:lstStyle/>
+          <a:p>
+            <a:r>
+              <a:rPr lang="en-US" sz="5000" b="1" dirty="0"/>
+              <a:t>Types of t-test</a:t>
+            </a:r>
+            <a:endParaRPr lang="en-PH" sz="5000" b="1" dirty="0"/>
+          </a:p>
+        </p:txBody>
+      </p:sp>
+      <p:pic>
+        <p:nvPicPr>
+          <p:cNvPr id="4" name="Picture 3">
+            <a:extLst>
+              <a:ext uri="{FF2B5EF4-FFF2-40B4-BE49-F238E27FC236}">
+                <a16:creationId xmlns:a16="http://schemas.microsoft.com/office/drawing/2014/main" id="{44C2D233-103A-DF62-0A4C-1EAE0D9F8CB0}"/>
+              </a:ext>
+            </a:extLst>
+          </p:cNvPr>
+          <p:cNvPicPr>
+            <a:picLocks noChangeAspect="1"/>
+          </p:cNvPicPr>
+          <p:nvPr/>
+        </p:nvPicPr>
+        <p:blipFill>
+          <a:blip r:embed="rId4">
+            <a:extLst>
+              <a:ext uri="{28A0092B-C50C-407E-A947-70E740481C1C}">
+                <a14:useLocalDpi xmlns:a14="http://schemas.microsoft.com/office/drawing/2010/main" val="0"/>
+              </a:ext>
+            </a:extLst>
+          </a:blip>
+          <a:stretch>
+            <a:fillRect/>
+          </a:stretch>
+        </p:blipFill>
+        <p:spPr>
+          <a:xfrm>
+            <a:off x="3998956" y="2278495"/>
+            <a:ext cx="4194088" cy="3694792"/>
+          </a:xfrm>
+          <a:prstGeom prst="rect">
+            <a:avLst/>
+          </a:prstGeom>
+        </p:spPr>
+      </p:pic>
+    </p:spTree>
+    <p:extLst>
+      <p:ext uri="{BB962C8B-B14F-4D97-AF65-F5344CB8AC3E}">
+        <p14:creationId xmlns:p14="http://schemas.microsoft.com/office/powerpoint/2010/main" val="841648838"/>
+      </p:ext>
+    </p:extLst>
+  </p:cSld>
+  <p:clrMapOvr>
+    <a:masterClrMapping/>
+  </p:clrMapOvr>
+</p:sld>
+</file>
+
+<file path=ppt/slides/slide11.xml><?xml version="1.0" encoding="utf-8"?>
+<p:sld xmlns:a="http://schemas.openxmlformats.org/drawingml/2006/main" xmlns:r="http://schemas.openxmlformats.org/officeDocument/2006/relationships" xmlns:p="http://schemas.openxmlformats.org/presentationml/2006/main">
+  <p:cSld>
+    <p:bg>
+      <p:bgPr>
+        <a:blipFill dpi="0" rotWithShape="1">
+          <a:blip r:embed="rId3">
+            <a:alphaModFix amt="99000"/>
+            <a:lum/>
+          </a:blip>
+          <a:srcRect/>
+          <a:stretch>
+            <a:fillRect t="89000" r="85000" b="-1000"/>
+          </a:stretch>
+        </a:blipFill>
+        <a:effectLst/>
+      </p:bgPr>
+    </p:bg>
+    <p:spTree>
+      <p:nvGrpSpPr>
+        <p:cNvPr id="1" name=""/>
+        <p:cNvGrpSpPr/>
+        <p:nvPr/>
+      </p:nvGrpSpPr>
+      <p:grpSpPr>
+        <a:xfrm>
+          <a:off x="0" y="0"/>
+          <a:ext cx="0" cy="0"/>
+          <a:chOff x="0" y="0"/>
+          <a:chExt cx="0" cy="0"/>
+        </a:xfrm>
+      </p:grpSpPr>
+      <p:sp>
+        <p:nvSpPr>
+          <p:cNvPr id="5" name="Title 1">
+            <a:extLst>
+              <a:ext uri="{FF2B5EF4-FFF2-40B4-BE49-F238E27FC236}">
+                <a16:creationId xmlns:a16="http://schemas.microsoft.com/office/drawing/2014/main" id="{3444037F-B658-D82C-5DCA-53E8AA1493D7}"/>
+              </a:ext>
+            </a:extLst>
+          </p:cNvPr>
+          <p:cNvSpPr txBox="1">
+            <a:spLocks/>
+          </p:cNvSpPr>
+          <p:nvPr/>
+        </p:nvSpPr>
+        <p:spPr>
+          <a:xfrm>
+            <a:off x="1524000" y="1516449"/>
+            <a:ext cx="9144000" cy="4290585"/>
+          </a:xfrm>
+          <a:prstGeom prst="rect">
+            <a:avLst/>
+          </a:prstGeom>
+        </p:spPr>
+        <p:txBody>
+          <a:bodyPr vert="horz" lIns="91440" tIns="45720" rIns="91440" bIns="45720" rtlCol="0" anchor="b">
+            <a:normAutofit fontScale="97500"/>
+          </a:bodyPr>
+          <a:lstStyle>
+            <a:lvl1pPr algn="ctr" defTabSz="914400" rtl="0" eaLnBrk="1" latinLnBrk="0" hangingPunct="1">
+              <a:lnSpc>
+                <a:spcPct val="90000"/>
+              </a:lnSpc>
+              <a:spcBef>
+                <a:spcPct val="0"/>
+              </a:spcBef>
+              <a:buNone/>
+              <a:defRPr sz="6000" kern="1200">
+                <a:solidFill>
+                  <a:schemeClr val="tx1"/>
+                </a:solidFill>
+                <a:latin typeface="+mj-lt"/>
+                <a:ea typeface="+mj-ea"/>
+                <a:cs typeface="+mj-cs"/>
+              </a:defRPr>
+            </a:lvl1pPr>
+          </a:lstStyle>
+          <a:p>
+            <a:pPr algn="l"/>
+            <a:endParaRPr lang="en-US" sz="3100" dirty="0"/>
+          </a:p>
+          <a:p>
+            <a:pPr algn="l"/>
+            <a:endParaRPr lang="en-US" sz="3100" dirty="0"/>
+          </a:p>
+          <a:p>
+            <a:pPr algn="l"/>
+            <a:endParaRPr lang="en-US" sz="3100" dirty="0"/>
+          </a:p>
+          <a:p>
+            <a:pPr algn="l"/>
+            <a:endParaRPr lang="en-US" sz="3100" dirty="0"/>
+          </a:p>
+          <a:p>
+            <a:pPr algn="l"/>
+            <a:endParaRPr lang="en-US" sz="3000" dirty="0"/>
+          </a:p>
+          <a:p>
+            <a:pPr algn="l"/>
+            <a:endParaRPr lang="en-US" sz="3000" dirty="0"/>
+          </a:p>
+        </p:txBody>
+      </p:sp>
+      <p:sp>
+        <p:nvSpPr>
+          <p:cNvPr id="39" name="Footer Placeholder 3">
+            <a:extLst>
+              <a:ext uri="{FF2B5EF4-FFF2-40B4-BE49-F238E27FC236}">
+                <a16:creationId xmlns:a16="http://schemas.microsoft.com/office/drawing/2014/main" id="{77EF4DA7-E5CF-896F-45E0-B1D58FD59B96}"/>
+              </a:ext>
+            </a:extLst>
+          </p:cNvPr>
+          <p:cNvSpPr>
+            <a:spLocks noGrp="1"/>
+          </p:cNvSpPr>
+          <p:nvPr>
+            <p:ph type="ftr" sz="quarter" idx="11"/>
+          </p:nvPr>
+        </p:nvSpPr>
+        <p:spPr>
+          <a:xfrm>
+            <a:off x="0" y="6139541"/>
+            <a:ext cx="12192000" cy="718459"/>
+          </a:xfrm>
+          <a:ln w="28575">
+            <a:solidFill>
+              <a:schemeClr val="accent5">
+                <a:lumMod val="50000"/>
+              </a:schemeClr>
+            </a:solidFill>
+          </a:ln>
+        </p:spPr>
+        <p:txBody>
+          <a:bodyPr/>
+          <a:lstStyle/>
+          <a:p>
+            <a:pPr lvl="1" algn="r"/>
+            <a:r>
+              <a:rPr lang="en-US" sz="1200" b="1" dirty="0"/>
+              <a:t>CCDATS1L</a:t>
+            </a:r>
+            <a:endParaRPr lang="en-PH" sz="1200" b="1" dirty="0"/>
+          </a:p>
+        </p:txBody>
+      </p:sp>
+      <p:sp>
+        <p:nvSpPr>
+          <p:cNvPr id="2" name="Title 1">
+            <a:extLst>
+              <a:ext uri="{FF2B5EF4-FFF2-40B4-BE49-F238E27FC236}">
+                <a16:creationId xmlns:a16="http://schemas.microsoft.com/office/drawing/2014/main" id="{79EF1114-32BB-A28C-0B44-90073AA32F6C}"/>
+              </a:ext>
+            </a:extLst>
+          </p:cNvPr>
+          <p:cNvSpPr txBox="1">
+            <a:spLocks/>
+          </p:cNvSpPr>
+          <p:nvPr/>
+        </p:nvSpPr>
+        <p:spPr>
+          <a:xfrm>
+            <a:off x="459205" y="1283707"/>
+            <a:ext cx="11273589" cy="4290585"/>
+          </a:xfrm>
+          <a:prstGeom prst="rect">
+            <a:avLst/>
+          </a:prstGeom>
+        </p:spPr>
+        <p:txBody>
+          <a:bodyPr vert="horz" lIns="91440" tIns="45720" rIns="91440" bIns="45720" rtlCol="0" anchor="b">
+            <a:normAutofit fontScale="97500"/>
+          </a:bodyPr>
+          <a:lstStyle>
+            <a:lvl1pPr algn="ctr" defTabSz="914400" rtl="0" eaLnBrk="1" latinLnBrk="0" hangingPunct="1">
+              <a:lnSpc>
+                <a:spcPct val="90000"/>
+              </a:lnSpc>
+              <a:spcBef>
+                <a:spcPct val="0"/>
+              </a:spcBef>
+              <a:buNone/>
+              <a:defRPr sz="6000" kern="1200">
+                <a:solidFill>
+                  <a:schemeClr val="tx1"/>
+                </a:solidFill>
+                <a:latin typeface="+mj-lt"/>
+                <a:ea typeface="+mj-ea"/>
+                <a:cs typeface="+mj-cs"/>
+              </a:defRPr>
+            </a:lvl1pPr>
+          </a:lstStyle>
+          <a:p>
+            <a:pPr algn="l"/>
+            <a:endParaRPr lang="en-US" sz="2900" b="1" i="0" dirty="0">
+              <a:solidFill>
+                <a:schemeClr val="tx1">
+                  <a:lumMod val="50000"/>
+                  <a:lumOff val="50000"/>
+                </a:schemeClr>
+              </a:solidFill>
+              <a:effectLst/>
+              <a:latin typeface="Calibri Light (Headings)"/>
+            </a:endParaRPr>
+          </a:p>
+          <a:p>
+            <a:pPr marL="457200" indent="-457200" algn="l">
+              <a:buFont typeface="Wingdings" pitchFamily="2" charset="2"/>
+              <a:buChar char="Ø"/>
+            </a:pPr>
+            <a:r>
+              <a:rPr lang="en-US" sz="2900" b="1" dirty="0">
+                <a:solidFill>
+                  <a:schemeClr val="tx1">
+                    <a:lumMod val="50000"/>
+                    <a:lumOff val="50000"/>
+                  </a:schemeClr>
+                </a:solidFill>
+                <a:latin typeface="Calibri Light (Headings)"/>
+              </a:rPr>
+              <a:t>What is a t-test?</a:t>
+            </a:r>
+          </a:p>
+          <a:p>
+            <a:pPr algn="l"/>
+            <a:endParaRPr lang="en-US" sz="2900" b="1" i="0" dirty="0">
+              <a:solidFill>
+                <a:schemeClr val="tx1">
+                  <a:lumMod val="50000"/>
+                  <a:lumOff val="50000"/>
+                </a:schemeClr>
+              </a:solidFill>
+              <a:effectLst/>
+              <a:latin typeface="Calibri Light (Headings)"/>
+            </a:endParaRPr>
+          </a:p>
+          <a:p>
+            <a:pPr marL="457200" indent="-457200" algn="l">
+              <a:buFont typeface="Wingdings" pitchFamily="2" charset="2"/>
+              <a:buChar char="Ø"/>
+            </a:pPr>
+            <a:r>
+              <a:rPr lang="en-US" sz="2900" b="1" dirty="0">
+                <a:solidFill>
+                  <a:schemeClr val="tx1">
+                    <a:lumMod val="50000"/>
+                    <a:lumOff val="50000"/>
+                  </a:schemeClr>
+                </a:solidFill>
+                <a:latin typeface="Calibri Light (Headings)"/>
+              </a:rPr>
+              <a:t>Types of t-test</a:t>
+            </a:r>
+          </a:p>
+          <a:p>
+            <a:pPr marL="457200" indent="-457200" algn="l">
+              <a:buFont typeface="Wingdings" pitchFamily="2" charset="2"/>
+              <a:buChar char="Ø"/>
+            </a:pPr>
+            <a:endParaRPr lang="en-US" sz="2900" b="1" dirty="0">
+              <a:latin typeface="Calibri Light (Headings)"/>
+            </a:endParaRPr>
+          </a:p>
+          <a:p>
+            <a:pPr marL="457200" indent="-457200" algn="l">
+              <a:buFont typeface="Wingdings" pitchFamily="2" charset="2"/>
+              <a:buChar char="Ø"/>
+            </a:pPr>
+            <a:r>
+              <a:rPr lang="en-US" sz="2900" b="1" dirty="0">
+                <a:latin typeface="Calibri Light (Headings)"/>
+              </a:rPr>
+              <a:t>Examples of t-test</a:t>
+            </a:r>
+          </a:p>
+          <a:p>
+            <a:pPr marL="457200" indent="-457200" algn="l">
+              <a:buFont typeface="Wingdings" pitchFamily="2" charset="2"/>
+              <a:buChar char="Ø"/>
+            </a:pPr>
+            <a:endParaRPr lang="en-US" sz="2900" b="1" dirty="0">
+              <a:solidFill>
+                <a:schemeClr val="tx1">
+                  <a:lumMod val="50000"/>
+                  <a:lumOff val="50000"/>
+                </a:schemeClr>
+              </a:solidFill>
+              <a:latin typeface="Calibri Light (Headings)"/>
+            </a:endParaRPr>
+          </a:p>
+          <a:p>
+            <a:pPr marL="457200" indent="-457200" algn="l">
+              <a:buFont typeface="Wingdings" pitchFamily="2" charset="2"/>
+              <a:buChar char="Ø"/>
+            </a:pPr>
+            <a:endParaRPr lang="en-US" sz="2900" b="1" dirty="0">
+              <a:solidFill>
+                <a:schemeClr val="tx1">
+                  <a:lumMod val="50000"/>
+                  <a:lumOff val="50000"/>
+                </a:schemeClr>
+              </a:solidFill>
+              <a:latin typeface="Calibri Light (Headings)"/>
+            </a:endParaRPr>
+          </a:p>
+          <a:p>
+            <a:pPr marL="457200" indent="-457200" algn="l">
+              <a:buFont typeface="Wingdings" pitchFamily="2" charset="2"/>
+              <a:buChar char="Ø"/>
+            </a:pPr>
+            <a:endParaRPr lang="en-US" sz="2900" b="1" dirty="0">
+              <a:solidFill>
+                <a:schemeClr val="tx1">
+                  <a:lumMod val="50000"/>
+                  <a:lumOff val="50000"/>
+                </a:schemeClr>
+              </a:solidFill>
+              <a:latin typeface="Calibri Light (Headings)"/>
+            </a:endParaRPr>
+          </a:p>
+          <a:p>
+            <a:pPr marL="457200" indent="-457200" algn="l">
+              <a:buFont typeface="Wingdings" pitchFamily="2" charset="2"/>
+              <a:buChar char="Ø"/>
+            </a:pPr>
+            <a:endParaRPr lang="en-US" sz="2900" b="1" dirty="0">
+              <a:solidFill>
+                <a:schemeClr val="tx1">
+                  <a:lumMod val="50000"/>
+                  <a:lumOff val="50000"/>
+                </a:schemeClr>
+              </a:solidFill>
+              <a:latin typeface="Calibri Light (Headings)"/>
+            </a:endParaRPr>
+          </a:p>
+          <a:p>
+            <a:pPr marL="457200" indent="-457200" algn="l">
+              <a:buFont typeface="Wingdings" pitchFamily="2" charset="2"/>
+              <a:buChar char="Ø"/>
+            </a:pPr>
+            <a:endParaRPr lang="en-US" sz="2900" b="1" dirty="0">
+              <a:solidFill>
+                <a:schemeClr val="tx1">
+                  <a:lumMod val="50000"/>
+                  <a:lumOff val="50000"/>
+                </a:schemeClr>
+              </a:solidFill>
+              <a:latin typeface="Calibri Light (Headings)"/>
+            </a:endParaRPr>
+          </a:p>
+          <a:p>
+            <a:pPr algn="l"/>
+            <a:endParaRPr lang="en-US" sz="2900" b="1" dirty="0">
+              <a:solidFill>
+                <a:schemeClr val="tx1">
+                  <a:lumMod val="50000"/>
+                  <a:lumOff val="50000"/>
+                </a:schemeClr>
+              </a:solidFill>
+              <a:latin typeface="Calibri Light (Headings)"/>
+            </a:endParaRPr>
+          </a:p>
+        </p:txBody>
+      </p:sp>
+      <p:sp>
+        <p:nvSpPr>
+          <p:cNvPr id="7" name="Title 1">
+            <a:extLst>
+              <a:ext uri="{FF2B5EF4-FFF2-40B4-BE49-F238E27FC236}">
+                <a16:creationId xmlns:a16="http://schemas.microsoft.com/office/drawing/2014/main" id="{F9F68FD0-4734-F88A-26AE-8BD1D795B778}"/>
+              </a:ext>
+            </a:extLst>
+          </p:cNvPr>
+          <p:cNvSpPr>
+            <a:spLocks noGrp="1"/>
+          </p:cNvSpPr>
+          <p:nvPr>
+            <p:ph type="ctrTitle"/>
+          </p:nvPr>
+        </p:nvSpPr>
+        <p:spPr>
+          <a:xfrm>
+            <a:off x="459205" y="359228"/>
+            <a:ext cx="9935227" cy="718459"/>
+          </a:xfrm>
+        </p:spPr>
+        <p:txBody>
+          <a:bodyPr>
+            <a:noAutofit/>
+          </a:bodyPr>
+          <a:lstStyle/>
+          <a:p>
+            <a:pPr algn="l"/>
+            <a:endParaRPr lang="en-PH" sz="4500" b="1" dirty="0"/>
+          </a:p>
+        </p:txBody>
+      </p:sp>
+      <p:pic>
+        <p:nvPicPr>
+          <p:cNvPr id="4" name="Graphic 3" descr="Checkmark with solid fill">
+            <a:extLst>
+              <a:ext uri="{FF2B5EF4-FFF2-40B4-BE49-F238E27FC236}">
+                <a16:creationId xmlns:a16="http://schemas.microsoft.com/office/drawing/2014/main" id="{18DB3228-98D9-0E55-467D-94C3A3538492}"/>
+              </a:ext>
+            </a:extLst>
+          </p:cNvPr>
+          <p:cNvPicPr>
+            <a:picLocks noChangeAspect="1"/>
+          </p:cNvPicPr>
+          <p:nvPr/>
+        </p:nvPicPr>
+        <p:blipFill>
+          <a:blip r:embed="rId4">
+            <a:extLst>
+              <a:ext uri="{28A0092B-C50C-407E-A947-70E740481C1C}">
+                <a14:useLocalDpi xmlns:a14="http://schemas.microsoft.com/office/drawing/2010/main" val="0"/>
+              </a:ext>
+              <a:ext uri="{96DAC541-7B7A-43D3-8B79-37D633B846F1}">
+                <asvg:svgBlip xmlns:asvg="http://schemas.microsoft.com/office/drawing/2016/SVG/main" r:embed="rId5"/>
+              </a:ext>
+            </a:extLst>
+          </a:blip>
+          <a:stretch>
+            <a:fillRect/>
+          </a:stretch>
+        </p:blipFill>
+        <p:spPr>
+          <a:xfrm>
+            <a:off x="3322015" y="1843806"/>
+            <a:ext cx="673335" cy="673335"/>
+          </a:xfrm>
+          <a:prstGeom prst="rect">
+            <a:avLst/>
+          </a:prstGeom>
+        </p:spPr>
+      </p:pic>
+      <p:pic>
+        <p:nvPicPr>
+          <p:cNvPr id="6" name="Graphic 5" descr="Checkmark with solid fill">
+            <a:extLst>
+              <a:ext uri="{FF2B5EF4-FFF2-40B4-BE49-F238E27FC236}">
+                <a16:creationId xmlns:a16="http://schemas.microsoft.com/office/drawing/2014/main" id="{7DD833D4-D2D4-36B5-1B8B-B195B14F9073}"/>
+              </a:ext>
+            </a:extLst>
+          </p:cNvPr>
+          <p:cNvPicPr>
+            <a:picLocks noChangeAspect="1"/>
+          </p:cNvPicPr>
+          <p:nvPr/>
+        </p:nvPicPr>
+        <p:blipFill>
+          <a:blip r:embed="rId4">
+            <a:extLst>
+              <a:ext uri="{28A0092B-C50C-407E-A947-70E740481C1C}">
+                <a14:useLocalDpi xmlns:a14="http://schemas.microsoft.com/office/drawing/2010/main" val="0"/>
+              </a:ext>
+              <a:ext uri="{96DAC541-7B7A-43D3-8B79-37D633B846F1}">
+                <asvg:svgBlip xmlns:asvg="http://schemas.microsoft.com/office/drawing/2016/SVG/main" r:embed="rId5"/>
+              </a:ext>
+            </a:extLst>
+          </a:blip>
+          <a:stretch>
+            <a:fillRect/>
+          </a:stretch>
+        </p:blipFill>
+        <p:spPr>
+          <a:xfrm>
+            <a:off x="3658682" y="1047166"/>
+            <a:ext cx="673335" cy="673335"/>
+          </a:xfrm>
+          <a:prstGeom prst="rect">
+            <a:avLst/>
+          </a:prstGeom>
+        </p:spPr>
+      </p:pic>
+    </p:spTree>
+    <p:extLst>
+      <p:ext uri="{BB962C8B-B14F-4D97-AF65-F5344CB8AC3E}">
+        <p14:creationId xmlns:p14="http://schemas.microsoft.com/office/powerpoint/2010/main" val="1945897175"/>
+      </p:ext>
+    </p:extLst>
+  </p:cSld>
+  <p:clrMapOvr>
+    <a:masterClrMapping/>
+  </p:clrMapOvr>
+</p:sld>
+</file>
+
+<file path=ppt/slides/slide12.xml><?xml version="1.0" encoding="utf-8"?>
+<p:sld xmlns:a="http://schemas.openxmlformats.org/drawingml/2006/main" xmlns:r="http://schemas.openxmlformats.org/officeDocument/2006/relationships" xmlns:p="http://schemas.openxmlformats.org/presentationml/2006/main">
+  <p:cSld>
+    <p:bg>
+      <p:bgPr>
+        <a:blipFill dpi="0" rotWithShape="1">
+          <a:blip r:embed="rId3">
+            <a:alphaModFix amt="99000"/>
+            <a:lum/>
+          </a:blip>
+          <a:srcRect/>
+          <a:stretch>
+            <a:fillRect t="89000" r="85000" b="-1000"/>
+          </a:stretch>
+        </a:blipFill>
+        <a:effectLst/>
+      </p:bgPr>
+    </p:bg>
+    <p:spTree>
+      <p:nvGrpSpPr>
+        <p:cNvPr id="1" name=""/>
+        <p:cNvGrpSpPr/>
+        <p:nvPr/>
+      </p:nvGrpSpPr>
+      <p:grpSpPr>
+        <a:xfrm>
+          <a:off x="0" y="0"/>
+          <a:ext cx="0" cy="0"/>
+          <a:chOff x="0" y="0"/>
+          <a:chExt cx="0" cy="0"/>
+        </a:xfrm>
+      </p:grpSpPr>
+      <p:sp>
+        <p:nvSpPr>
+          <p:cNvPr id="5" name="Title 1">
+            <a:extLst>
+              <a:ext uri="{FF2B5EF4-FFF2-40B4-BE49-F238E27FC236}">
+                <a16:creationId xmlns:a16="http://schemas.microsoft.com/office/drawing/2014/main" id="{3444037F-B658-D82C-5DCA-53E8AA1493D7}"/>
+              </a:ext>
+            </a:extLst>
+          </p:cNvPr>
+          <p:cNvSpPr txBox="1">
+            <a:spLocks/>
+          </p:cNvSpPr>
+          <p:nvPr/>
+        </p:nvSpPr>
+        <p:spPr>
+          <a:xfrm>
+            <a:off x="1524000" y="1516449"/>
+            <a:ext cx="9144000" cy="4290585"/>
+          </a:xfrm>
+          <a:prstGeom prst="rect">
+            <a:avLst/>
+          </a:prstGeom>
+        </p:spPr>
+        <p:txBody>
+          <a:bodyPr vert="horz" lIns="91440" tIns="45720" rIns="91440" bIns="45720" rtlCol="0" anchor="b">
+            <a:normAutofit fontScale="97500"/>
+          </a:bodyPr>
+          <a:lstStyle>
+            <a:lvl1pPr algn="ctr" defTabSz="914400" rtl="0" eaLnBrk="1" latinLnBrk="0" hangingPunct="1">
+              <a:lnSpc>
+                <a:spcPct val="90000"/>
+              </a:lnSpc>
+              <a:spcBef>
+                <a:spcPct val="0"/>
+              </a:spcBef>
+              <a:buNone/>
+              <a:defRPr sz="6000" kern="1200">
+                <a:solidFill>
+                  <a:schemeClr val="tx1"/>
+                </a:solidFill>
+                <a:latin typeface="+mj-lt"/>
+                <a:ea typeface="+mj-ea"/>
+                <a:cs typeface="+mj-cs"/>
+              </a:defRPr>
+            </a:lvl1pPr>
+          </a:lstStyle>
+          <a:p>
+            <a:pPr algn="l"/>
+            <a:endParaRPr lang="en-US" sz="3100" dirty="0"/>
+          </a:p>
+          <a:p>
+            <a:pPr algn="l"/>
+            <a:endParaRPr lang="en-US" sz="3100" dirty="0"/>
+          </a:p>
+          <a:p>
+            <a:pPr algn="l"/>
+            <a:endParaRPr lang="en-US" sz="3100" dirty="0"/>
+          </a:p>
+          <a:p>
+            <a:pPr algn="l"/>
+            <a:endParaRPr lang="en-US" sz="3100" dirty="0"/>
+          </a:p>
+          <a:p>
+            <a:pPr algn="l"/>
+            <a:endParaRPr lang="en-US" sz="3000" dirty="0"/>
+          </a:p>
+          <a:p>
+            <a:pPr algn="l"/>
+            <a:endParaRPr lang="en-US" sz="3000" dirty="0"/>
+          </a:p>
+        </p:txBody>
+      </p:sp>
+      <p:sp>
+        <p:nvSpPr>
+          <p:cNvPr id="39" name="Footer Placeholder 3">
+            <a:extLst>
+              <a:ext uri="{FF2B5EF4-FFF2-40B4-BE49-F238E27FC236}">
+                <a16:creationId xmlns:a16="http://schemas.microsoft.com/office/drawing/2014/main" id="{77EF4DA7-E5CF-896F-45E0-B1D58FD59B96}"/>
+              </a:ext>
+            </a:extLst>
+          </p:cNvPr>
+          <p:cNvSpPr>
+            <a:spLocks noGrp="1"/>
+          </p:cNvSpPr>
+          <p:nvPr>
+            <p:ph type="ftr" sz="quarter" idx="11"/>
+          </p:nvPr>
+        </p:nvSpPr>
+        <p:spPr>
+          <a:xfrm>
+            <a:off x="0" y="6139541"/>
+            <a:ext cx="12192000" cy="718459"/>
+          </a:xfrm>
+          <a:ln w="28575">
+            <a:solidFill>
+              <a:schemeClr val="accent5">
+                <a:lumMod val="50000"/>
+              </a:schemeClr>
+            </a:solidFill>
+          </a:ln>
+        </p:spPr>
+        <p:txBody>
+          <a:bodyPr/>
+          <a:lstStyle/>
+          <a:p>
+            <a:pPr lvl="1" algn="r"/>
+            <a:r>
+              <a:rPr lang="en-US" sz="1200" b="1" dirty="0"/>
+              <a:t>CCDATS1L</a:t>
+            </a:r>
+            <a:endParaRPr lang="en-PH" sz="1200" b="1" dirty="0"/>
+          </a:p>
+        </p:txBody>
+      </p:sp>
+      <p:sp>
+        <p:nvSpPr>
+          <p:cNvPr id="2" name="Title 1">
+            <a:extLst>
+              <a:ext uri="{FF2B5EF4-FFF2-40B4-BE49-F238E27FC236}">
+                <a16:creationId xmlns:a16="http://schemas.microsoft.com/office/drawing/2014/main" id="{79EF1114-32BB-A28C-0B44-90073AA32F6C}"/>
+              </a:ext>
+            </a:extLst>
+          </p:cNvPr>
+          <p:cNvSpPr txBox="1">
+            <a:spLocks/>
+          </p:cNvSpPr>
+          <p:nvPr/>
+        </p:nvSpPr>
+        <p:spPr>
+          <a:xfrm>
+            <a:off x="480642" y="1350196"/>
+            <a:ext cx="11273589" cy="968221"/>
+          </a:xfrm>
+          <a:prstGeom prst="rect">
+            <a:avLst/>
+          </a:prstGeom>
+        </p:spPr>
+        <p:txBody>
+          <a:bodyPr vert="horz" lIns="91440" tIns="45720" rIns="91440" bIns="45720" rtlCol="0" anchor="b">
+            <a:noAutofit/>
+          </a:bodyPr>
+          <a:lstStyle>
+            <a:lvl1pPr algn="ctr" defTabSz="914400" rtl="0" eaLnBrk="1" latinLnBrk="0" hangingPunct="1">
+              <a:lnSpc>
+                <a:spcPct val="90000"/>
+              </a:lnSpc>
+              <a:spcBef>
+                <a:spcPct val="0"/>
+              </a:spcBef>
+              <a:buNone/>
+              <a:defRPr sz="6000" kern="1200">
+                <a:solidFill>
+                  <a:schemeClr val="tx1"/>
+                </a:solidFill>
+                <a:latin typeface="+mj-lt"/>
+                <a:ea typeface="+mj-ea"/>
+                <a:cs typeface="+mj-cs"/>
+              </a:defRPr>
+            </a:lvl1pPr>
+          </a:lstStyle>
+          <a:p>
+            <a:pPr algn="l"/>
+            <a:r>
+              <a:rPr lang="en-PH" sz="3000" dirty="0">
+                <a:latin typeface="+mn-lt"/>
+              </a:rPr>
+              <a:t>Calculate a t-test for the following data of the number of times people prefer coffee or tea in five time intervals.</a:t>
+            </a:r>
+          </a:p>
+        </p:txBody>
+      </p:sp>
+      <p:sp>
+        <p:nvSpPr>
+          <p:cNvPr id="7" name="Title 1">
+            <a:extLst>
+              <a:ext uri="{FF2B5EF4-FFF2-40B4-BE49-F238E27FC236}">
+                <a16:creationId xmlns:a16="http://schemas.microsoft.com/office/drawing/2014/main" id="{F9F68FD0-4734-F88A-26AE-8BD1D795B778}"/>
+              </a:ext>
+            </a:extLst>
+          </p:cNvPr>
+          <p:cNvSpPr>
+            <a:spLocks noGrp="1"/>
+          </p:cNvSpPr>
+          <p:nvPr>
+            <p:ph type="ctrTitle"/>
+          </p:nvPr>
+        </p:nvSpPr>
+        <p:spPr>
+          <a:xfrm>
+            <a:off x="459205" y="359228"/>
+            <a:ext cx="11273589" cy="718459"/>
+          </a:xfrm>
+        </p:spPr>
+        <p:txBody>
+          <a:bodyPr>
+            <a:noAutofit/>
+          </a:bodyPr>
+          <a:lstStyle/>
+          <a:p>
+            <a:r>
+              <a:rPr lang="en-US" sz="5000" b="1" dirty="0"/>
+              <a:t>Paired sample t-test example</a:t>
+            </a:r>
+            <a:endParaRPr lang="en-PH" sz="5000" b="1" dirty="0"/>
+          </a:p>
+        </p:txBody>
+      </p:sp>
+      <p:graphicFrame>
+        <p:nvGraphicFramePr>
+          <p:cNvPr id="3" name="Table 2">
+            <a:extLst>
+              <a:ext uri="{FF2B5EF4-FFF2-40B4-BE49-F238E27FC236}">
+                <a16:creationId xmlns:a16="http://schemas.microsoft.com/office/drawing/2014/main" id="{C7FD51DB-0721-0FC1-A6BF-CA7BF45AE7BF}"/>
+              </a:ext>
+            </a:extLst>
+          </p:cNvPr>
+          <p:cNvGraphicFramePr>
+            <a:graphicFrameLocks noGrp="1"/>
+          </p:cNvGraphicFramePr>
+          <p:nvPr>
+            <p:extLst>
+              <p:ext uri="{D42A27DB-BD31-4B8C-83A1-F6EECF244321}">
+                <p14:modId xmlns:p14="http://schemas.microsoft.com/office/powerpoint/2010/main" val="2856558170"/>
+              </p:ext>
+            </p:extLst>
+          </p:nvPr>
+        </p:nvGraphicFramePr>
+        <p:xfrm>
+          <a:off x="2031999" y="2650924"/>
+          <a:ext cx="8128000" cy="2225040"/>
+        </p:xfrm>
+        <a:graphic>
+          <a:graphicData uri="http://schemas.openxmlformats.org/drawingml/2006/table">
+            <a:tbl>
+              <a:tblPr firstRow="1" bandRow="1">
+                <a:tableStyleId>{7E9639D4-E3E2-4D34-9284-5A2195B3D0D7}</a:tableStyleId>
+              </a:tblPr>
+              <a:tblGrid>
+                <a:gridCol w="4064000">
+                  <a:extLst>
+                    <a:ext uri="{9D8B030D-6E8A-4147-A177-3AD203B41FA5}">
+                      <a16:colId xmlns:a16="http://schemas.microsoft.com/office/drawing/2014/main" val="401808302"/>
+                    </a:ext>
+                  </a:extLst>
+                </a:gridCol>
+                <a:gridCol w="4064000">
+                  <a:extLst>
+                    <a:ext uri="{9D8B030D-6E8A-4147-A177-3AD203B41FA5}">
+                      <a16:colId xmlns:a16="http://schemas.microsoft.com/office/drawing/2014/main" val="4102643122"/>
+                    </a:ext>
+                  </a:extLst>
+                </a:gridCol>
+              </a:tblGrid>
+              <a:tr h="370840">
+                <a:tc>
+                  <a:txBody>
+                    <a:bodyPr/>
+                    <a:lstStyle/>
+                    <a:p>
+                      <a:pPr algn="ctr"/>
+                      <a:r>
+                        <a:rPr lang="en-US" dirty="0"/>
+                        <a:t>Coffee</a:t>
+                      </a:r>
+                    </a:p>
+                  </a:txBody>
+                  <a:tcPr/>
+                </a:tc>
+                <a:tc>
+                  <a:txBody>
+                    <a:bodyPr/>
+                    <a:lstStyle/>
+                    <a:p>
+                      <a:pPr algn="ctr"/>
+                      <a:r>
+                        <a:rPr lang="en-US" dirty="0"/>
+                        <a:t>Tea</a:t>
+                      </a:r>
+                    </a:p>
+                  </a:txBody>
+                  <a:tcPr/>
+                </a:tc>
+                <a:extLst>
+                  <a:ext uri="{0D108BD9-81ED-4DB2-BD59-A6C34878D82A}">
+                    <a16:rowId xmlns:a16="http://schemas.microsoft.com/office/drawing/2014/main" val="3120633144"/>
+                  </a:ext>
+                </a:extLst>
+              </a:tr>
+              <a:tr h="370840">
+                <a:tc>
+                  <a:txBody>
+                    <a:bodyPr/>
+                    <a:lstStyle/>
+                    <a:p>
+                      <a:pPr algn="ctr"/>
+                      <a:r>
+                        <a:rPr lang="en-US" dirty="0"/>
+                        <a:t>4</a:t>
+                      </a:r>
+                    </a:p>
+                  </a:txBody>
+                  <a:tcPr/>
+                </a:tc>
+                <a:tc>
+                  <a:txBody>
+                    <a:bodyPr/>
+                    <a:lstStyle/>
+                    <a:p>
+                      <a:pPr algn="ctr"/>
+                      <a:r>
+                        <a:rPr lang="en-US" dirty="0"/>
+                        <a:t>3</a:t>
+                      </a:r>
+                    </a:p>
+                  </a:txBody>
+                  <a:tcPr/>
+                </a:tc>
+                <a:extLst>
+                  <a:ext uri="{0D108BD9-81ED-4DB2-BD59-A6C34878D82A}">
+                    <a16:rowId xmlns:a16="http://schemas.microsoft.com/office/drawing/2014/main" val="2388569738"/>
+                  </a:ext>
+                </a:extLst>
+              </a:tr>
+              <a:tr h="370840">
+                <a:tc>
+                  <a:txBody>
+                    <a:bodyPr/>
+                    <a:lstStyle/>
+                    <a:p>
+                      <a:pPr algn="ctr"/>
+                      <a:r>
+                        <a:rPr lang="en-US" dirty="0"/>
+                        <a:t>5</a:t>
+                      </a:r>
+                    </a:p>
+                  </a:txBody>
+                  <a:tcPr/>
+                </a:tc>
+                <a:tc>
+                  <a:txBody>
+                    <a:bodyPr/>
+                    <a:lstStyle/>
+                    <a:p>
+                      <a:pPr algn="ctr"/>
+                      <a:r>
+                        <a:rPr lang="en-US" dirty="0"/>
+                        <a:t>8</a:t>
+                      </a:r>
+                    </a:p>
+                  </a:txBody>
+                  <a:tcPr/>
+                </a:tc>
+                <a:extLst>
+                  <a:ext uri="{0D108BD9-81ED-4DB2-BD59-A6C34878D82A}">
+                    <a16:rowId xmlns:a16="http://schemas.microsoft.com/office/drawing/2014/main" val="2843879475"/>
+                  </a:ext>
+                </a:extLst>
+              </a:tr>
+              <a:tr h="370840">
+                <a:tc>
+                  <a:txBody>
+                    <a:bodyPr/>
+                    <a:lstStyle/>
+                    <a:p>
+                      <a:pPr algn="ctr"/>
+                      <a:r>
+                        <a:rPr lang="en-US" dirty="0"/>
+                        <a:t>7</a:t>
+                      </a:r>
+                    </a:p>
+                  </a:txBody>
+                  <a:tcPr/>
+                </a:tc>
+                <a:tc>
+                  <a:txBody>
+                    <a:bodyPr/>
+                    <a:lstStyle/>
+                    <a:p>
+                      <a:pPr algn="ctr"/>
+                      <a:r>
+                        <a:rPr lang="en-US" dirty="0"/>
+                        <a:t>6</a:t>
+                      </a:r>
+                    </a:p>
+                  </a:txBody>
+                  <a:tcPr/>
+                </a:tc>
+                <a:extLst>
+                  <a:ext uri="{0D108BD9-81ED-4DB2-BD59-A6C34878D82A}">
+                    <a16:rowId xmlns:a16="http://schemas.microsoft.com/office/drawing/2014/main" val="1893223638"/>
+                  </a:ext>
+                </a:extLst>
+              </a:tr>
+              <a:tr h="370840">
+                <a:tc>
+                  <a:txBody>
+                    <a:bodyPr/>
+                    <a:lstStyle/>
+                    <a:p>
+                      <a:pPr algn="ctr"/>
+                      <a:r>
+                        <a:rPr lang="en-US" dirty="0"/>
+                        <a:t>6</a:t>
+                      </a:r>
+                    </a:p>
+                  </a:txBody>
+                  <a:tcPr/>
+                </a:tc>
+                <a:tc>
+                  <a:txBody>
+                    <a:bodyPr/>
+                    <a:lstStyle/>
+                    <a:p>
+                      <a:pPr algn="ctr"/>
+                      <a:r>
+                        <a:rPr lang="en-US" dirty="0"/>
+                        <a:t>4</a:t>
+                      </a:r>
+                    </a:p>
+                  </a:txBody>
+                  <a:tcPr/>
+                </a:tc>
+                <a:extLst>
+                  <a:ext uri="{0D108BD9-81ED-4DB2-BD59-A6C34878D82A}">
+                    <a16:rowId xmlns:a16="http://schemas.microsoft.com/office/drawing/2014/main" val="762635837"/>
+                  </a:ext>
+                </a:extLst>
+              </a:tr>
+              <a:tr h="370840">
+                <a:tc>
+                  <a:txBody>
+                    <a:bodyPr/>
+                    <a:lstStyle/>
+                    <a:p>
+                      <a:pPr algn="ctr"/>
+                      <a:r>
+                        <a:rPr lang="en-US" dirty="0"/>
+                        <a:t>9</a:t>
+                      </a:r>
+                    </a:p>
+                  </a:txBody>
+                  <a:tcPr/>
+                </a:tc>
+                <a:tc>
+                  <a:txBody>
+                    <a:bodyPr/>
+                    <a:lstStyle/>
+                    <a:p>
+                      <a:pPr algn="ctr"/>
+                      <a:r>
+                        <a:rPr lang="en-US" dirty="0"/>
+                        <a:t>7</a:t>
+                      </a:r>
+                    </a:p>
+                  </a:txBody>
+                  <a:tcPr/>
+                </a:tc>
+                <a:extLst>
+                  <a:ext uri="{0D108BD9-81ED-4DB2-BD59-A6C34878D82A}">
+                    <a16:rowId xmlns:a16="http://schemas.microsoft.com/office/drawing/2014/main" val="765120909"/>
+                  </a:ext>
+                </a:extLst>
+              </a:tr>
+            </a:tbl>
+          </a:graphicData>
+        </a:graphic>
+      </p:graphicFrame>
+    </p:spTree>
+    <p:extLst>
+      <p:ext uri="{BB962C8B-B14F-4D97-AF65-F5344CB8AC3E}">
+        <p14:creationId xmlns:p14="http://schemas.microsoft.com/office/powerpoint/2010/main" val="1692402240"/>
+      </p:ext>
+    </p:extLst>
+  </p:cSld>
+  <p:clrMapOvr>
+    <a:masterClrMapping/>
+  </p:clrMapOvr>
+</p:sld>
+</file>
+
+<file path=ppt/slides/slide13.xml><?xml version="1.0" encoding="utf-8"?>
+<p:sld xmlns:a="http://schemas.openxmlformats.org/drawingml/2006/main" xmlns:r="http://schemas.openxmlformats.org/officeDocument/2006/relationships" xmlns:p="http://schemas.openxmlformats.org/presentationml/2006/main">
+  <p:cSld>
+    <p:bg>
+      <p:bgPr>
+        <a:blipFill dpi="0" rotWithShape="1">
+          <a:blip r:embed="rId3">
+            <a:alphaModFix amt="99000"/>
+            <a:lum/>
+          </a:blip>
+          <a:srcRect/>
+          <a:stretch>
+            <a:fillRect t="89000" r="85000" b="-1000"/>
+          </a:stretch>
+        </a:blipFill>
+        <a:effectLst/>
+      </p:bgPr>
+    </p:bg>
+    <p:spTree>
+      <p:nvGrpSpPr>
+        <p:cNvPr id="1" name=""/>
+        <p:cNvGrpSpPr/>
+        <p:nvPr/>
+      </p:nvGrpSpPr>
+      <p:grpSpPr>
+        <a:xfrm>
+          <a:off x="0" y="0"/>
+          <a:ext cx="0" cy="0"/>
+          <a:chOff x="0" y="0"/>
+          <a:chExt cx="0" cy="0"/>
+        </a:xfrm>
+      </p:grpSpPr>
+      <p:sp>
+        <p:nvSpPr>
+          <p:cNvPr id="5" name="Title 1">
+            <a:extLst>
+              <a:ext uri="{FF2B5EF4-FFF2-40B4-BE49-F238E27FC236}">
+                <a16:creationId xmlns:a16="http://schemas.microsoft.com/office/drawing/2014/main" id="{3444037F-B658-D82C-5DCA-53E8AA1493D7}"/>
+              </a:ext>
+            </a:extLst>
+          </p:cNvPr>
+          <p:cNvSpPr txBox="1">
+            <a:spLocks/>
+          </p:cNvSpPr>
+          <p:nvPr/>
+        </p:nvSpPr>
+        <p:spPr>
+          <a:xfrm>
+            <a:off x="1524000" y="1516449"/>
+            <a:ext cx="9144000" cy="4290585"/>
+          </a:xfrm>
+          <a:prstGeom prst="rect">
+            <a:avLst/>
+          </a:prstGeom>
+        </p:spPr>
+        <p:txBody>
+          <a:bodyPr vert="horz" lIns="91440" tIns="45720" rIns="91440" bIns="45720" rtlCol="0" anchor="b">
+            <a:normAutofit fontScale="97500"/>
+          </a:bodyPr>
+          <a:lstStyle>
+            <a:lvl1pPr algn="ctr" defTabSz="914400" rtl="0" eaLnBrk="1" latinLnBrk="0" hangingPunct="1">
+              <a:lnSpc>
+                <a:spcPct val="90000"/>
+              </a:lnSpc>
+              <a:spcBef>
+                <a:spcPct val="0"/>
+              </a:spcBef>
+              <a:buNone/>
+              <a:defRPr sz="6000" kern="1200">
+                <a:solidFill>
+                  <a:schemeClr val="tx1"/>
+                </a:solidFill>
+                <a:latin typeface="+mj-lt"/>
+                <a:ea typeface="+mj-ea"/>
+                <a:cs typeface="+mj-cs"/>
+              </a:defRPr>
+            </a:lvl1pPr>
+          </a:lstStyle>
+          <a:p>
+            <a:pPr algn="l"/>
+            <a:endParaRPr lang="en-US" sz="3100" dirty="0"/>
+          </a:p>
+          <a:p>
+            <a:pPr algn="l"/>
+            <a:endParaRPr lang="en-US" sz="3100" dirty="0"/>
+          </a:p>
+          <a:p>
+            <a:pPr algn="l"/>
+            <a:endParaRPr lang="en-US" sz="3100" dirty="0"/>
+          </a:p>
+          <a:p>
+            <a:pPr algn="l"/>
+            <a:endParaRPr lang="en-US" sz="3100" dirty="0"/>
+          </a:p>
+          <a:p>
+            <a:pPr algn="l"/>
+            <a:endParaRPr lang="en-US" sz="3000" dirty="0"/>
+          </a:p>
+          <a:p>
+            <a:pPr algn="l"/>
+            <a:endParaRPr lang="en-US" sz="3000" dirty="0"/>
+          </a:p>
+        </p:txBody>
+      </p:sp>
+      <p:sp>
+        <p:nvSpPr>
+          <p:cNvPr id="39" name="Footer Placeholder 3">
+            <a:extLst>
+              <a:ext uri="{FF2B5EF4-FFF2-40B4-BE49-F238E27FC236}">
+                <a16:creationId xmlns:a16="http://schemas.microsoft.com/office/drawing/2014/main" id="{77EF4DA7-E5CF-896F-45E0-B1D58FD59B96}"/>
+              </a:ext>
+            </a:extLst>
+          </p:cNvPr>
+          <p:cNvSpPr>
+            <a:spLocks noGrp="1"/>
+          </p:cNvSpPr>
+          <p:nvPr>
+            <p:ph type="ftr" sz="quarter" idx="11"/>
+          </p:nvPr>
+        </p:nvSpPr>
+        <p:spPr>
+          <a:xfrm>
+            <a:off x="0" y="6139541"/>
+            <a:ext cx="12192000" cy="718459"/>
+          </a:xfrm>
+          <a:ln w="28575">
+            <a:solidFill>
+              <a:schemeClr val="accent5">
+                <a:lumMod val="50000"/>
+              </a:schemeClr>
+            </a:solidFill>
+          </a:ln>
+        </p:spPr>
+        <p:txBody>
+          <a:bodyPr/>
+          <a:lstStyle/>
+          <a:p>
+            <a:pPr lvl="1" algn="r"/>
+            <a:r>
+              <a:rPr lang="en-US" sz="1200" b="1" dirty="0"/>
+              <a:t>CCDATS1L</a:t>
+            </a:r>
+            <a:endParaRPr lang="en-PH" sz="1200" b="1" dirty="0"/>
+          </a:p>
+        </p:txBody>
+      </p:sp>
+      <p:sp>
+        <p:nvSpPr>
+          <p:cNvPr id="2" name="Title 1">
+            <a:extLst>
+              <a:ext uri="{FF2B5EF4-FFF2-40B4-BE49-F238E27FC236}">
+                <a16:creationId xmlns:a16="http://schemas.microsoft.com/office/drawing/2014/main" id="{79EF1114-32BB-A28C-0B44-90073AA32F6C}"/>
+              </a:ext>
+            </a:extLst>
+          </p:cNvPr>
+          <p:cNvSpPr txBox="1">
+            <a:spLocks/>
+          </p:cNvSpPr>
+          <p:nvPr/>
+        </p:nvSpPr>
+        <p:spPr>
+          <a:xfrm>
+            <a:off x="480642" y="1350196"/>
+            <a:ext cx="11273589" cy="968221"/>
+          </a:xfrm>
+          <a:prstGeom prst="rect">
+            <a:avLst/>
+          </a:prstGeom>
+        </p:spPr>
+        <p:txBody>
+          <a:bodyPr vert="horz" lIns="91440" tIns="45720" rIns="91440" bIns="45720" rtlCol="0" anchor="b">
+            <a:noAutofit/>
+          </a:bodyPr>
+          <a:lstStyle>
+            <a:lvl1pPr algn="ctr" defTabSz="914400" rtl="0" eaLnBrk="1" latinLnBrk="0" hangingPunct="1">
+              <a:lnSpc>
+                <a:spcPct val="90000"/>
+              </a:lnSpc>
+              <a:spcBef>
+                <a:spcPct val="0"/>
+              </a:spcBef>
+              <a:buNone/>
+              <a:defRPr sz="6000" kern="1200">
+                <a:solidFill>
+                  <a:schemeClr val="tx1"/>
+                </a:solidFill>
+                <a:latin typeface="+mj-lt"/>
+                <a:ea typeface="+mj-ea"/>
+                <a:cs typeface="+mj-cs"/>
+              </a:defRPr>
+            </a:lvl1pPr>
+          </a:lstStyle>
+          <a:p>
+            <a:pPr algn="l"/>
+            <a:r>
+              <a:rPr lang="en-PH" sz="3000" dirty="0">
+                <a:latin typeface="+mn-lt"/>
+              </a:rPr>
+              <a:t>Calculate a t-test for the following data of the number of times people prefer coffee or tea in five time intervals.</a:t>
+            </a:r>
+          </a:p>
+        </p:txBody>
+      </p:sp>
+      <p:sp>
+        <p:nvSpPr>
+          <p:cNvPr id="7" name="Title 1">
+            <a:extLst>
+              <a:ext uri="{FF2B5EF4-FFF2-40B4-BE49-F238E27FC236}">
+                <a16:creationId xmlns:a16="http://schemas.microsoft.com/office/drawing/2014/main" id="{F9F68FD0-4734-F88A-26AE-8BD1D795B778}"/>
+              </a:ext>
+            </a:extLst>
+          </p:cNvPr>
+          <p:cNvSpPr>
+            <a:spLocks noGrp="1"/>
+          </p:cNvSpPr>
+          <p:nvPr>
+            <p:ph type="ctrTitle"/>
+          </p:nvPr>
+        </p:nvSpPr>
+        <p:spPr>
+          <a:xfrm>
+            <a:off x="459205" y="359228"/>
+            <a:ext cx="11273589" cy="718459"/>
+          </a:xfrm>
+        </p:spPr>
+        <p:txBody>
+          <a:bodyPr>
+            <a:noAutofit/>
+          </a:bodyPr>
+          <a:lstStyle/>
+          <a:p>
+            <a:r>
+              <a:rPr lang="en-US" sz="5000" b="1" dirty="0"/>
+              <a:t>Paired sample t-test example</a:t>
+            </a:r>
+            <a:endParaRPr lang="en-PH" sz="5000" b="1" dirty="0"/>
+          </a:p>
+        </p:txBody>
+      </p:sp>
+      <p:pic>
+        <p:nvPicPr>
+          <p:cNvPr id="4" name="Picture 3">
+            <a:extLst>
+              <a:ext uri="{FF2B5EF4-FFF2-40B4-BE49-F238E27FC236}">
+                <a16:creationId xmlns:a16="http://schemas.microsoft.com/office/drawing/2014/main" id="{FB3EDE5B-DAA0-5CEA-6412-14754BC8A9A0}"/>
+              </a:ext>
+            </a:extLst>
+          </p:cNvPr>
+          <p:cNvPicPr>
+            <a:picLocks noChangeAspect="1"/>
+          </p:cNvPicPr>
+          <p:nvPr/>
+        </p:nvPicPr>
+        <p:blipFill>
+          <a:blip r:embed="rId4">
+            <a:extLst>
+              <a:ext uri="{28A0092B-C50C-407E-A947-70E740481C1C}">
+                <a14:useLocalDpi xmlns:a14="http://schemas.microsoft.com/office/drawing/2010/main" val="0"/>
+              </a:ext>
+            </a:extLst>
+          </a:blip>
+          <a:stretch>
+            <a:fillRect/>
+          </a:stretch>
+        </p:blipFill>
+        <p:spPr>
+          <a:xfrm>
+            <a:off x="480642" y="2780815"/>
+            <a:ext cx="3757072" cy="2111818"/>
+          </a:xfrm>
+          <a:prstGeom prst="rect">
+            <a:avLst/>
+          </a:prstGeom>
+        </p:spPr>
+      </p:pic>
+      <p:pic>
+        <p:nvPicPr>
+          <p:cNvPr id="10" name="Picture 9">
+            <a:extLst>
+              <a:ext uri="{FF2B5EF4-FFF2-40B4-BE49-F238E27FC236}">
+                <a16:creationId xmlns:a16="http://schemas.microsoft.com/office/drawing/2014/main" id="{28D3E1CE-CB9A-6F91-7CD1-BFFE110F819C}"/>
+              </a:ext>
+            </a:extLst>
+          </p:cNvPr>
+          <p:cNvPicPr>
+            <a:picLocks noChangeAspect="1"/>
+          </p:cNvPicPr>
+          <p:nvPr/>
+        </p:nvPicPr>
+        <p:blipFill>
+          <a:blip r:embed="rId5">
+            <a:extLst>
+              <a:ext uri="{28A0092B-C50C-407E-A947-70E740481C1C}">
+                <a14:useLocalDpi xmlns:a14="http://schemas.microsoft.com/office/drawing/2010/main" val="0"/>
+              </a:ext>
+            </a:extLst>
+          </a:blip>
+          <a:stretch>
+            <a:fillRect/>
+          </a:stretch>
+        </p:blipFill>
+        <p:spPr>
+          <a:xfrm>
+            <a:off x="7587049" y="2306513"/>
+            <a:ext cx="2164490" cy="3640279"/>
+          </a:xfrm>
+          <a:prstGeom prst="rect">
+            <a:avLst/>
+          </a:prstGeom>
+        </p:spPr>
+      </p:pic>
+    </p:spTree>
+    <p:extLst>
+      <p:ext uri="{BB962C8B-B14F-4D97-AF65-F5344CB8AC3E}">
+        <p14:creationId xmlns:p14="http://schemas.microsoft.com/office/powerpoint/2010/main" val="3492348124"/>
+      </p:ext>
+    </p:extLst>
+  </p:cSld>
+  <p:clrMapOvr>
+    <a:masterClrMapping/>
+  </p:clrMapOvr>
+</p:sld>
+</file>
+
+<file path=ppt/slides/slide14.xml><?xml version="1.0" encoding="utf-8"?>
+<p:sld xmlns:a="http://schemas.openxmlformats.org/drawingml/2006/main" xmlns:r="http://schemas.openxmlformats.org/officeDocument/2006/relationships" xmlns:p="http://schemas.openxmlformats.org/presentationml/2006/main">
+  <p:cSld>
+    <p:bg>
+      <p:bgPr>
+        <a:blipFill dpi="0" rotWithShape="1">
+          <a:blip r:embed="rId3">
+            <a:alphaModFix amt="99000"/>
+            <a:lum/>
+          </a:blip>
+          <a:srcRect/>
+          <a:stretch>
+            <a:fillRect t="89000" r="85000" b="-1000"/>
+          </a:stretch>
+        </a:blipFill>
+        <a:effectLst/>
+      </p:bgPr>
+    </p:bg>
+    <p:spTree>
+      <p:nvGrpSpPr>
+        <p:cNvPr id="1" name=""/>
+        <p:cNvGrpSpPr/>
+        <p:nvPr/>
+      </p:nvGrpSpPr>
+      <p:grpSpPr>
+        <a:xfrm>
+          <a:off x="0" y="0"/>
+          <a:ext cx="0" cy="0"/>
+          <a:chOff x="0" y="0"/>
+          <a:chExt cx="0" cy="0"/>
+        </a:xfrm>
+      </p:grpSpPr>
+      <p:sp>
+        <p:nvSpPr>
+          <p:cNvPr id="5" name="Title 1">
+            <a:extLst>
+              <a:ext uri="{FF2B5EF4-FFF2-40B4-BE49-F238E27FC236}">
+                <a16:creationId xmlns:a16="http://schemas.microsoft.com/office/drawing/2014/main" id="{3444037F-B658-D82C-5DCA-53E8AA1493D7}"/>
+              </a:ext>
+            </a:extLst>
+          </p:cNvPr>
+          <p:cNvSpPr txBox="1">
+            <a:spLocks/>
+          </p:cNvSpPr>
+          <p:nvPr/>
+        </p:nvSpPr>
+        <p:spPr>
+          <a:xfrm>
+            <a:off x="1524000" y="1516449"/>
+            <a:ext cx="9144000" cy="4290585"/>
+          </a:xfrm>
+          <a:prstGeom prst="rect">
+            <a:avLst/>
+          </a:prstGeom>
+        </p:spPr>
+        <p:txBody>
+          <a:bodyPr vert="horz" lIns="91440" tIns="45720" rIns="91440" bIns="45720" rtlCol="0" anchor="b">
+            <a:normAutofit fontScale="97500"/>
+          </a:bodyPr>
+          <a:lstStyle>
+            <a:lvl1pPr algn="ctr" defTabSz="914400" rtl="0" eaLnBrk="1" latinLnBrk="0" hangingPunct="1">
+              <a:lnSpc>
+                <a:spcPct val="90000"/>
+              </a:lnSpc>
+              <a:spcBef>
+                <a:spcPct val="0"/>
+              </a:spcBef>
+              <a:buNone/>
+              <a:defRPr sz="6000" kern="1200">
+                <a:solidFill>
+                  <a:schemeClr val="tx1"/>
+                </a:solidFill>
+                <a:latin typeface="+mj-lt"/>
+                <a:ea typeface="+mj-ea"/>
+                <a:cs typeface="+mj-cs"/>
+              </a:defRPr>
+            </a:lvl1pPr>
+          </a:lstStyle>
+          <a:p>
+            <a:pPr algn="l"/>
+            <a:endParaRPr lang="en-US" sz="3100" dirty="0"/>
+          </a:p>
+          <a:p>
+            <a:pPr algn="l"/>
+            <a:endParaRPr lang="en-US" sz="3100" dirty="0"/>
+          </a:p>
+          <a:p>
+            <a:pPr algn="l"/>
+            <a:endParaRPr lang="en-US" sz="3100" dirty="0"/>
+          </a:p>
+          <a:p>
+            <a:pPr algn="l"/>
+            <a:endParaRPr lang="en-US" sz="3100" dirty="0"/>
+          </a:p>
+          <a:p>
+            <a:pPr algn="l"/>
+            <a:endParaRPr lang="en-US" sz="3000" dirty="0"/>
+          </a:p>
+          <a:p>
+            <a:pPr algn="l"/>
+            <a:endParaRPr lang="en-US" sz="3000" dirty="0"/>
+          </a:p>
+        </p:txBody>
+      </p:sp>
+      <p:sp>
+        <p:nvSpPr>
+          <p:cNvPr id="39" name="Footer Placeholder 3">
+            <a:extLst>
+              <a:ext uri="{FF2B5EF4-FFF2-40B4-BE49-F238E27FC236}">
+                <a16:creationId xmlns:a16="http://schemas.microsoft.com/office/drawing/2014/main" id="{77EF4DA7-E5CF-896F-45E0-B1D58FD59B96}"/>
+              </a:ext>
+            </a:extLst>
+          </p:cNvPr>
+          <p:cNvSpPr>
+            <a:spLocks noGrp="1"/>
+          </p:cNvSpPr>
+          <p:nvPr>
+            <p:ph type="ftr" sz="quarter" idx="11"/>
+          </p:nvPr>
+        </p:nvSpPr>
+        <p:spPr>
+          <a:xfrm>
+            <a:off x="0" y="6139541"/>
+            <a:ext cx="12192000" cy="718459"/>
+          </a:xfrm>
+          <a:ln w="28575">
+            <a:solidFill>
+              <a:schemeClr val="accent5">
+                <a:lumMod val="50000"/>
+              </a:schemeClr>
+            </a:solidFill>
+          </a:ln>
+        </p:spPr>
+        <p:txBody>
+          <a:bodyPr/>
+          <a:lstStyle/>
+          <a:p>
+            <a:pPr lvl="1" algn="r"/>
+            <a:r>
+              <a:rPr lang="en-US" sz="1200" b="1" dirty="0"/>
+              <a:t>CCDATS1L</a:t>
+            </a:r>
+            <a:endParaRPr lang="en-PH" sz="1200" b="1" dirty="0"/>
+          </a:p>
+        </p:txBody>
+      </p:sp>
+      <p:sp>
+        <p:nvSpPr>
+          <p:cNvPr id="2" name="Title 1">
+            <a:extLst>
+              <a:ext uri="{FF2B5EF4-FFF2-40B4-BE49-F238E27FC236}">
+                <a16:creationId xmlns:a16="http://schemas.microsoft.com/office/drawing/2014/main" id="{79EF1114-32BB-A28C-0B44-90073AA32F6C}"/>
+              </a:ext>
+            </a:extLst>
+          </p:cNvPr>
+          <p:cNvSpPr txBox="1">
+            <a:spLocks/>
+          </p:cNvSpPr>
+          <p:nvPr/>
+        </p:nvSpPr>
+        <p:spPr>
+          <a:xfrm>
+            <a:off x="480642" y="1350196"/>
+            <a:ext cx="11273589" cy="968221"/>
+          </a:xfrm>
+          <a:prstGeom prst="rect">
+            <a:avLst/>
+          </a:prstGeom>
+        </p:spPr>
+        <p:txBody>
+          <a:bodyPr vert="horz" lIns="91440" tIns="45720" rIns="91440" bIns="45720" rtlCol="0" anchor="b">
+            <a:noAutofit/>
+          </a:bodyPr>
+          <a:lstStyle>
+            <a:lvl1pPr algn="ctr" defTabSz="914400" rtl="0" eaLnBrk="1" latinLnBrk="0" hangingPunct="1">
+              <a:lnSpc>
+                <a:spcPct val="90000"/>
+              </a:lnSpc>
+              <a:spcBef>
+                <a:spcPct val="0"/>
+              </a:spcBef>
+              <a:buNone/>
+              <a:defRPr sz="6000" kern="1200">
+                <a:solidFill>
+                  <a:schemeClr val="tx1"/>
+                </a:solidFill>
+                <a:latin typeface="+mj-lt"/>
+                <a:ea typeface="+mj-ea"/>
+                <a:cs typeface="+mj-cs"/>
+              </a:defRPr>
+            </a:lvl1pPr>
+          </a:lstStyle>
+          <a:p>
+            <a:pPr algn="l"/>
+            <a:r>
+              <a:rPr lang="en-PH" sz="3000" dirty="0">
+                <a:latin typeface="+mn-lt"/>
+              </a:rPr>
+              <a:t>Calculate a t-test for the following data of the number of times people prefer coffee or tea in five time intervals.</a:t>
+            </a:r>
+          </a:p>
+        </p:txBody>
+      </p:sp>
+      <p:sp>
+        <p:nvSpPr>
+          <p:cNvPr id="7" name="Title 1">
+            <a:extLst>
+              <a:ext uri="{FF2B5EF4-FFF2-40B4-BE49-F238E27FC236}">
+                <a16:creationId xmlns:a16="http://schemas.microsoft.com/office/drawing/2014/main" id="{F9F68FD0-4734-F88A-26AE-8BD1D795B778}"/>
+              </a:ext>
+            </a:extLst>
+          </p:cNvPr>
+          <p:cNvSpPr>
+            <a:spLocks noGrp="1"/>
+          </p:cNvSpPr>
+          <p:nvPr>
+            <p:ph type="ctrTitle"/>
+          </p:nvPr>
+        </p:nvSpPr>
+        <p:spPr>
+          <a:xfrm>
+            <a:off x="459205" y="359228"/>
+            <a:ext cx="11273589" cy="718459"/>
+          </a:xfrm>
+        </p:spPr>
+        <p:txBody>
+          <a:bodyPr>
+            <a:noAutofit/>
+          </a:bodyPr>
+          <a:lstStyle/>
+          <a:p>
+            <a:r>
+              <a:rPr lang="en-US" sz="5000" b="1" dirty="0"/>
+              <a:t>Paired sample t-test example</a:t>
+            </a:r>
+            <a:endParaRPr lang="en-PH" sz="5000" b="1" dirty="0"/>
+          </a:p>
+        </p:txBody>
+      </p:sp>
+      <p:pic>
+        <p:nvPicPr>
+          <p:cNvPr id="4" name="Picture 3">
+            <a:extLst>
+              <a:ext uri="{FF2B5EF4-FFF2-40B4-BE49-F238E27FC236}">
+                <a16:creationId xmlns:a16="http://schemas.microsoft.com/office/drawing/2014/main" id="{FB3EDE5B-DAA0-5CEA-6412-14754BC8A9A0}"/>
+              </a:ext>
+            </a:extLst>
+          </p:cNvPr>
+          <p:cNvPicPr>
+            <a:picLocks noChangeAspect="1"/>
+          </p:cNvPicPr>
+          <p:nvPr/>
+        </p:nvPicPr>
+        <p:blipFill>
+          <a:blip r:embed="rId4">
+            <a:extLst>
+              <a:ext uri="{28A0092B-C50C-407E-A947-70E740481C1C}">
+                <a14:useLocalDpi xmlns:a14="http://schemas.microsoft.com/office/drawing/2010/main" val="0"/>
+              </a:ext>
+            </a:extLst>
+          </a:blip>
+          <a:stretch>
+            <a:fillRect/>
+          </a:stretch>
+        </p:blipFill>
+        <p:spPr>
+          <a:xfrm>
+            <a:off x="480642" y="2780815"/>
+            <a:ext cx="3757072" cy="2111818"/>
+          </a:xfrm>
+          <a:prstGeom prst="rect">
+            <a:avLst/>
+          </a:prstGeom>
+        </p:spPr>
+      </p:pic>
+      <p:pic>
+        <p:nvPicPr>
+          <p:cNvPr id="8" name="Picture 7">
+            <a:extLst>
+              <a:ext uri="{FF2B5EF4-FFF2-40B4-BE49-F238E27FC236}">
+                <a16:creationId xmlns:a16="http://schemas.microsoft.com/office/drawing/2014/main" id="{03BB2AF9-25BA-BCC8-089C-1CDD560762F2}"/>
+              </a:ext>
+            </a:extLst>
+          </p:cNvPr>
+          <p:cNvPicPr>
+            <a:picLocks noChangeAspect="1"/>
+          </p:cNvPicPr>
+          <p:nvPr/>
+        </p:nvPicPr>
+        <p:blipFill>
+          <a:blip r:embed="rId5">
+            <a:extLst>
+              <a:ext uri="{28A0092B-C50C-407E-A947-70E740481C1C}">
+                <a14:useLocalDpi xmlns:a14="http://schemas.microsoft.com/office/drawing/2010/main" val="0"/>
+              </a:ext>
+            </a:extLst>
+          </a:blip>
+          <a:stretch>
+            <a:fillRect/>
+          </a:stretch>
+        </p:blipFill>
+        <p:spPr>
+          <a:xfrm>
+            <a:off x="5281072" y="2737967"/>
+            <a:ext cx="5410200" cy="2489200"/>
+          </a:xfrm>
+          <a:prstGeom prst="rect">
+            <a:avLst/>
+          </a:prstGeom>
+        </p:spPr>
+      </p:pic>
+    </p:spTree>
+    <p:extLst>
+      <p:ext uri="{BB962C8B-B14F-4D97-AF65-F5344CB8AC3E}">
+        <p14:creationId xmlns:p14="http://schemas.microsoft.com/office/powerpoint/2010/main" val="2297736824"/>
+      </p:ext>
+    </p:extLst>
+  </p:cSld>
+  <p:clrMapOvr>
+    <a:masterClrMapping/>
+  </p:clrMapOvr>
+</p:sld>
+</file>
+
+<file path=ppt/slides/slide15.xml><?xml version="1.0" encoding="utf-8"?>
+<p:sld xmlns:a="http://schemas.openxmlformats.org/drawingml/2006/main" xmlns:r="http://schemas.openxmlformats.org/officeDocument/2006/relationships" xmlns:p="http://schemas.openxmlformats.org/presentationml/2006/main">
+  <p:cSld>
+    <p:bg>
+      <p:bgPr>
+        <a:blipFill dpi="0" rotWithShape="1">
+          <a:blip r:embed="rId3">
+            <a:alphaModFix amt="99000"/>
+            <a:lum/>
+          </a:blip>
+          <a:srcRect/>
+          <a:stretch>
+            <a:fillRect t="89000" r="85000" b="-1000"/>
+          </a:stretch>
+        </a:blipFill>
+        <a:effectLst/>
+      </p:bgPr>
+    </p:bg>
+    <p:spTree>
+      <p:nvGrpSpPr>
+        <p:cNvPr id="1" name=""/>
+        <p:cNvGrpSpPr/>
+        <p:nvPr/>
+      </p:nvGrpSpPr>
+      <p:grpSpPr>
+        <a:xfrm>
+          <a:off x="0" y="0"/>
+          <a:ext cx="0" cy="0"/>
+          <a:chOff x="0" y="0"/>
+          <a:chExt cx="0" cy="0"/>
+        </a:xfrm>
+      </p:grpSpPr>
+      <p:sp>
+        <p:nvSpPr>
+          <p:cNvPr id="5" name="Title 1">
+            <a:extLst>
+              <a:ext uri="{FF2B5EF4-FFF2-40B4-BE49-F238E27FC236}">
+                <a16:creationId xmlns:a16="http://schemas.microsoft.com/office/drawing/2014/main" id="{3444037F-B658-D82C-5DCA-53E8AA1493D7}"/>
+              </a:ext>
+            </a:extLst>
+          </p:cNvPr>
+          <p:cNvSpPr txBox="1">
+            <a:spLocks/>
+          </p:cNvSpPr>
+          <p:nvPr/>
+        </p:nvSpPr>
+        <p:spPr>
+          <a:xfrm>
+            <a:off x="1524000" y="1516449"/>
+            <a:ext cx="9144000" cy="4290585"/>
+          </a:xfrm>
+          <a:prstGeom prst="rect">
+            <a:avLst/>
+          </a:prstGeom>
+        </p:spPr>
+        <p:txBody>
+          <a:bodyPr vert="horz" lIns="91440" tIns="45720" rIns="91440" bIns="45720" rtlCol="0" anchor="b">
+            <a:normAutofit fontScale="97500"/>
+          </a:bodyPr>
+          <a:lstStyle>
+            <a:lvl1pPr algn="ctr" defTabSz="914400" rtl="0" eaLnBrk="1" latinLnBrk="0" hangingPunct="1">
+              <a:lnSpc>
+                <a:spcPct val="90000"/>
+              </a:lnSpc>
+              <a:spcBef>
+                <a:spcPct val="0"/>
+              </a:spcBef>
+              <a:buNone/>
+              <a:defRPr sz="6000" kern="1200">
+                <a:solidFill>
+                  <a:schemeClr val="tx1"/>
+                </a:solidFill>
+                <a:latin typeface="+mj-lt"/>
+                <a:ea typeface="+mj-ea"/>
+                <a:cs typeface="+mj-cs"/>
+              </a:defRPr>
+            </a:lvl1pPr>
+          </a:lstStyle>
+          <a:p>
+            <a:pPr algn="l"/>
+            <a:endParaRPr lang="en-US" sz="3100" dirty="0"/>
+          </a:p>
+          <a:p>
+            <a:pPr algn="l"/>
+            <a:endParaRPr lang="en-US" sz="3100" dirty="0"/>
+          </a:p>
+          <a:p>
+            <a:pPr algn="l"/>
+            <a:endParaRPr lang="en-US" sz="3100" dirty="0"/>
+          </a:p>
+          <a:p>
+            <a:pPr algn="l"/>
+            <a:endParaRPr lang="en-US" sz="3100" dirty="0"/>
+          </a:p>
+          <a:p>
+            <a:pPr algn="l"/>
+            <a:endParaRPr lang="en-US" sz="3000" dirty="0"/>
+          </a:p>
+          <a:p>
+            <a:pPr algn="l"/>
+            <a:endParaRPr lang="en-US" sz="3000" dirty="0"/>
+          </a:p>
+        </p:txBody>
+      </p:sp>
+      <p:sp>
+        <p:nvSpPr>
+          <p:cNvPr id="39" name="Footer Placeholder 3">
+            <a:extLst>
+              <a:ext uri="{FF2B5EF4-FFF2-40B4-BE49-F238E27FC236}">
+                <a16:creationId xmlns:a16="http://schemas.microsoft.com/office/drawing/2014/main" id="{77EF4DA7-E5CF-896F-45E0-B1D58FD59B96}"/>
+              </a:ext>
+            </a:extLst>
+          </p:cNvPr>
+          <p:cNvSpPr>
+            <a:spLocks noGrp="1"/>
+          </p:cNvSpPr>
+          <p:nvPr>
+            <p:ph type="ftr" sz="quarter" idx="11"/>
+          </p:nvPr>
+        </p:nvSpPr>
+        <p:spPr>
+          <a:xfrm>
+            <a:off x="0" y="6139541"/>
+            <a:ext cx="12192000" cy="718459"/>
+          </a:xfrm>
+          <a:ln w="28575">
+            <a:solidFill>
+              <a:schemeClr val="accent5">
+                <a:lumMod val="50000"/>
+              </a:schemeClr>
+            </a:solidFill>
+          </a:ln>
+        </p:spPr>
+        <p:txBody>
+          <a:bodyPr/>
+          <a:lstStyle/>
+          <a:p>
+            <a:pPr lvl="1" algn="r"/>
+            <a:r>
+              <a:rPr lang="en-US" sz="1200" b="1" dirty="0"/>
+              <a:t>CCDATS1L</a:t>
+            </a:r>
+            <a:endParaRPr lang="en-PH" sz="1200" b="1" dirty="0"/>
+          </a:p>
+        </p:txBody>
+      </p:sp>
+      <p:sp>
+        <p:nvSpPr>
+          <p:cNvPr id="2" name="Title 1">
+            <a:extLst>
+              <a:ext uri="{FF2B5EF4-FFF2-40B4-BE49-F238E27FC236}">
+                <a16:creationId xmlns:a16="http://schemas.microsoft.com/office/drawing/2014/main" id="{79EF1114-32BB-A28C-0B44-90073AA32F6C}"/>
+              </a:ext>
+            </a:extLst>
+          </p:cNvPr>
+          <p:cNvSpPr txBox="1">
+            <a:spLocks/>
+          </p:cNvSpPr>
+          <p:nvPr/>
+        </p:nvSpPr>
+        <p:spPr>
+          <a:xfrm>
+            <a:off x="459204" y="1516449"/>
+            <a:ext cx="11273589" cy="2778359"/>
+          </a:xfrm>
+          <a:prstGeom prst="rect">
+            <a:avLst/>
+          </a:prstGeom>
+        </p:spPr>
+        <p:txBody>
+          <a:bodyPr vert="horz" lIns="91440" tIns="45720" rIns="91440" bIns="45720" rtlCol="0" anchor="b">
+            <a:noAutofit/>
+          </a:bodyPr>
+          <a:lstStyle>
+            <a:lvl1pPr algn="ctr" defTabSz="914400" rtl="0" eaLnBrk="1" latinLnBrk="0" hangingPunct="1">
+              <a:lnSpc>
+                <a:spcPct val="90000"/>
+              </a:lnSpc>
+              <a:spcBef>
+                <a:spcPct val="0"/>
+              </a:spcBef>
+              <a:buNone/>
+              <a:defRPr sz="6000" kern="1200">
+                <a:solidFill>
+                  <a:schemeClr val="tx1"/>
+                </a:solidFill>
+                <a:latin typeface="+mj-lt"/>
+                <a:ea typeface="+mj-ea"/>
+                <a:cs typeface="+mj-cs"/>
+              </a:defRPr>
+            </a:lvl1pPr>
+          </a:lstStyle>
+          <a:p>
+            <a:pPr algn="l"/>
+            <a:r>
+              <a:rPr lang="en-PH" sz="3000" dirty="0">
+                <a:latin typeface="+mn-lt"/>
+              </a:rPr>
+              <a:t>A company wants to improve its sales. The previous sales data indicated that the average sale of 25 salesmen was </a:t>
+            </a:r>
+            <a:r>
+              <a:rPr lang="en-PH" sz="3000" b="1" dirty="0">
+                <a:solidFill>
+                  <a:srgbClr val="00B0F0"/>
+                </a:solidFill>
+                <a:latin typeface="+mn-lt"/>
+              </a:rPr>
+              <a:t>$50 per transaction</a:t>
+            </a:r>
+            <a:r>
+              <a:rPr lang="en-PH" sz="3000" dirty="0">
+                <a:latin typeface="+mn-lt"/>
+              </a:rPr>
+              <a:t>. </a:t>
+            </a:r>
+          </a:p>
+          <a:p>
+            <a:pPr algn="l"/>
+            <a:endParaRPr lang="en-PH" sz="3000" dirty="0">
+              <a:latin typeface="+mn-lt"/>
+            </a:endParaRPr>
+          </a:p>
+          <a:p>
+            <a:pPr algn="l"/>
+            <a:r>
+              <a:rPr lang="en-PH" sz="3000" dirty="0">
+                <a:latin typeface="+mn-lt"/>
+              </a:rPr>
+              <a:t>After training, the recent data showed an average sale of </a:t>
+            </a:r>
+            <a:r>
+              <a:rPr lang="en-PH" sz="3000" b="1" dirty="0">
+                <a:solidFill>
+                  <a:srgbClr val="00B0F0"/>
+                </a:solidFill>
+                <a:latin typeface="+mn-lt"/>
+              </a:rPr>
+              <a:t>$80 per transaction</a:t>
+            </a:r>
+            <a:r>
+              <a:rPr lang="en-PH" sz="3000" dirty="0">
+                <a:latin typeface="+mn-lt"/>
+              </a:rPr>
+              <a:t>. If the </a:t>
+            </a:r>
+            <a:r>
+              <a:rPr lang="en-PH" sz="3000" b="1" dirty="0">
+                <a:solidFill>
+                  <a:srgbClr val="00B0F0"/>
+                </a:solidFill>
+                <a:latin typeface="+mn-lt"/>
+              </a:rPr>
+              <a:t>standard deviation is $15</a:t>
+            </a:r>
+            <a:r>
+              <a:rPr lang="en-PH" sz="3000" dirty="0">
+                <a:latin typeface="+mn-lt"/>
+              </a:rPr>
+              <a:t>, find the t-score. </a:t>
+            </a:r>
+          </a:p>
+          <a:p>
+            <a:pPr algn="l"/>
+            <a:endParaRPr lang="en-PH" sz="3000" dirty="0">
+              <a:latin typeface="+mn-lt"/>
+            </a:endParaRPr>
+          </a:p>
+          <a:p>
+            <a:pPr algn="l"/>
+            <a:r>
+              <a:rPr lang="en-PH" sz="3000" dirty="0">
+                <a:latin typeface="+mn-lt"/>
+              </a:rPr>
+              <a:t>Has the training provided improved the sales?</a:t>
+            </a:r>
+          </a:p>
+        </p:txBody>
+      </p:sp>
+      <p:sp>
+        <p:nvSpPr>
+          <p:cNvPr id="7" name="Title 1">
+            <a:extLst>
+              <a:ext uri="{FF2B5EF4-FFF2-40B4-BE49-F238E27FC236}">
+                <a16:creationId xmlns:a16="http://schemas.microsoft.com/office/drawing/2014/main" id="{F9F68FD0-4734-F88A-26AE-8BD1D795B778}"/>
+              </a:ext>
+            </a:extLst>
+          </p:cNvPr>
+          <p:cNvSpPr>
+            <a:spLocks noGrp="1"/>
+          </p:cNvSpPr>
+          <p:nvPr>
+            <p:ph type="ctrTitle"/>
+          </p:nvPr>
+        </p:nvSpPr>
+        <p:spPr>
+          <a:xfrm>
+            <a:off x="459205" y="359228"/>
+            <a:ext cx="11273589" cy="718459"/>
+          </a:xfrm>
+        </p:spPr>
+        <p:txBody>
+          <a:bodyPr>
+            <a:noAutofit/>
+          </a:bodyPr>
+          <a:lstStyle/>
+          <a:p>
+            <a:r>
+              <a:rPr lang="en-US" sz="5000" b="1" dirty="0"/>
+              <a:t>Independent sample t-test example</a:t>
+            </a:r>
+            <a:endParaRPr lang="en-PH" sz="5000" b="1" dirty="0"/>
+          </a:p>
+        </p:txBody>
+      </p:sp>
+    </p:spTree>
+    <p:extLst>
+      <p:ext uri="{BB962C8B-B14F-4D97-AF65-F5344CB8AC3E}">
+        <p14:creationId xmlns:p14="http://schemas.microsoft.com/office/powerpoint/2010/main" val="201700235"/>
+      </p:ext>
+    </p:extLst>
+  </p:cSld>
+  <p:clrMapOvr>
+    <a:masterClrMapping/>
+  </p:clrMapOvr>
+</p:sld>
+</file>
+
+<file path=ppt/slides/slide16.xml><?xml version="1.0" encoding="utf-8"?>
+<p:sld xmlns:a="http://schemas.openxmlformats.org/drawingml/2006/main" xmlns:r="http://schemas.openxmlformats.org/officeDocument/2006/relationships" xmlns:p="http://schemas.openxmlformats.org/presentationml/2006/main">
+  <p:cSld>
+    <p:bg>
+      <p:bgPr>
+        <a:blipFill dpi="0" rotWithShape="1">
+          <a:blip r:embed="rId3">
+            <a:alphaModFix amt="99000"/>
+            <a:lum/>
+          </a:blip>
+          <a:srcRect/>
+          <a:stretch>
+            <a:fillRect t="89000" r="85000" b="-1000"/>
+          </a:stretch>
+        </a:blipFill>
+        <a:effectLst/>
+      </p:bgPr>
+    </p:bg>
+    <p:spTree>
+      <p:nvGrpSpPr>
+        <p:cNvPr id="1" name=""/>
+        <p:cNvGrpSpPr/>
+        <p:nvPr/>
+      </p:nvGrpSpPr>
+      <p:grpSpPr>
+        <a:xfrm>
+          <a:off x="0" y="0"/>
+          <a:ext cx="0" cy="0"/>
+          <a:chOff x="0" y="0"/>
+          <a:chExt cx="0" cy="0"/>
+        </a:xfrm>
+      </p:grpSpPr>
+      <p:sp>
+        <p:nvSpPr>
+          <p:cNvPr id="5" name="Title 1">
+            <a:extLst>
+              <a:ext uri="{FF2B5EF4-FFF2-40B4-BE49-F238E27FC236}">
+                <a16:creationId xmlns:a16="http://schemas.microsoft.com/office/drawing/2014/main" id="{3444037F-B658-D82C-5DCA-53E8AA1493D7}"/>
+              </a:ext>
+            </a:extLst>
+          </p:cNvPr>
+          <p:cNvSpPr txBox="1">
+            <a:spLocks/>
+          </p:cNvSpPr>
+          <p:nvPr/>
+        </p:nvSpPr>
+        <p:spPr>
+          <a:xfrm>
+            <a:off x="1524000" y="1516449"/>
+            <a:ext cx="9144000" cy="4290585"/>
+          </a:xfrm>
+          <a:prstGeom prst="rect">
+            <a:avLst/>
+          </a:prstGeom>
+        </p:spPr>
+        <p:txBody>
+          <a:bodyPr vert="horz" lIns="91440" tIns="45720" rIns="91440" bIns="45720" rtlCol="0" anchor="b">
+            <a:normAutofit fontScale="97500"/>
+          </a:bodyPr>
+          <a:lstStyle>
+            <a:lvl1pPr algn="ctr" defTabSz="914400" rtl="0" eaLnBrk="1" latinLnBrk="0" hangingPunct="1">
+              <a:lnSpc>
+                <a:spcPct val="90000"/>
+              </a:lnSpc>
+              <a:spcBef>
+                <a:spcPct val="0"/>
+              </a:spcBef>
+              <a:buNone/>
+              <a:defRPr sz="6000" kern="1200">
+                <a:solidFill>
+                  <a:schemeClr val="tx1"/>
+                </a:solidFill>
+                <a:latin typeface="+mj-lt"/>
+                <a:ea typeface="+mj-ea"/>
+                <a:cs typeface="+mj-cs"/>
+              </a:defRPr>
+            </a:lvl1pPr>
+          </a:lstStyle>
+          <a:p>
+            <a:pPr algn="l"/>
+            <a:endParaRPr lang="en-US" sz="3100" dirty="0"/>
+          </a:p>
+          <a:p>
+            <a:pPr algn="l"/>
+            <a:endParaRPr lang="en-US" sz="3100" dirty="0"/>
+          </a:p>
+          <a:p>
+            <a:pPr algn="l"/>
+            <a:endParaRPr lang="en-US" sz="3100" dirty="0"/>
+          </a:p>
+          <a:p>
+            <a:pPr algn="l"/>
+            <a:endParaRPr lang="en-US" sz="3100" dirty="0"/>
+          </a:p>
+          <a:p>
+            <a:pPr algn="l"/>
+            <a:endParaRPr lang="en-US" sz="3000" dirty="0"/>
+          </a:p>
+          <a:p>
+            <a:pPr algn="l"/>
+            <a:endParaRPr lang="en-US" sz="3000" dirty="0"/>
+          </a:p>
+        </p:txBody>
+      </p:sp>
+      <p:sp>
+        <p:nvSpPr>
+          <p:cNvPr id="39" name="Footer Placeholder 3">
+            <a:extLst>
+              <a:ext uri="{FF2B5EF4-FFF2-40B4-BE49-F238E27FC236}">
+                <a16:creationId xmlns:a16="http://schemas.microsoft.com/office/drawing/2014/main" id="{77EF4DA7-E5CF-896F-45E0-B1D58FD59B96}"/>
+              </a:ext>
+            </a:extLst>
+          </p:cNvPr>
+          <p:cNvSpPr>
+            <a:spLocks noGrp="1"/>
+          </p:cNvSpPr>
+          <p:nvPr>
+            <p:ph type="ftr" sz="quarter" idx="11"/>
+          </p:nvPr>
+        </p:nvSpPr>
+        <p:spPr>
+          <a:xfrm>
+            <a:off x="0" y="6139541"/>
+            <a:ext cx="12192000" cy="718459"/>
+          </a:xfrm>
+          <a:ln w="28575">
+            <a:solidFill>
+              <a:schemeClr val="accent5">
+                <a:lumMod val="50000"/>
+              </a:schemeClr>
+            </a:solidFill>
+          </a:ln>
+        </p:spPr>
+        <p:txBody>
+          <a:bodyPr/>
+          <a:lstStyle/>
+          <a:p>
+            <a:pPr lvl="1" algn="r"/>
+            <a:r>
+              <a:rPr lang="en-US" sz="1200" b="1" dirty="0"/>
+              <a:t>CCDATS1L</a:t>
+            </a:r>
+            <a:endParaRPr lang="en-PH" sz="1200" b="1" dirty="0"/>
+          </a:p>
+        </p:txBody>
+      </p:sp>
+      <p:sp>
+        <p:nvSpPr>
+          <p:cNvPr id="7" name="Title 1">
+            <a:extLst>
+              <a:ext uri="{FF2B5EF4-FFF2-40B4-BE49-F238E27FC236}">
+                <a16:creationId xmlns:a16="http://schemas.microsoft.com/office/drawing/2014/main" id="{F9F68FD0-4734-F88A-26AE-8BD1D795B778}"/>
+              </a:ext>
+            </a:extLst>
+          </p:cNvPr>
+          <p:cNvSpPr>
+            <a:spLocks noGrp="1"/>
+          </p:cNvSpPr>
+          <p:nvPr>
+            <p:ph type="ctrTitle"/>
+          </p:nvPr>
+        </p:nvSpPr>
+        <p:spPr>
+          <a:xfrm>
+            <a:off x="459205" y="359228"/>
+            <a:ext cx="11273589" cy="718459"/>
+          </a:xfrm>
+        </p:spPr>
+        <p:txBody>
+          <a:bodyPr>
+            <a:noAutofit/>
+          </a:bodyPr>
+          <a:lstStyle/>
+          <a:p>
+            <a:r>
+              <a:rPr lang="en-US" sz="5000" b="1" dirty="0"/>
+              <a:t>Independent sample t-test example</a:t>
+            </a:r>
+            <a:endParaRPr lang="en-PH" sz="5000" b="1" dirty="0"/>
+          </a:p>
+        </p:txBody>
+      </p:sp>
+      <p:pic>
+        <p:nvPicPr>
+          <p:cNvPr id="4" name="Picture 3">
+            <a:extLst>
+              <a:ext uri="{FF2B5EF4-FFF2-40B4-BE49-F238E27FC236}">
+                <a16:creationId xmlns:a16="http://schemas.microsoft.com/office/drawing/2014/main" id="{00779AFE-5FF8-0D13-83E9-73F8A48ECB28}"/>
+              </a:ext>
+            </a:extLst>
+          </p:cNvPr>
+          <p:cNvPicPr>
+            <a:picLocks noChangeAspect="1"/>
+          </p:cNvPicPr>
+          <p:nvPr/>
+        </p:nvPicPr>
+        <p:blipFill>
+          <a:blip r:embed="rId4">
+            <a:extLst>
+              <a:ext uri="{28A0092B-C50C-407E-A947-70E740481C1C}">
+                <a14:useLocalDpi xmlns:a14="http://schemas.microsoft.com/office/drawing/2010/main" val="0"/>
+              </a:ext>
+            </a:extLst>
+          </a:blip>
+          <a:stretch>
+            <a:fillRect/>
+          </a:stretch>
+        </p:blipFill>
+        <p:spPr>
+          <a:xfrm>
+            <a:off x="1239919" y="1463321"/>
+            <a:ext cx="9712159" cy="4290585"/>
+          </a:xfrm>
+          <a:prstGeom prst="rect">
+            <a:avLst/>
+          </a:prstGeom>
+        </p:spPr>
+      </p:pic>
+    </p:spTree>
+    <p:extLst>
+      <p:ext uri="{BB962C8B-B14F-4D97-AF65-F5344CB8AC3E}">
+        <p14:creationId xmlns:p14="http://schemas.microsoft.com/office/powerpoint/2010/main" val="3443737964"/>
+      </p:ext>
+    </p:extLst>
+  </p:cSld>
+  <p:clrMapOvr>
+    <a:masterClrMapping/>
+  </p:clrMapOvr>
+</p:sld>
+</file>
+
+<file path=ppt/slides/slide17.xml><?xml version="1.0" encoding="utf-8"?>
+<p:sld xmlns:a="http://schemas.openxmlformats.org/drawingml/2006/main" xmlns:r="http://schemas.openxmlformats.org/officeDocument/2006/relationships" xmlns:p="http://schemas.openxmlformats.org/presentationml/2006/main">
+  <p:cSld>
+    <p:bg>
+      <p:bgPr>
+        <a:blipFill dpi="0" rotWithShape="1">
+          <a:blip r:embed="rId3">
+            <a:alphaModFix amt="99000"/>
+            <a:lum/>
+          </a:blip>
+          <a:srcRect/>
+          <a:stretch>
+            <a:fillRect t="89000" r="85000" b="-1000"/>
+          </a:stretch>
+        </a:blipFill>
+        <a:effectLst/>
+      </p:bgPr>
+    </p:bg>
+    <p:spTree>
+      <p:nvGrpSpPr>
+        <p:cNvPr id="1" name=""/>
+        <p:cNvGrpSpPr/>
+        <p:nvPr/>
+      </p:nvGrpSpPr>
+      <p:grpSpPr>
+        <a:xfrm>
+          <a:off x="0" y="0"/>
+          <a:ext cx="0" cy="0"/>
+          <a:chOff x="0" y="0"/>
+          <a:chExt cx="0" cy="0"/>
+        </a:xfrm>
+      </p:grpSpPr>
+      <p:sp>
+        <p:nvSpPr>
+          <p:cNvPr id="5" name="Title 1">
+            <a:extLst>
+              <a:ext uri="{FF2B5EF4-FFF2-40B4-BE49-F238E27FC236}">
+                <a16:creationId xmlns:a16="http://schemas.microsoft.com/office/drawing/2014/main" id="{3444037F-B658-D82C-5DCA-53E8AA1493D7}"/>
+              </a:ext>
+            </a:extLst>
+          </p:cNvPr>
+          <p:cNvSpPr txBox="1">
+            <a:spLocks/>
+          </p:cNvSpPr>
+          <p:nvPr/>
+        </p:nvSpPr>
+        <p:spPr>
+          <a:xfrm>
+            <a:off x="1524000" y="1516449"/>
+            <a:ext cx="9144000" cy="4290585"/>
+          </a:xfrm>
+          <a:prstGeom prst="rect">
+            <a:avLst/>
+          </a:prstGeom>
+        </p:spPr>
+        <p:txBody>
+          <a:bodyPr vert="horz" lIns="91440" tIns="45720" rIns="91440" bIns="45720" rtlCol="0" anchor="b">
+            <a:normAutofit fontScale="97500"/>
+          </a:bodyPr>
+          <a:lstStyle>
+            <a:lvl1pPr algn="ctr" defTabSz="914400" rtl="0" eaLnBrk="1" latinLnBrk="0" hangingPunct="1">
+              <a:lnSpc>
+                <a:spcPct val="90000"/>
+              </a:lnSpc>
+              <a:spcBef>
+                <a:spcPct val="0"/>
+              </a:spcBef>
+              <a:buNone/>
+              <a:defRPr sz="6000" kern="1200">
+                <a:solidFill>
+                  <a:schemeClr val="tx1"/>
+                </a:solidFill>
+                <a:latin typeface="+mj-lt"/>
+                <a:ea typeface="+mj-ea"/>
+                <a:cs typeface="+mj-cs"/>
+              </a:defRPr>
+            </a:lvl1pPr>
+          </a:lstStyle>
+          <a:p>
+            <a:pPr algn="l"/>
+            <a:endParaRPr lang="en-US" sz="3100" dirty="0"/>
+          </a:p>
+          <a:p>
+            <a:pPr algn="l"/>
+            <a:endParaRPr lang="en-US" sz="3100" dirty="0"/>
+          </a:p>
+          <a:p>
+            <a:pPr algn="l"/>
+            <a:endParaRPr lang="en-US" sz="3100" dirty="0"/>
+          </a:p>
+          <a:p>
+            <a:pPr algn="l"/>
+            <a:endParaRPr lang="en-US" sz="3100" dirty="0"/>
+          </a:p>
+          <a:p>
+            <a:pPr algn="l"/>
+            <a:endParaRPr lang="en-US" sz="3000" dirty="0"/>
+          </a:p>
+          <a:p>
+            <a:pPr algn="l"/>
+            <a:endParaRPr lang="en-US" sz="3000" dirty="0"/>
+          </a:p>
+        </p:txBody>
+      </p:sp>
+      <p:sp>
+        <p:nvSpPr>
+          <p:cNvPr id="39" name="Footer Placeholder 3">
+            <a:extLst>
+              <a:ext uri="{FF2B5EF4-FFF2-40B4-BE49-F238E27FC236}">
+                <a16:creationId xmlns:a16="http://schemas.microsoft.com/office/drawing/2014/main" id="{77EF4DA7-E5CF-896F-45E0-B1D58FD59B96}"/>
+              </a:ext>
+            </a:extLst>
+          </p:cNvPr>
+          <p:cNvSpPr>
+            <a:spLocks noGrp="1"/>
+          </p:cNvSpPr>
+          <p:nvPr>
+            <p:ph type="ftr" sz="quarter" idx="11"/>
+          </p:nvPr>
+        </p:nvSpPr>
+        <p:spPr>
+          <a:xfrm>
+            <a:off x="0" y="6139541"/>
+            <a:ext cx="12192000" cy="718459"/>
+          </a:xfrm>
+          <a:ln w="28575">
+            <a:solidFill>
+              <a:schemeClr val="accent5">
+                <a:lumMod val="50000"/>
+              </a:schemeClr>
+            </a:solidFill>
+          </a:ln>
+        </p:spPr>
+        <p:txBody>
+          <a:bodyPr/>
+          <a:lstStyle/>
+          <a:p>
+            <a:pPr lvl="1" algn="r"/>
+            <a:r>
+              <a:rPr lang="en-US" sz="1200" b="1" dirty="0"/>
+              <a:t>CCDATS1L</a:t>
+            </a:r>
+            <a:endParaRPr lang="en-PH" sz="1200" b="1" dirty="0"/>
+          </a:p>
+        </p:txBody>
+      </p:sp>
+      <p:sp>
+        <p:nvSpPr>
+          <p:cNvPr id="7" name="Title 1">
+            <a:extLst>
+              <a:ext uri="{FF2B5EF4-FFF2-40B4-BE49-F238E27FC236}">
+                <a16:creationId xmlns:a16="http://schemas.microsoft.com/office/drawing/2014/main" id="{F9F68FD0-4734-F88A-26AE-8BD1D795B778}"/>
+              </a:ext>
+            </a:extLst>
+          </p:cNvPr>
+          <p:cNvSpPr>
+            <a:spLocks noGrp="1"/>
+          </p:cNvSpPr>
+          <p:nvPr>
+            <p:ph type="ctrTitle"/>
+          </p:nvPr>
+        </p:nvSpPr>
+        <p:spPr>
+          <a:xfrm>
+            <a:off x="459205" y="359228"/>
+            <a:ext cx="11273589" cy="718459"/>
+          </a:xfrm>
+        </p:spPr>
+        <p:txBody>
+          <a:bodyPr>
+            <a:noAutofit/>
+          </a:bodyPr>
+          <a:lstStyle/>
+          <a:p>
+            <a:r>
+              <a:rPr lang="en-US" sz="5000" b="1" dirty="0"/>
+              <a:t>Independent sample t-test example</a:t>
+            </a:r>
+            <a:endParaRPr lang="en-PH" sz="5000" b="1" dirty="0"/>
+          </a:p>
+        </p:txBody>
+      </p:sp>
+      <p:pic>
+        <p:nvPicPr>
+          <p:cNvPr id="3" name="Picture 2">
+            <a:extLst>
+              <a:ext uri="{FF2B5EF4-FFF2-40B4-BE49-F238E27FC236}">
+                <a16:creationId xmlns:a16="http://schemas.microsoft.com/office/drawing/2014/main" id="{F7730116-D093-9325-E9D5-7B290B160463}"/>
+              </a:ext>
+            </a:extLst>
+          </p:cNvPr>
+          <p:cNvPicPr>
+            <a:picLocks noChangeAspect="1"/>
+          </p:cNvPicPr>
+          <p:nvPr/>
+        </p:nvPicPr>
+        <p:blipFill>
+          <a:blip r:embed="rId4">
+            <a:extLst>
+              <a:ext uri="{28A0092B-C50C-407E-A947-70E740481C1C}">
+                <a14:useLocalDpi xmlns:a14="http://schemas.microsoft.com/office/drawing/2010/main" val="0"/>
+              </a:ext>
+            </a:extLst>
+          </a:blip>
+          <a:stretch>
+            <a:fillRect/>
+          </a:stretch>
+        </p:blipFill>
+        <p:spPr>
+          <a:xfrm>
+            <a:off x="2667196" y="3269049"/>
+            <a:ext cx="6857608" cy="2702705"/>
+          </a:xfrm>
+          <a:prstGeom prst="rect">
+            <a:avLst/>
+          </a:prstGeom>
+        </p:spPr>
+      </p:pic>
+      <p:graphicFrame>
+        <p:nvGraphicFramePr>
+          <p:cNvPr id="2" name="Table 1">
+            <a:extLst>
+              <a:ext uri="{FF2B5EF4-FFF2-40B4-BE49-F238E27FC236}">
+                <a16:creationId xmlns:a16="http://schemas.microsoft.com/office/drawing/2014/main" id="{63C53685-C0E2-AFFF-C3E2-06BC6D5DD921}"/>
+              </a:ext>
+            </a:extLst>
+          </p:cNvPr>
+          <p:cNvGraphicFramePr>
+            <a:graphicFrameLocks noGrp="1"/>
+          </p:cNvGraphicFramePr>
+          <p:nvPr>
+            <p:extLst>
+              <p:ext uri="{D42A27DB-BD31-4B8C-83A1-F6EECF244321}">
+                <p14:modId xmlns:p14="http://schemas.microsoft.com/office/powerpoint/2010/main" val="168884000"/>
+              </p:ext>
+            </p:extLst>
+          </p:nvPr>
+        </p:nvGraphicFramePr>
+        <p:xfrm>
+          <a:off x="1249080" y="1270749"/>
+          <a:ext cx="9693838" cy="1752600"/>
+        </p:xfrm>
+        <a:graphic>
+          <a:graphicData uri="http://schemas.openxmlformats.org/drawingml/2006/table">
+            <a:tbl>
+              <a:tblPr firstRow="1" bandRow="1">
+                <a:tableStyleId>{7E9639D4-E3E2-4D34-9284-5A2195B3D0D7}</a:tableStyleId>
+              </a:tblPr>
+              <a:tblGrid>
+                <a:gridCol w="1384834">
+                  <a:extLst>
+                    <a:ext uri="{9D8B030D-6E8A-4147-A177-3AD203B41FA5}">
+                      <a16:colId xmlns:a16="http://schemas.microsoft.com/office/drawing/2014/main" val="2363525570"/>
+                    </a:ext>
+                  </a:extLst>
+                </a:gridCol>
+                <a:gridCol w="1384834">
+                  <a:extLst>
+                    <a:ext uri="{9D8B030D-6E8A-4147-A177-3AD203B41FA5}">
+                      <a16:colId xmlns:a16="http://schemas.microsoft.com/office/drawing/2014/main" val="4021339588"/>
+                    </a:ext>
+                  </a:extLst>
+                </a:gridCol>
+                <a:gridCol w="1384834">
+                  <a:extLst>
+                    <a:ext uri="{9D8B030D-6E8A-4147-A177-3AD203B41FA5}">
+                      <a16:colId xmlns:a16="http://schemas.microsoft.com/office/drawing/2014/main" val="2440729554"/>
+                    </a:ext>
+                  </a:extLst>
+                </a:gridCol>
+                <a:gridCol w="1384834">
+                  <a:extLst>
+                    <a:ext uri="{9D8B030D-6E8A-4147-A177-3AD203B41FA5}">
+                      <a16:colId xmlns:a16="http://schemas.microsoft.com/office/drawing/2014/main" val="2944219943"/>
+                    </a:ext>
+                  </a:extLst>
+                </a:gridCol>
+                <a:gridCol w="1384834">
+                  <a:extLst>
+                    <a:ext uri="{9D8B030D-6E8A-4147-A177-3AD203B41FA5}">
+                      <a16:colId xmlns:a16="http://schemas.microsoft.com/office/drawing/2014/main" val="2528427039"/>
+                    </a:ext>
+                  </a:extLst>
+                </a:gridCol>
+                <a:gridCol w="1384834">
+                  <a:extLst>
+                    <a:ext uri="{9D8B030D-6E8A-4147-A177-3AD203B41FA5}">
+                      <a16:colId xmlns:a16="http://schemas.microsoft.com/office/drawing/2014/main" val="3672361925"/>
+                    </a:ext>
+                  </a:extLst>
+                </a:gridCol>
+                <a:gridCol w="1384834">
+                  <a:extLst>
+                    <a:ext uri="{9D8B030D-6E8A-4147-A177-3AD203B41FA5}">
+                      <a16:colId xmlns:a16="http://schemas.microsoft.com/office/drawing/2014/main" val="2812184111"/>
+                    </a:ext>
+                  </a:extLst>
+                </a:gridCol>
+              </a:tblGrid>
+              <a:tr h="370840">
+                <a:tc>
+                  <a:txBody>
+                    <a:bodyPr/>
+                    <a:lstStyle/>
+                    <a:p>
+                      <a:r>
+                        <a:rPr lang="en-US" dirty="0"/>
+                        <a:t>Degree of freedom</a:t>
+                      </a:r>
+                    </a:p>
+                  </a:txBody>
+                  <a:tcPr/>
+                </a:tc>
+                <a:tc>
+                  <a:txBody>
+                    <a:bodyPr/>
+                    <a:lstStyle/>
+                    <a:p>
+                      <a:r>
+                        <a:rPr lang="en-US" dirty="0"/>
+                        <a:t>0.50</a:t>
+                      </a:r>
+                    </a:p>
+                  </a:txBody>
+                  <a:tcPr/>
+                </a:tc>
+                <a:tc>
+                  <a:txBody>
+                    <a:bodyPr/>
+                    <a:lstStyle/>
+                    <a:p>
+                      <a:r>
+                        <a:rPr lang="en-US" dirty="0"/>
+                        <a:t>0.25</a:t>
+                      </a:r>
+                    </a:p>
+                  </a:txBody>
+                  <a:tcPr/>
+                </a:tc>
+                <a:tc>
+                  <a:txBody>
+                    <a:bodyPr/>
+                    <a:lstStyle/>
+                    <a:p>
+                      <a:r>
+                        <a:rPr lang="en-US" dirty="0"/>
+                        <a:t>0.20</a:t>
+                      </a:r>
+                    </a:p>
+                  </a:txBody>
+                  <a:tcPr/>
+                </a:tc>
+                <a:tc>
+                  <a:txBody>
+                    <a:bodyPr/>
+                    <a:lstStyle/>
+                    <a:p>
+                      <a:r>
+                        <a:rPr lang="en-US" dirty="0"/>
+                        <a:t>015</a:t>
+                      </a:r>
+                    </a:p>
+                  </a:txBody>
+                  <a:tcPr/>
+                </a:tc>
+                <a:tc>
+                  <a:txBody>
+                    <a:bodyPr/>
+                    <a:lstStyle/>
+                    <a:p>
+                      <a:r>
+                        <a:rPr lang="en-US" dirty="0"/>
+                        <a:t>0.10</a:t>
+                      </a:r>
+                    </a:p>
+                  </a:txBody>
+                  <a:tcPr/>
+                </a:tc>
+                <a:tc>
+                  <a:txBody>
+                    <a:bodyPr/>
+                    <a:lstStyle/>
+                    <a:p>
+                      <a:r>
+                        <a:rPr lang="en-US" dirty="0"/>
+                        <a:t>0.05</a:t>
+                      </a:r>
+                    </a:p>
+                  </a:txBody>
+                  <a:tcPr/>
+                </a:tc>
+                <a:extLst>
+                  <a:ext uri="{0D108BD9-81ED-4DB2-BD59-A6C34878D82A}">
+                    <a16:rowId xmlns:a16="http://schemas.microsoft.com/office/drawing/2014/main" val="247950039"/>
+                  </a:ext>
+                </a:extLst>
+              </a:tr>
+              <a:tr h="370840">
+                <a:tc>
+                  <a:txBody>
+                    <a:bodyPr/>
+                    <a:lstStyle/>
+                    <a:p>
+                      <a:r>
+                        <a:rPr lang="en-US" dirty="0"/>
+                        <a:t>24</a:t>
+                      </a:r>
+                    </a:p>
+                  </a:txBody>
+                  <a:tcPr/>
+                </a:tc>
+                <a:tc>
+                  <a:txBody>
+                    <a:bodyPr/>
+                    <a:lstStyle/>
+                    <a:p>
+                      <a:r>
+                        <a:rPr lang="en-US" dirty="0"/>
+                        <a:t>0.000</a:t>
+                      </a:r>
+                    </a:p>
+                  </a:txBody>
+                  <a:tcPr/>
+                </a:tc>
+                <a:tc>
+                  <a:txBody>
+                    <a:bodyPr/>
+                    <a:lstStyle/>
+                    <a:p>
+                      <a:r>
+                        <a:rPr lang="en-US" dirty="0"/>
+                        <a:t>0.685</a:t>
+                      </a:r>
+                    </a:p>
+                  </a:txBody>
+                  <a:tcPr/>
+                </a:tc>
+                <a:tc>
+                  <a:txBody>
+                    <a:bodyPr/>
+                    <a:lstStyle/>
+                    <a:p>
+                      <a:r>
+                        <a:rPr lang="en-US" dirty="0"/>
+                        <a:t>0.857</a:t>
+                      </a:r>
+                    </a:p>
+                  </a:txBody>
+                  <a:tcPr/>
+                </a:tc>
+                <a:tc>
+                  <a:txBody>
+                    <a:bodyPr/>
+                    <a:lstStyle/>
+                    <a:p>
+                      <a:r>
+                        <a:rPr lang="en-US" dirty="0"/>
+                        <a:t>1.059</a:t>
+                      </a:r>
+                    </a:p>
+                  </a:txBody>
+                  <a:tcPr/>
+                </a:tc>
+                <a:tc>
+                  <a:txBody>
+                    <a:bodyPr/>
+                    <a:lstStyle/>
+                    <a:p>
+                      <a:r>
+                        <a:rPr lang="en-US" dirty="0"/>
+                        <a:t>1.318</a:t>
+                      </a:r>
+                    </a:p>
+                  </a:txBody>
+                  <a:tcPr/>
+                </a:tc>
+                <a:tc>
+                  <a:txBody>
+                    <a:bodyPr/>
+                    <a:lstStyle/>
+                    <a:p>
+                      <a:r>
+                        <a:rPr lang="en-US" dirty="0"/>
+                        <a:t>1.711</a:t>
+                      </a:r>
+                    </a:p>
+                  </a:txBody>
+                  <a:tcPr/>
+                </a:tc>
+                <a:extLst>
+                  <a:ext uri="{0D108BD9-81ED-4DB2-BD59-A6C34878D82A}">
+                    <a16:rowId xmlns:a16="http://schemas.microsoft.com/office/drawing/2014/main" val="790021603"/>
+                  </a:ext>
+                </a:extLst>
+              </a:tr>
+              <a:tr h="370840">
+                <a:tc>
+                  <a:txBody>
+                    <a:bodyPr/>
+                    <a:lstStyle/>
+                    <a:p>
+                      <a:r>
+                        <a:rPr lang="en-US" dirty="0"/>
+                        <a:t>25</a:t>
+                      </a:r>
+                    </a:p>
+                  </a:txBody>
+                  <a:tcPr/>
+                </a:tc>
+                <a:tc>
+                  <a:txBody>
+                    <a:bodyPr/>
+                    <a:lstStyle/>
+                    <a:p>
+                      <a:r>
+                        <a:rPr lang="en-US" dirty="0"/>
+                        <a:t>0.000</a:t>
+                      </a:r>
+                    </a:p>
+                  </a:txBody>
+                  <a:tcPr/>
+                </a:tc>
+                <a:tc>
+                  <a:txBody>
+                    <a:bodyPr/>
+                    <a:lstStyle/>
+                    <a:p>
+                      <a:r>
+                        <a:rPr lang="en-US" dirty="0"/>
+                        <a:t>0.684</a:t>
+                      </a:r>
+                    </a:p>
+                  </a:txBody>
+                  <a:tcPr/>
+                </a:tc>
+                <a:tc>
+                  <a:txBody>
+                    <a:bodyPr/>
+                    <a:lstStyle/>
+                    <a:p>
+                      <a:r>
+                        <a:rPr lang="en-US" dirty="0"/>
+                        <a:t>0.856</a:t>
+                      </a:r>
+                    </a:p>
+                  </a:txBody>
+                  <a:tcPr/>
+                </a:tc>
+                <a:tc>
+                  <a:txBody>
+                    <a:bodyPr/>
+                    <a:lstStyle/>
+                    <a:p>
+                      <a:r>
+                        <a:rPr lang="en-US" dirty="0"/>
+                        <a:t>1.058</a:t>
+                      </a:r>
+                    </a:p>
+                  </a:txBody>
+                  <a:tcPr/>
+                </a:tc>
+                <a:tc>
+                  <a:txBody>
+                    <a:bodyPr/>
+                    <a:lstStyle/>
+                    <a:p>
+                      <a:r>
+                        <a:rPr lang="en-US" dirty="0"/>
+                        <a:t>1.316</a:t>
+                      </a:r>
+                    </a:p>
+                  </a:txBody>
+                  <a:tcPr/>
+                </a:tc>
+                <a:tc>
+                  <a:txBody>
+                    <a:bodyPr/>
+                    <a:lstStyle/>
+                    <a:p>
+                      <a:r>
+                        <a:rPr lang="en-US" b="1" dirty="0"/>
+                        <a:t>1.708</a:t>
+                      </a:r>
+                    </a:p>
+                  </a:txBody>
+                  <a:tcPr>
+                    <a:solidFill>
+                      <a:srgbClr val="00B050"/>
+                    </a:solidFill>
+                  </a:tcPr>
+                </a:tc>
+                <a:extLst>
+                  <a:ext uri="{0D108BD9-81ED-4DB2-BD59-A6C34878D82A}">
+                    <a16:rowId xmlns:a16="http://schemas.microsoft.com/office/drawing/2014/main" val="2452526741"/>
+                  </a:ext>
+                </a:extLst>
+              </a:tr>
+              <a:tr h="370840">
+                <a:tc>
+                  <a:txBody>
+                    <a:bodyPr/>
+                    <a:lstStyle/>
+                    <a:p>
+                      <a:r>
+                        <a:rPr lang="en-US" dirty="0"/>
+                        <a:t>26</a:t>
+                      </a:r>
+                    </a:p>
+                  </a:txBody>
+                  <a:tcPr/>
+                </a:tc>
+                <a:tc>
+                  <a:txBody>
+                    <a:bodyPr/>
+                    <a:lstStyle/>
+                    <a:p>
+                      <a:r>
+                        <a:rPr lang="en-US" dirty="0"/>
+                        <a:t>0.000</a:t>
+                      </a:r>
+                    </a:p>
+                  </a:txBody>
+                  <a:tcPr/>
+                </a:tc>
+                <a:tc>
+                  <a:txBody>
+                    <a:bodyPr/>
+                    <a:lstStyle/>
+                    <a:p>
+                      <a:r>
+                        <a:rPr lang="en-US" dirty="0"/>
+                        <a:t>0.684</a:t>
+                      </a:r>
+                    </a:p>
+                  </a:txBody>
+                  <a:tcPr/>
+                </a:tc>
+                <a:tc>
+                  <a:txBody>
+                    <a:bodyPr/>
+                    <a:lstStyle/>
+                    <a:p>
+                      <a:r>
+                        <a:rPr lang="en-US" dirty="0"/>
+                        <a:t>0.856</a:t>
+                      </a:r>
+                    </a:p>
+                  </a:txBody>
+                  <a:tcPr/>
+                </a:tc>
+                <a:tc>
+                  <a:txBody>
+                    <a:bodyPr/>
+                    <a:lstStyle/>
+                    <a:p>
+                      <a:r>
+                        <a:rPr lang="en-US" dirty="0"/>
+                        <a:t>1.058</a:t>
+                      </a:r>
+                    </a:p>
+                  </a:txBody>
+                  <a:tcPr/>
+                </a:tc>
+                <a:tc>
+                  <a:txBody>
+                    <a:bodyPr/>
+                    <a:lstStyle/>
+                    <a:p>
+                      <a:r>
+                        <a:rPr lang="en-US" dirty="0"/>
+                        <a:t>1.315</a:t>
+                      </a:r>
+                    </a:p>
+                  </a:txBody>
+                  <a:tcPr/>
+                </a:tc>
+                <a:tc>
+                  <a:txBody>
+                    <a:bodyPr/>
+                    <a:lstStyle/>
+                    <a:p>
+                      <a:r>
+                        <a:rPr lang="en-US" dirty="0"/>
+                        <a:t>1.706</a:t>
+                      </a:r>
+                    </a:p>
+                  </a:txBody>
+                  <a:tcPr/>
+                </a:tc>
+                <a:extLst>
+                  <a:ext uri="{0D108BD9-81ED-4DB2-BD59-A6C34878D82A}">
+                    <a16:rowId xmlns:a16="http://schemas.microsoft.com/office/drawing/2014/main" val="883659648"/>
+                  </a:ext>
+                </a:extLst>
+              </a:tr>
+            </a:tbl>
+          </a:graphicData>
+        </a:graphic>
+      </p:graphicFrame>
+    </p:spTree>
+    <p:extLst>
+      <p:ext uri="{BB962C8B-B14F-4D97-AF65-F5344CB8AC3E}">
+        <p14:creationId xmlns:p14="http://schemas.microsoft.com/office/powerpoint/2010/main" val="3443755787"/>
       </p:ext>
     </p:extLst>
   </p:cSld>
@@ -4249,7 +8745,7 @@
               <a:rPr lang="en-US" sz="2900" b="1" dirty="0">
                 <a:latin typeface="Calibri Light (Headings)"/>
               </a:rPr>
-              <a:t>What is a T test??</a:t>
+              <a:t>What is a t-test?</a:t>
             </a:r>
           </a:p>
           <a:p>
@@ -4271,17 +8767,16 @@
               <a:buChar char="Ø"/>
             </a:pPr>
             <a:r>
-              <a:rPr lang="en-US" sz="2900" b="1" i="0" dirty="0">
+              <a:rPr lang="en-US" sz="2900" b="1" dirty="0">
                 <a:solidFill>
                   <a:schemeClr val="tx1">
                     <a:lumMod val="50000"/>
                     <a:lumOff val="50000"/>
                   </a:schemeClr>
                 </a:solidFill>
-                <a:effectLst/>
                 <a:latin typeface="Calibri Light (Headings)"/>
               </a:rPr>
-              <a:t>Parts of a Significance Tests</a:t>
+              <a:t>Types of t-test</a:t>
             </a:r>
           </a:p>
           <a:p>
@@ -4304,15 +8799,18 @@
               <a:buFont typeface="Wingdings" pitchFamily="2" charset="2"/>
               <a:buChar char="Ø"/>
             </a:pPr>
-            <a:endParaRPr lang="en-US" sz="2900" b="1" dirty="0">
-              <a:solidFill>
-                <a:schemeClr val="tx1">
-                  <a:lumMod val="50000"/>
-                  <a:lumOff val="50000"/>
-                </a:schemeClr>
-              </a:solidFill>
-              <a:latin typeface="Calibri Light (Headings)"/>
-            </a:endParaRPr>
+            <a:r>
+              <a:rPr lang="en-US" sz="2900" b="1" dirty="0">
+                <a:solidFill>
+                  <a:schemeClr val="tx1">
+                    <a:lumMod val="50000"/>
+                    <a:lumOff val="50000"/>
+                  </a:schemeClr>
+                </a:solidFill>
+                <a:latin typeface="Calibri Light (Headings)"/>
+              </a:rPr>
+              <a:t>Examples of t-test</a:t>
+            </a:r>
           </a:p>
           <a:p>
             <a:pPr marL="457200" indent="-457200" algn="l">
@@ -4390,6 +8888,1461 @@
             </a:endParaRPr>
           </a:p>
           <a:p>
+            <a:pPr algn="l"/>
+            <a:endParaRPr lang="en-US" sz="2900" b="1" dirty="0">
+              <a:solidFill>
+                <a:schemeClr val="tx1">
+                  <a:lumMod val="50000"/>
+                  <a:lumOff val="50000"/>
+                </a:schemeClr>
+              </a:solidFill>
+              <a:latin typeface="Calibri Light (Headings)"/>
+            </a:endParaRPr>
+          </a:p>
+        </p:txBody>
+      </p:sp>
+      <p:sp>
+        <p:nvSpPr>
+          <p:cNvPr id="7" name="Title 1">
+            <a:extLst>
+              <a:ext uri="{FF2B5EF4-FFF2-40B4-BE49-F238E27FC236}">
+                <a16:creationId xmlns:a16="http://schemas.microsoft.com/office/drawing/2014/main" id="{F9F68FD0-4734-F88A-26AE-8BD1D795B778}"/>
+              </a:ext>
+            </a:extLst>
+          </p:cNvPr>
+          <p:cNvSpPr>
+            <a:spLocks noGrp="1"/>
+          </p:cNvSpPr>
+          <p:nvPr>
+            <p:ph type="ctrTitle"/>
+          </p:nvPr>
+        </p:nvSpPr>
+        <p:spPr>
+          <a:xfrm>
+            <a:off x="459205" y="359228"/>
+            <a:ext cx="9935227" cy="718459"/>
+          </a:xfrm>
+        </p:spPr>
+        <p:txBody>
+          <a:bodyPr>
+            <a:noAutofit/>
+          </a:bodyPr>
+          <a:lstStyle/>
+          <a:p>
+            <a:pPr algn="l"/>
+            <a:r>
+              <a:rPr lang="en-US" sz="4500" b="1" dirty="0"/>
+              <a:t>Outline</a:t>
+            </a:r>
+            <a:endParaRPr lang="en-PH" sz="4500" b="1" dirty="0"/>
+          </a:p>
+        </p:txBody>
+      </p:sp>
+    </p:spTree>
+    <p:extLst>
+      <p:ext uri="{BB962C8B-B14F-4D97-AF65-F5344CB8AC3E}">
+        <p14:creationId xmlns:p14="http://schemas.microsoft.com/office/powerpoint/2010/main" val="1181416942"/>
+      </p:ext>
+    </p:extLst>
+  </p:cSld>
+  <p:clrMapOvr>
+    <a:masterClrMapping/>
+  </p:clrMapOvr>
+</p:sld>
+</file>
+
+<file path=ppt/slides/slide3.xml><?xml version="1.0" encoding="utf-8"?>
+<p:sld xmlns:a="http://schemas.openxmlformats.org/drawingml/2006/main" xmlns:r="http://schemas.openxmlformats.org/officeDocument/2006/relationships" xmlns:p="http://schemas.openxmlformats.org/presentationml/2006/main">
+  <p:cSld>
+    <p:bg>
+      <p:bgPr>
+        <a:blipFill dpi="0" rotWithShape="1">
+          <a:blip r:embed="rId3">
+            <a:alphaModFix amt="99000"/>
+            <a:lum/>
+          </a:blip>
+          <a:srcRect/>
+          <a:stretch>
+            <a:fillRect t="89000" r="85000" b="-1000"/>
+          </a:stretch>
+        </a:blipFill>
+        <a:effectLst/>
+      </p:bgPr>
+    </p:bg>
+    <p:spTree>
+      <p:nvGrpSpPr>
+        <p:cNvPr id="1" name=""/>
+        <p:cNvGrpSpPr/>
+        <p:nvPr/>
+      </p:nvGrpSpPr>
+      <p:grpSpPr>
+        <a:xfrm>
+          <a:off x="0" y="0"/>
+          <a:ext cx="0" cy="0"/>
+          <a:chOff x="0" y="0"/>
+          <a:chExt cx="0" cy="0"/>
+        </a:xfrm>
+      </p:grpSpPr>
+      <p:sp>
+        <p:nvSpPr>
+          <p:cNvPr id="5" name="Title 1">
+            <a:extLst>
+              <a:ext uri="{FF2B5EF4-FFF2-40B4-BE49-F238E27FC236}">
+                <a16:creationId xmlns:a16="http://schemas.microsoft.com/office/drawing/2014/main" id="{3444037F-B658-D82C-5DCA-53E8AA1493D7}"/>
+              </a:ext>
+            </a:extLst>
+          </p:cNvPr>
+          <p:cNvSpPr txBox="1">
+            <a:spLocks/>
+          </p:cNvSpPr>
+          <p:nvPr/>
+        </p:nvSpPr>
+        <p:spPr>
+          <a:xfrm>
+            <a:off x="1524000" y="1516449"/>
+            <a:ext cx="9144000" cy="4290585"/>
+          </a:xfrm>
+          <a:prstGeom prst="rect">
+            <a:avLst/>
+          </a:prstGeom>
+        </p:spPr>
+        <p:txBody>
+          <a:bodyPr vert="horz" lIns="91440" tIns="45720" rIns="91440" bIns="45720" rtlCol="0" anchor="b">
+            <a:normAutofit fontScale="97500"/>
+          </a:bodyPr>
+          <a:lstStyle>
+            <a:lvl1pPr algn="ctr" defTabSz="914400" rtl="0" eaLnBrk="1" latinLnBrk="0" hangingPunct="1">
+              <a:lnSpc>
+                <a:spcPct val="90000"/>
+              </a:lnSpc>
+              <a:spcBef>
+                <a:spcPct val="0"/>
+              </a:spcBef>
+              <a:buNone/>
+              <a:defRPr sz="6000" kern="1200">
+                <a:solidFill>
+                  <a:schemeClr val="tx1"/>
+                </a:solidFill>
+                <a:latin typeface="+mj-lt"/>
+                <a:ea typeface="+mj-ea"/>
+                <a:cs typeface="+mj-cs"/>
+              </a:defRPr>
+            </a:lvl1pPr>
+          </a:lstStyle>
+          <a:p>
+            <a:pPr algn="l"/>
+            <a:endParaRPr lang="en-US" sz="3100" dirty="0"/>
+          </a:p>
+          <a:p>
+            <a:pPr algn="l"/>
+            <a:endParaRPr lang="en-US" sz="3100" dirty="0"/>
+          </a:p>
+          <a:p>
+            <a:pPr algn="l"/>
+            <a:endParaRPr lang="en-US" sz="3100" dirty="0"/>
+          </a:p>
+          <a:p>
+            <a:pPr algn="l"/>
+            <a:endParaRPr lang="en-US" sz="3100" dirty="0"/>
+          </a:p>
+          <a:p>
+            <a:pPr algn="l"/>
+            <a:endParaRPr lang="en-US" sz="3000" dirty="0"/>
+          </a:p>
+          <a:p>
+            <a:pPr algn="l"/>
+            <a:endParaRPr lang="en-US" sz="3000" dirty="0"/>
+          </a:p>
+        </p:txBody>
+      </p:sp>
+      <p:sp>
+        <p:nvSpPr>
+          <p:cNvPr id="39" name="Footer Placeholder 3">
+            <a:extLst>
+              <a:ext uri="{FF2B5EF4-FFF2-40B4-BE49-F238E27FC236}">
+                <a16:creationId xmlns:a16="http://schemas.microsoft.com/office/drawing/2014/main" id="{77EF4DA7-E5CF-896F-45E0-B1D58FD59B96}"/>
+              </a:ext>
+            </a:extLst>
+          </p:cNvPr>
+          <p:cNvSpPr>
+            <a:spLocks noGrp="1"/>
+          </p:cNvSpPr>
+          <p:nvPr>
+            <p:ph type="ftr" sz="quarter" idx="11"/>
+          </p:nvPr>
+        </p:nvSpPr>
+        <p:spPr>
+          <a:xfrm>
+            <a:off x="0" y="6139541"/>
+            <a:ext cx="12192000" cy="718459"/>
+          </a:xfrm>
+          <a:ln w="28575">
+            <a:solidFill>
+              <a:schemeClr val="accent5">
+                <a:lumMod val="50000"/>
+              </a:schemeClr>
+            </a:solidFill>
+          </a:ln>
+        </p:spPr>
+        <p:txBody>
+          <a:bodyPr/>
+          <a:lstStyle/>
+          <a:p>
+            <a:pPr lvl="1" algn="r"/>
+            <a:r>
+              <a:rPr lang="en-US" sz="1200" b="1" dirty="0"/>
+              <a:t>CCDATS1L</a:t>
+            </a:r>
+            <a:endParaRPr lang="en-PH" sz="1200" b="1" dirty="0"/>
+          </a:p>
+        </p:txBody>
+      </p:sp>
+      <p:sp>
+        <p:nvSpPr>
+          <p:cNvPr id="2" name="Title 1">
+            <a:extLst>
+              <a:ext uri="{FF2B5EF4-FFF2-40B4-BE49-F238E27FC236}">
+                <a16:creationId xmlns:a16="http://schemas.microsoft.com/office/drawing/2014/main" id="{79EF1114-32BB-A28C-0B44-90073AA32F6C}"/>
+              </a:ext>
+            </a:extLst>
+          </p:cNvPr>
+          <p:cNvSpPr txBox="1">
+            <a:spLocks/>
+          </p:cNvSpPr>
+          <p:nvPr/>
+        </p:nvSpPr>
+        <p:spPr>
+          <a:xfrm>
+            <a:off x="459205" y="1283707"/>
+            <a:ext cx="11273589" cy="4290585"/>
+          </a:xfrm>
+          <a:prstGeom prst="rect">
+            <a:avLst/>
+          </a:prstGeom>
+        </p:spPr>
+        <p:txBody>
+          <a:bodyPr vert="horz" lIns="91440" tIns="45720" rIns="91440" bIns="45720" rtlCol="0" anchor="b">
+            <a:normAutofit fontScale="97500"/>
+          </a:bodyPr>
+          <a:lstStyle>
+            <a:lvl1pPr algn="ctr" defTabSz="914400" rtl="0" eaLnBrk="1" latinLnBrk="0" hangingPunct="1">
+              <a:lnSpc>
+                <a:spcPct val="90000"/>
+              </a:lnSpc>
+              <a:spcBef>
+                <a:spcPct val="0"/>
+              </a:spcBef>
+              <a:buNone/>
+              <a:defRPr sz="6000" kern="1200">
+                <a:solidFill>
+                  <a:schemeClr val="tx1"/>
+                </a:solidFill>
+                <a:latin typeface="+mj-lt"/>
+                <a:ea typeface="+mj-ea"/>
+                <a:cs typeface="+mj-cs"/>
+              </a:defRPr>
+            </a:lvl1pPr>
+          </a:lstStyle>
+          <a:p>
+            <a:pPr algn="l"/>
+            <a:r>
+              <a:rPr lang="en-PH" sz="3000" dirty="0">
+                <a:latin typeface="+mn-lt"/>
+              </a:rPr>
+              <a:t>The </a:t>
+            </a:r>
+            <a:r>
+              <a:rPr lang="en-PH" sz="3000" b="1" dirty="0">
+                <a:solidFill>
+                  <a:srgbClr val="00B0F0"/>
+                </a:solidFill>
+                <a:latin typeface="+mn-lt"/>
+              </a:rPr>
+              <a:t>t-test</a:t>
+            </a:r>
+            <a:r>
+              <a:rPr lang="en-PH" sz="3000" b="1" dirty="0">
+                <a:latin typeface="+mn-lt"/>
+              </a:rPr>
+              <a:t> </a:t>
+            </a:r>
+            <a:r>
+              <a:rPr lang="en-PH" sz="3000" dirty="0">
+                <a:latin typeface="+mn-lt"/>
+              </a:rPr>
+              <a:t>tells you how significant the differences between group means are. </a:t>
+            </a:r>
+          </a:p>
+          <a:p>
+            <a:pPr algn="l"/>
+            <a:endParaRPr lang="en-PH" sz="3000" dirty="0">
+              <a:latin typeface="+mn-lt"/>
+            </a:endParaRPr>
+          </a:p>
+          <a:p>
+            <a:pPr algn="l"/>
+            <a:r>
+              <a:rPr lang="en-PH" sz="3000" dirty="0">
+                <a:latin typeface="+mn-lt"/>
+              </a:rPr>
+              <a:t>It lets you know if those differences in means could have </a:t>
+            </a:r>
+            <a:r>
+              <a:rPr lang="en-PH" sz="3000" b="1" dirty="0">
+                <a:solidFill>
+                  <a:srgbClr val="00B050"/>
+                </a:solidFill>
+                <a:latin typeface="+mn-lt"/>
+              </a:rPr>
+              <a:t>happened by </a:t>
+            </a:r>
+            <a:r>
+              <a:rPr lang="en-PH" sz="3100" b="1" dirty="0">
+                <a:solidFill>
+                  <a:srgbClr val="00B050"/>
+                </a:solidFill>
+                <a:latin typeface="+mn-lt"/>
+              </a:rPr>
+              <a:t>chance</a:t>
+            </a:r>
+            <a:r>
+              <a:rPr lang="en-PH" sz="3000" dirty="0">
+                <a:latin typeface="+mn-lt"/>
+              </a:rPr>
+              <a:t>. </a:t>
+            </a:r>
+          </a:p>
+          <a:p>
+            <a:pPr algn="l"/>
+            <a:endParaRPr lang="en-PH" sz="3000" dirty="0">
+              <a:latin typeface="+mn-lt"/>
+            </a:endParaRPr>
+          </a:p>
+          <a:p>
+            <a:pPr algn="l"/>
+            <a:r>
+              <a:rPr lang="en-PH" sz="3000" dirty="0">
+                <a:latin typeface="+mn-lt"/>
+              </a:rPr>
+              <a:t>The </a:t>
+            </a:r>
+            <a:r>
+              <a:rPr lang="en-PH" sz="3000" b="1" dirty="0">
+                <a:solidFill>
+                  <a:srgbClr val="00B0F0"/>
+                </a:solidFill>
+                <a:latin typeface="+mn-lt"/>
+              </a:rPr>
+              <a:t>t-test</a:t>
+            </a:r>
+            <a:r>
+              <a:rPr lang="en-PH" sz="3000" dirty="0">
+                <a:latin typeface="+mn-lt"/>
+              </a:rPr>
+              <a:t> is usually used when data sets follow a normal distribution but you don’t know the population variance.</a:t>
+            </a:r>
+          </a:p>
+          <a:p>
+            <a:pPr algn="l"/>
+            <a:endParaRPr lang="en-PH" sz="3000" dirty="0">
+              <a:latin typeface="+mn-lt"/>
+            </a:endParaRPr>
+          </a:p>
+          <a:p>
+            <a:pPr algn="l"/>
+            <a:endParaRPr lang="en-PH" sz="3000" dirty="0">
+              <a:latin typeface="+mn-lt"/>
+            </a:endParaRPr>
+          </a:p>
+        </p:txBody>
+      </p:sp>
+      <p:sp>
+        <p:nvSpPr>
+          <p:cNvPr id="7" name="Title 1">
+            <a:extLst>
+              <a:ext uri="{FF2B5EF4-FFF2-40B4-BE49-F238E27FC236}">
+                <a16:creationId xmlns:a16="http://schemas.microsoft.com/office/drawing/2014/main" id="{F9F68FD0-4734-F88A-26AE-8BD1D795B778}"/>
+              </a:ext>
+            </a:extLst>
+          </p:cNvPr>
+          <p:cNvSpPr>
+            <a:spLocks noGrp="1"/>
+          </p:cNvSpPr>
+          <p:nvPr>
+            <p:ph type="ctrTitle"/>
+          </p:nvPr>
+        </p:nvSpPr>
+        <p:spPr>
+          <a:xfrm>
+            <a:off x="459205" y="359228"/>
+            <a:ext cx="11273589" cy="718459"/>
+          </a:xfrm>
+        </p:spPr>
+        <p:txBody>
+          <a:bodyPr>
+            <a:noAutofit/>
+          </a:bodyPr>
+          <a:lstStyle/>
+          <a:p>
+            <a:r>
+              <a:rPr lang="en-US" sz="5000" b="1" dirty="0"/>
+              <a:t>t-test</a:t>
+            </a:r>
+            <a:endParaRPr lang="en-PH" sz="5000" b="1" dirty="0"/>
+          </a:p>
+        </p:txBody>
+      </p:sp>
+    </p:spTree>
+    <p:extLst>
+      <p:ext uri="{BB962C8B-B14F-4D97-AF65-F5344CB8AC3E}">
+        <p14:creationId xmlns:p14="http://schemas.microsoft.com/office/powerpoint/2010/main" val="1778263883"/>
+      </p:ext>
+    </p:extLst>
+  </p:cSld>
+  <p:clrMapOvr>
+    <a:masterClrMapping/>
+  </p:clrMapOvr>
+</p:sld>
+</file>
+
+<file path=ppt/slides/slide4.xml><?xml version="1.0" encoding="utf-8"?>
+<p:sld xmlns:a="http://schemas.openxmlformats.org/drawingml/2006/main" xmlns:r="http://schemas.openxmlformats.org/officeDocument/2006/relationships" xmlns:p="http://schemas.openxmlformats.org/presentationml/2006/main">
+  <p:cSld>
+    <p:bg>
+      <p:bgPr>
+        <a:blipFill dpi="0" rotWithShape="1">
+          <a:blip r:embed="rId3">
+            <a:alphaModFix amt="99000"/>
+            <a:lum/>
+          </a:blip>
+          <a:srcRect/>
+          <a:stretch>
+            <a:fillRect t="89000" r="85000" b="-1000"/>
+          </a:stretch>
+        </a:blipFill>
+        <a:effectLst/>
+      </p:bgPr>
+    </p:bg>
+    <p:spTree>
+      <p:nvGrpSpPr>
+        <p:cNvPr id="1" name=""/>
+        <p:cNvGrpSpPr/>
+        <p:nvPr/>
+      </p:nvGrpSpPr>
+      <p:grpSpPr>
+        <a:xfrm>
+          <a:off x="0" y="0"/>
+          <a:ext cx="0" cy="0"/>
+          <a:chOff x="0" y="0"/>
+          <a:chExt cx="0" cy="0"/>
+        </a:xfrm>
+      </p:grpSpPr>
+      <p:sp>
+        <p:nvSpPr>
+          <p:cNvPr id="5" name="Title 1">
+            <a:extLst>
+              <a:ext uri="{FF2B5EF4-FFF2-40B4-BE49-F238E27FC236}">
+                <a16:creationId xmlns:a16="http://schemas.microsoft.com/office/drawing/2014/main" id="{3444037F-B658-D82C-5DCA-53E8AA1493D7}"/>
+              </a:ext>
+            </a:extLst>
+          </p:cNvPr>
+          <p:cNvSpPr txBox="1">
+            <a:spLocks/>
+          </p:cNvSpPr>
+          <p:nvPr/>
+        </p:nvSpPr>
+        <p:spPr>
+          <a:xfrm>
+            <a:off x="1524000" y="1516449"/>
+            <a:ext cx="9144000" cy="4290585"/>
+          </a:xfrm>
+          <a:prstGeom prst="rect">
+            <a:avLst/>
+          </a:prstGeom>
+        </p:spPr>
+        <p:txBody>
+          <a:bodyPr vert="horz" lIns="91440" tIns="45720" rIns="91440" bIns="45720" rtlCol="0" anchor="b">
+            <a:normAutofit fontScale="97500"/>
+          </a:bodyPr>
+          <a:lstStyle>
+            <a:lvl1pPr algn="ctr" defTabSz="914400" rtl="0" eaLnBrk="1" latinLnBrk="0" hangingPunct="1">
+              <a:lnSpc>
+                <a:spcPct val="90000"/>
+              </a:lnSpc>
+              <a:spcBef>
+                <a:spcPct val="0"/>
+              </a:spcBef>
+              <a:buNone/>
+              <a:defRPr sz="6000" kern="1200">
+                <a:solidFill>
+                  <a:schemeClr val="tx1"/>
+                </a:solidFill>
+                <a:latin typeface="+mj-lt"/>
+                <a:ea typeface="+mj-ea"/>
+                <a:cs typeface="+mj-cs"/>
+              </a:defRPr>
+            </a:lvl1pPr>
+          </a:lstStyle>
+          <a:p>
+            <a:pPr algn="l"/>
+            <a:endParaRPr lang="en-US" sz="3100" dirty="0"/>
+          </a:p>
+          <a:p>
+            <a:pPr algn="l"/>
+            <a:endParaRPr lang="en-US" sz="3100" dirty="0"/>
+          </a:p>
+          <a:p>
+            <a:pPr algn="l"/>
+            <a:endParaRPr lang="en-US" sz="3100" dirty="0"/>
+          </a:p>
+          <a:p>
+            <a:pPr algn="l"/>
+            <a:endParaRPr lang="en-US" sz="3100" dirty="0"/>
+          </a:p>
+          <a:p>
+            <a:pPr algn="l"/>
+            <a:endParaRPr lang="en-US" sz="3000" dirty="0"/>
+          </a:p>
+          <a:p>
+            <a:pPr algn="l"/>
+            <a:endParaRPr lang="en-US" sz="3000" dirty="0"/>
+          </a:p>
+        </p:txBody>
+      </p:sp>
+      <p:sp>
+        <p:nvSpPr>
+          <p:cNvPr id="39" name="Footer Placeholder 3">
+            <a:extLst>
+              <a:ext uri="{FF2B5EF4-FFF2-40B4-BE49-F238E27FC236}">
+                <a16:creationId xmlns:a16="http://schemas.microsoft.com/office/drawing/2014/main" id="{77EF4DA7-E5CF-896F-45E0-B1D58FD59B96}"/>
+              </a:ext>
+            </a:extLst>
+          </p:cNvPr>
+          <p:cNvSpPr>
+            <a:spLocks noGrp="1"/>
+          </p:cNvSpPr>
+          <p:nvPr>
+            <p:ph type="ftr" sz="quarter" idx="11"/>
+          </p:nvPr>
+        </p:nvSpPr>
+        <p:spPr>
+          <a:xfrm>
+            <a:off x="0" y="6139541"/>
+            <a:ext cx="12192000" cy="718459"/>
+          </a:xfrm>
+          <a:ln w="28575">
+            <a:solidFill>
+              <a:schemeClr val="accent5">
+                <a:lumMod val="50000"/>
+              </a:schemeClr>
+            </a:solidFill>
+          </a:ln>
+        </p:spPr>
+        <p:txBody>
+          <a:bodyPr/>
+          <a:lstStyle/>
+          <a:p>
+            <a:pPr lvl="1" algn="r"/>
+            <a:r>
+              <a:rPr lang="en-US" sz="1200" b="1" dirty="0"/>
+              <a:t>CCDATS1L</a:t>
+            </a:r>
+            <a:endParaRPr lang="en-PH" sz="1200" b="1" dirty="0"/>
+          </a:p>
+        </p:txBody>
+      </p:sp>
+      <p:sp>
+        <p:nvSpPr>
+          <p:cNvPr id="2" name="Title 1">
+            <a:extLst>
+              <a:ext uri="{FF2B5EF4-FFF2-40B4-BE49-F238E27FC236}">
+                <a16:creationId xmlns:a16="http://schemas.microsoft.com/office/drawing/2014/main" id="{79EF1114-32BB-A28C-0B44-90073AA32F6C}"/>
+              </a:ext>
+            </a:extLst>
+          </p:cNvPr>
+          <p:cNvSpPr txBox="1">
+            <a:spLocks/>
+          </p:cNvSpPr>
+          <p:nvPr/>
+        </p:nvSpPr>
+        <p:spPr>
+          <a:xfrm>
+            <a:off x="459205" y="1283707"/>
+            <a:ext cx="11273589" cy="4290585"/>
+          </a:xfrm>
+          <a:prstGeom prst="rect">
+            <a:avLst/>
+          </a:prstGeom>
+        </p:spPr>
+        <p:txBody>
+          <a:bodyPr vert="horz" lIns="91440" tIns="45720" rIns="91440" bIns="45720" rtlCol="0" anchor="b">
+            <a:normAutofit fontScale="97500"/>
+          </a:bodyPr>
+          <a:lstStyle>
+            <a:lvl1pPr algn="ctr" defTabSz="914400" rtl="0" eaLnBrk="1" latinLnBrk="0" hangingPunct="1">
+              <a:lnSpc>
+                <a:spcPct val="90000"/>
+              </a:lnSpc>
+              <a:spcBef>
+                <a:spcPct val="0"/>
+              </a:spcBef>
+              <a:buNone/>
+              <a:defRPr sz="6000" kern="1200">
+                <a:solidFill>
+                  <a:schemeClr val="tx1"/>
+                </a:solidFill>
+                <a:latin typeface="+mj-lt"/>
+                <a:ea typeface="+mj-ea"/>
+                <a:cs typeface="+mj-cs"/>
+              </a:defRPr>
+            </a:lvl1pPr>
+          </a:lstStyle>
+          <a:p>
+            <a:pPr algn="l"/>
+            <a:r>
+              <a:rPr lang="en-PH" sz="3000" dirty="0">
+                <a:latin typeface="+mn-lt"/>
+              </a:rPr>
+              <a:t>The </a:t>
+            </a:r>
+            <a:r>
+              <a:rPr lang="en-PH" sz="3000" b="1" dirty="0">
+                <a:solidFill>
+                  <a:srgbClr val="00B0F0"/>
+                </a:solidFill>
+                <a:latin typeface="+mn-lt"/>
+              </a:rPr>
+              <a:t>t-score</a:t>
+            </a:r>
+            <a:r>
+              <a:rPr lang="en-PH" sz="3000" b="1" dirty="0">
+                <a:latin typeface="+mn-lt"/>
+              </a:rPr>
+              <a:t> </a:t>
+            </a:r>
+            <a:r>
+              <a:rPr lang="en-PH" sz="3000" dirty="0">
+                <a:latin typeface="+mn-lt"/>
+              </a:rPr>
+              <a:t>is a ratio between the difference between two groups and the difference within the groups. </a:t>
+            </a:r>
+          </a:p>
+          <a:p>
+            <a:pPr marL="457200" indent="-457200" algn="l">
+              <a:buFont typeface="Arial" panose="020B0604020202020204" pitchFamily="34" charset="0"/>
+              <a:buChar char="•"/>
+            </a:pPr>
+            <a:endParaRPr lang="en-PH" sz="3000" dirty="0">
+              <a:latin typeface="+mn-lt"/>
+            </a:endParaRPr>
+          </a:p>
+          <a:p>
+            <a:pPr algn="l"/>
+            <a:r>
+              <a:rPr lang="en-PH" sz="3000" b="1" dirty="0">
+                <a:solidFill>
+                  <a:srgbClr val="FF0000"/>
+                </a:solidFill>
+                <a:latin typeface="+mn-lt"/>
+              </a:rPr>
+              <a:t>Larger t-scores</a:t>
+            </a:r>
+            <a:r>
+              <a:rPr lang="en-PH" sz="3000" dirty="0">
+                <a:latin typeface="+mn-lt"/>
+              </a:rPr>
+              <a:t> = more difference between groups. </a:t>
+            </a:r>
+          </a:p>
+          <a:p>
+            <a:pPr algn="l"/>
+            <a:endParaRPr lang="en-PH" sz="3000" dirty="0">
+              <a:latin typeface="+mn-lt"/>
+            </a:endParaRPr>
+          </a:p>
+          <a:p>
+            <a:pPr algn="l"/>
+            <a:r>
+              <a:rPr lang="en-PH" sz="3000" b="1" dirty="0">
+                <a:solidFill>
+                  <a:srgbClr val="00B050"/>
+                </a:solidFill>
+                <a:latin typeface="+mn-lt"/>
+              </a:rPr>
+              <a:t>Smaller t-scores </a:t>
+            </a:r>
+            <a:r>
+              <a:rPr lang="en-PH" sz="3000" dirty="0">
+                <a:latin typeface="+mn-lt"/>
+              </a:rPr>
+              <a:t>= more similarity between groups.</a:t>
+            </a:r>
+          </a:p>
+          <a:p>
+            <a:pPr algn="l">
+              <a:buFont typeface="Arial" panose="020B0604020202020204" pitchFamily="34" charset="0"/>
+              <a:buChar char="•"/>
+            </a:pPr>
+            <a:endParaRPr lang="en-PH" sz="3000" dirty="0">
+              <a:latin typeface="+mn-lt"/>
+            </a:endParaRPr>
+          </a:p>
+          <a:p>
+            <a:pPr algn="l">
+              <a:buFont typeface="Arial" panose="020B0604020202020204" pitchFamily="34" charset="0"/>
+              <a:buChar char="•"/>
+            </a:pPr>
+            <a:endParaRPr lang="en-PH" sz="3000" dirty="0">
+              <a:latin typeface="+mn-lt"/>
+            </a:endParaRPr>
+          </a:p>
+          <a:p>
+            <a:pPr algn="l"/>
+            <a:endParaRPr lang="en-PH" sz="3000" dirty="0">
+              <a:latin typeface="+mn-lt"/>
+            </a:endParaRPr>
+          </a:p>
+          <a:p>
+            <a:pPr algn="l">
+              <a:buFont typeface="Arial" panose="020B0604020202020204" pitchFamily="34" charset="0"/>
+              <a:buChar char="•"/>
+            </a:pPr>
+            <a:endParaRPr lang="en-PH" sz="3000" dirty="0">
+              <a:latin typeface="+mn-lt"/>
+            </a:endParaRPr>
+          </a:p>
+        </p:txBody>
+      </p:sp>
+      <p:sp>
+        <p:nvSpPr>
+          <p:cNvPr id="7" name="Title 1">
+            <a:extLst>
+              <a:ext uri="{FF2B5EF4-FFF2-40B4-BE49-F238E27FC236}">
+                <a16:creationId xmlns:a16="http://schemas.microsoft.com/office/drawing/2014/main" id="{F9F68FD0-4734-F88A-26AE-8BD1D795B778}"/>
+              </a:ext>
+            </a:extLst>
+          </p:cNvPr>
+          <p:cNvSpPr>
+            <a:spLocks noGrp="1"/>
+          </p:cNvSpPr>
+          <p:nvPr>
+            <p:ph type="ctrTitle"/>
+          </p:nvPr>
+        </p:nvSpPr>
+        <p:spPr>
+          <a:xfrm>
+            <a:off x="459205" y="359228"/>
+            <a:ext cx="11273589" cy="718459"/>
+          </a:xfrm>
+        </p:spPr>
+        <p:txBody>
+          <a:bodyPr>
+            <a:noAutofit/>
+          </a:bodyPr>
+          <a:lstStyle/>
+          <a:p>
+            <a:r>
+              <a:rPr lang="en-US" sz="5000" b="1" dirty="0"/>
+              <a:t>t-score</a:t>
+            </a:r>
+            <a:endParaRPr lang="en-PH" sz="5000" b="1" dirty="0"/>
+          </a:p>
+        </p:txBody>
+      </p:sp>
+    </p:spTree>
+    <p:extLst>
+      <p:ext uri="{BB962C8B-B14F-4D97-AF65-F5344CB8AC3E}">
+        <p14:creationId xmlns:p14="http://schemas.microsoft.com/office/powerpoint/2010/main" val="603598564"/>
+      </p:ext>
+    </p:extLst>
+  </p:cSld>
+  <p:clrMapOvr>
+    <a:masterClrMapping/>
+  </p:clrMapOvr>
+</p:sld>
+</file>
+
+<file path=ppt/slides/slide5.xml><?xml version="1.0" encoding="utf-8"?>
+<p:sld xmlns:a="http://schemas.openxmlformats.org/drawingml/2006/main" xmlns:r="http://schemas.openxmlformats.org/officeDocument/2006/relationships" xmlns:p="http://schemas.openxmlformats.org/presentationml/2006/main">
+  <p:cSld>
+    <p:bg>
+      <p:bgPr>
+        <a:blipFill dpi="0" rotWithShape="1">
+          <a:blip r:embed="rId3">
+            <a:alphaModFix amt="99000"/>
+            <a:lum/>
+          </a:blip>
+          <a:srcRect/>
+          <a:stretch>
+            <a:fillRect t="89000" r="85000" b="-1000"/>
+          </a:stretch>
+        </a:blipFill>
+        <a:effectLst/>
+      </p:bgPr>
+    </p:bg>
+    <p:spTree>
+      <p:nvGrpSpPr>
+        <p:cNvPr id="1" name=""/>
+        <p:cNvGrpSpPr/>
+        <p:nvPr/>
+      </p:nvGrpSpPr>
+      <p:grpSpPr>
+        <a:xfrm>
+          <a:off x="0" y="0"/>
+          <a:ext cx="0" cy="0"/>
+          <a:chOff x="0" y="0"/>
+          <a:chExt cx="0" cy="0"/>
+        </a:xfrm>
+      </p:grpSpPr>
+      <p:sp>
+        <p:nvSpPr>
+          <p:cNvPr id="5" name="Title 1">
+            <a:extLst>
+              <a:ext uri="{FF2B5EF4-FFF2-40B4-BE49-F238E27FC236}">
+                <a16:creationId xmlns:a16="http://schemas.microsoft.com/office/drawing/2014/main" id="{3444037F-B658-D82C-5DCA-53E8AA1493D7}"/>
+              </a:ext>
+            </a:extLst>
+          </p:cNvPr>
+          <p:cNvSpPr txBox="1">
+            <a:spLocks/>
+          </p:cNvSpPr>
+          <p:nvPr/>
+        </p:nvSpPr>
+        <p:spPr>
+          <a:xfrm>
+            <a:off x="1524000" y="1516449"/>
+            <a:ext cx="9144000" cy="4290585"/>
+          </a:xfrm>
+          <a:prstGeom prst="rect">
+            <a:avLst/>
+          </a:prstGeom>
+        </p:spPr>
+        <p:txBody>
+          <a:bodyPr vert="horz" lIns="91440" tIns="45720" rIns="91440" bIns="45720" rtlCol="0" anchor="b">
+            <a:normAutofit fontScale="97500"/>
+          </a:bodyPr>
+          <a:lstStyle>
+            <a:lvl1pPr algn="ctr" defTabSz="914400" rtl="0" eaLnBrk="1" latinLnBrk="0" hangingPunct="1">
+              <a:lnSpc>
+                <a:spcPct val="90000"/>
+              </a:lnSpc>
+              <a:spcBef>
+                <a:spcPct val="0"/>
+              </a:spcBef>
+              <a:buNone/>
+              <a:defRPr sz="6000" kern="1200">
+                <a:solidFill>
+                  <a:schemeClr val="tx1"/>
+                </a:solidFill>
+                <a:latin typeface="+mj-lt"/>
+                <a:ea typeface="+mj-ea"/>
+                <a:cs typeface="+mj-cs"/>
+              </a:defRPr>
+            </a:lvl1pPr>
+          </a:lstStyle>
+          <a:p>
+            <a:pPr algn="l"/>
+            <a:endParaRPr lang="en-US" sz="3100" dirty="0"/>
+          </a:p>
+          <a:p>
+            <a:pPr algn="l"/>
+            <a:endParaRPr lang="en-US" sz="3100" dirty="0"/>
+          </a:p>
+          <a:p>
+            <a:pPr algn="l"/>
+            <a:endParaRPr lang="en-US" sz="3100" dirty="0"/>
+          </a:p>
+          <a:p>
+            <a:pPr algn="l"/>
+            <a:endParaRPr lang="en-US" sz="3100" dirty="0"/>
+          </a:p>
+          <a:p>
+            <a:pPr algn="l"/>
+            <a:endParaRPr lang="en-US" sz="3000" dirty="0"/>
+          </a:p>
+          <a:p>
+            <a:pPr algn="l"/>
+            <a:endParaRPr lang="en-US" sz="3000" dirty="0"/>
+          </a:p>
+        </p:txBody>
+      </p:sp>
+      <p:sp>
+        <p:nvSpPr>
+          <p:cNvPr id="39" name="Footer Placeholder 3">
+            <a:extLst>
+              <a:ext uri="{FF2B5EF4-FFF2-40B4-BE49-F238E27FC236}">
+                <a16:creationId xmlns:a16="http://schemas.microsoft.com/office/drawing/2014/main" id="{77EF4DA7-E5CF-896F-45E0-B1D58FD59B96}"/>
+              </a:ext>
+            </a:extLst>
+          </p:cNvPr>
+          <p:cNvSpPr>
+            <a:spLocks noGrp="1"/>
+          </p:cNvSpPr>
+          <p:nvPr>
+            <p:ph type="ftr" sz="quarter" idx="11"/>
+          </p:nvPr>
+        </p:nvSpPr>
+        <p:spPr>
+          <a:xfrm>
+            <a:off x="0" y="6139541"/>
+            <a:ext cx="12192000" cy="718459"/>
+          </a:xfrm>
+          <a:ln w="28575">
+            <a:solidFill>
+              <a:schemeClr val="accent5">
+                <a:lumMod val="50000"/>
+              </a:schemeClr>
+            </a:solidFill>
+          </a:ln>
+        </p:spPr>
+        <p:txBody>
+          <a:bodyPr/>
+          <a:lstStyle/>
+          <a:p>
+            <a:pPr lvl="1" algn="r"/>
+            <a:r>
+              <a:rPr lang="en-US" sz="1200" b="1" dirty="0"/>
+              <a:t>CCDATS1L</a:t>
+            </a:r>
+            <a:endParaRPr lang="en-PH" sz="1200" b="1" dirty="0"/>
+          </a:p>
+        </p:txBody>
+      </p:sp>
+      <p:sp>
+        <p:nvSpPr>
+          <p:cNvPr id="2" name="Title 1">
+            <a:extLst>
+              <a:ext uri="{FF2B5EF4-FFF2-40B4-BE49-F238E27FC236}">
+                <a16:creationId xmlns:a16="http://schemas.microsoft.com/office/drawing/2014/main" id="{79EF1114-32BB-A28C-0B44-90073AA32F6C}"/>
+              </a:ext>
+            </a:extLst>
+          </p:cNvPr>
+          <p:cNvSpPr txBox="1">
+            <a:spLocks/>
+          </p:cNvSpPr>
+          <p:nvPr/>
+        </p:nvSpPr>
+        <p:spPr>
+          <a:xfrm>
+            <a:off x="459205" y="1283707"/>
+            <a:ext cx="11273589" cy="4721677"/>
+          </a:xfrm>
+          <a:prstGeom prst="rect">
+            <a:avLst/>
+          </a:prstGeom>
+        </p:spPr>
+        <p:txBody>
+          <a:bodyPr vert="horz" lIns="91440" tIns="45720" rIns="91440" bIns="45720" rtlCol="0" anchor="b">
+            <a:noAutofit/>
+          </a:bodyPr>
+          <a:lstStyle>
+            <a:lvl1pPr algn="ctr" defTabSz="914400" rtl="0" eaLnBrk="1" latinLnBrk="0" hangingPunct="1">
+              <a:lnSpc>
+                <a:spcPct val="90000"/>
+              </a:lnSpc>
+              <a:spcBef>
+                <a:spcPct val="0"/>
+              </a:spcBef>
+              <a:buNone/>
+              <a:defRPr sz="6000" kern="1200">
+                <a:solidFill>
+                  <a:schemeClr val="tx1"/>
+                </a:solidFill>
+                <a:latin typeface="+mj-lt"/>
+                <a:ea typeface="+mj-ea"/>
+                <a:cs typeface="+mj-cs"/>
+              </a:defRPr>
+            </a:lvl1pPr>
+          </a:lstStyle>
+          <a:p>
+            <a:pPr algn="l"/>
+            <a:r>
+              <a:rPr lang="en-PH" sz="3000" dirty="0">
+                <a:latin typeface="+mn-lt"/>
+              </a:rPr>
+              <a:t>Every </a:t>
+            </a:r>
+            <a:r>
+              <a:rPr lang="en-PH" sz="3000" b="1" dirty="0">
+                <a:solidFill>
+                  <a:srgbClr val="00B0F0"/>
+                </a:solidFill>
+                <a:latin typeface="+mn-lt"/>
+              </a:rPr>
+              <a:t>t-score</a:t>
+            </a:r>
+            <a:r>
+              <a:rPr lang="en-PH" sz="3000" dirty="0">
+                <a:latin typeface="+mn-lt"/>
+              </a:rPr>
+              <a:t> has a </a:t>
+            </a:r>
+            <a:r>
+              <a:rPr lang="en-PH" sz="3000" b="1" dirty="0">
+                <a:solidFill>
+                  <a:srgbClr val="7030A0"/>
+                </a:solidFill>
+                <a:latin typeface="+mn-lt"/>
+              </a:rPr>
+              <a:t>p-value</a:t>
+            </a:r>
+            <a:r>
+              <a:rPr lang="en-PH" sz="3000" dirty="0">
+                <a:latin typeface="+mn-lt"/>
+              </a:rPr>
+              <a:t> to go with it. </a:t>
+            </a:r>
+          </a:p>
+          <a:p>
+            <a:pPr algn="l"/>
+            <a:endParaRPr lang="en-PH" sz="3000" dirty="0">
+              <a:latin typeface="+mn-lt"/>
+            </a:endParaRPr>
+          </a:p>
+          <a:p>
+            <a:pPr algn="l"/>
+            <a:r>
+              <a:rPr lang="en-PH" sz="3000" dirty="0">
+                <a:latin typeface="+mn-lt"/>
+              </a:rPr>
+              <a:t>A </a:t>
+            </a:r>
+            <a:r>
+              <a:rPr lang="en-PH" sz="3000" b="1" dirty="0">
+                <a:solidFill>
+                  <a:srgbClr val="7030A0"/>
+                </a:solidFill>
+                <a:latin typeface="+mn-lt"/>
+              </a:rPr>
+              <a:t>p-value</a:t>
+            </a:r>
+            <a:r>
+              <a:rPr lang="en-PH" sz="3000" dirty="0">
+                <a:latin typeface="+mn-lt"/>
+              </a:rPr>
+              <a:t> from a t-test is the probability that the results from your sample data </a:t>
+            </a:r>
+            <a:r>
+              <a:rPr lang="en-PH" sz="3000" b="1" dirty="0">
+                <a:solidFill>
+                  <a:srgbClr val="00B0F0"/>
+                </a:solidFill>
+                <a:latin typeface="+mn-lt"/>
+              </a:rPr>
+              <a:t>occurred by chance</a:t>
+            </a:r>
+            <a:r>
+              <a:rPr lang="en-PH" sz="3000" dirty="0">
+                <a:latin typeface="+mn-lt"/>
+              </a:rPr>
+              <a:t>.</a:t>
+            </a:r>
+          </a:p>
+          <a:p>
+            <a:pPr algn="l"/>
+            <a:endParaRPr lang="en-PH" sz="3000" dirty="0">
+              <a:latin typeface="+mn-lt"/>
+            </a:endParaRPr>
+          </a:p>
+          <a:p>
+            <a:pPr algn="l"/>
+            <a:r>
+              <a:rPr lang="en-PH" sz="3000" b="1" dirty="0">
+                <a:solidFill>
+                  <a:srgbClr val="FF0000"/>
+                </a:solidFill>
+                <a:latin typeface="+mn-lt"/>
+              </a:rPr>
+              <a:t>Low p-values </a:t>
+            </a:r>
+            <a:r>
+              <a:rPr lang="en-PH" sz="3000" dirty="0">
+                <a:latin typeface="+mn-lt"/>
+              </a:rPr>
+              <a:t>indicate your data </a:t>
+            </a:r>
+            <a:r>
+              <a:rPr lang="en-PH" sz="3000" b="1" dirty="0">
+                <a:solidFill>
+                  <a:srgbClr val="00B0F0"/>
+                </a:solidFill>
+                <a:latin typeface="+mn-lt"/>
+              </a:rPr>
+              <a:t>did not occur by chance</a:t>
+            </a:r>
+            <a:r>
+              <a:rPr lang="en-PH" sz="3000" dirty="0">
+                <a:latin typeface="+mn-lt"/>
+              </a:rPr>
+              <a:t>. </a:t>
+            </a:r>
+          </a:p>
+          <a:p>
+            <a:pPr algn="l"/>
+            <a:endParaRPr lang="en-PH" sz="3000" dirty="0">
+              <a:latin typeface="+mn-lt"/>
+            </a:endParaRPr>
+          </a:p>
+          <a:p>
+            <a:pPr algn="l"/>
+            <a:r>
+              <a:rPr lang="en-PH" sz="3000" dirty="0">
+                <a:latin typeface="+mn-lt"/>
+              </a:rPr>
+              <a:t>For example, a </a:t>
+            </a:r>
+            <a:r>
+              <a:rPr lang="en-PH" sz="3000" b="1" dirty="0">
+                <a:solidFill>
+                  <a:srgbClr val="7030A0"/>
+                </a:solidFill>
+                <a:latin typeface="+mn-lt"/>
+              </a:rPr>
+              <a:t>p-value</a:t>
+            </a:r>
+            <a:r>
+              <a:rPr lang="en-PH" sz="3000" dirty="0">
+                <a:latin typeface="+mn-lt"/>
+              </a:rPr>
+              <a:t> of .01 means that there is only a </a:t>
+            </a:r>
+            <a:r>
+              <a:rPr lang="en-PH" sz="3000" b="1" dirty="0">
+                <a:solidFill>
+                  <a:srgbClr val="FF0000"/>
+                </a:solidFill>
+                <a:latin typeface="+mn-lt"/>
+              </a:rPr>
+              <a:t>1% probability</a:t>
+            </a:r>
+            <a:r>
+              <a:rPr lang="en-PH" sz="3000" dirty="0">
+                <a:latin typeface="+mn-lt"/>
+              </a:rPr>
+              <a:t> that the results from an experiment </a:t>
+            </a:r>
+            <a:r>
+              <a:rPr lang="en-PH" sz="3000" b="1" dirty="0">
+                <a:solidFill>
+                  <a:srgbClr val="00B0F0"/>
+                </a:solidFill>
+                <a:latin typeface="+mn-lt"/>
+              </a:rPr>
+              <a:t>happened by chance</a:t>
+            </a:r>
+            <a:r>
+              <a:rPr lang="en-PH" sz="3000" dirty="0">
+                <a:latin typeface="+mn-lt"/>
+              </a:rPr>
+              <a:t>.</a:t>
+            </a:r>
+          </a:p>
+          <a:p>
+            <a:pPr algn="l"/>
+            <a:endParaRPr lang="en-PH" sz="3000" dirty="0">
+              <a:latin typeface="+mn-lt"/>
+            </a:endParaRPr>
+          </a:p>
+          <a:p>
+            <a:pPr algn="l"/>
+            <a:endParaRPr lang="en-PH" sz="3000" dirty="0">
+              <a:latin typeface="+mn-lt"/>
+            </a:endParaRPr>
+          </a:p>
+        </p:txBody>
+      </p:sp>
+      <p:sp>
+        <p:nvSpPr>
+          <p:cNvPr id="7" name="Title 1">
+            <a:extLst>
+              <a:ext uri="{FF2B5EF4-FFF2-40B4-BE49-F238E27FC236}">
+                <a16:creationId xmlns:a16="http://schemas.microsoft.com/office/drawing/2014/main" id="{F9F68FD0-4734-F88A-26AE-8BD1D795B778}"/>
+              </a:ext>
+            </a:extLst>
+          </p:cNvPr>
+          <p:cNvSpPr>
+            <a:spLocks noGrp="1"/>
+          </p:cNvSpPr>
+          <p:nvPr>
+            <p:ph type="ctrTitle"/>
+          </p:nvPr>
+        </p:nvSpPr>
+        <p:spPr>
+          <a:xfrm>
+            <a:off x="459205" y="359228"/>
+            <a:ext cx="11273589" cy="718459"/>
+          </a:xfrm>
+        </p:spPr>
+        <p:txBody>
+          <a:bodyPr>
+            <a:noAutofit/>
+          </a:bodyPr>
+          <a:lstStyle/>
+          <a:p>
+            <a:r>
+              <a:rPr lang="en-US" sz="5000" b="1" dirty="0"/>
+              <a:t>t-scores and p-values</a:t>
+            </a:r>
+            <a:endParaRPr lang="en-PH" sz="5000" b="1" dirty="0"/>
+          </a:p>
+        </p:txBody>
+      </p:sp>
+    </p:spTree>
+    <p:extLst>
+      <p:ext uri="{BB962C8B-B14F-4D97-AF65-F5344CB8AC3E}">
+        <p14:creationId xmlns:p14="http://schemas.microsoft.com/office/powerpoint/2010/main" val="3991924212"/>
+      </p:ext>
+    </p:extLst>
+  </p:cSld>
+  <p:clrMapOvr>
+    <a:masterClrMapping/>
+  </p:clrMapOvr>
+</p:sld>
+</file>
+
+<file path=ppt/slides/slide6.xml><?xml version="1.0" encoding="utf-8"?>
+<p:sld xmlns:a="http://schemas.openxmlformats.org/drawingml/2006/main" xmlns:r="http://schemas.openxmlformats.org/officeDocument/2006/relationships" xmlns:p="http://schemas.openxmlformats.org/presentationml/2006/main">
+  <p:cSld>
+    <p:bg>
+      <p:bgPr>
+        <a:blipFill dpi="0" rotWithShape="1">
+          <a:blip r:embed="rId3">
+            <a:alphaModFix amt="99000"/>
+            <a:lum/>
+          </a:blip>
+          <a:srcRect/>
+          <a:stretch>
+            <a:fillRect t="89000" r="85000" b="-1000"/>
+          </a:stretch>
+        </a:blipFill>
+        <a:effectLst/>
+      </p:bgPr>
+    </p:bg>
+    <p:spTree>
+      <p:nvGrpSpPr>
+        <p:cNvPr id="1" name=""/>
+        <p:cNvGrpSpPr/>
+        <p:nvPr/>
+      </p:nvGrpSpPr>
+      <p:grpSpPr>
+        <a:xfrm>
+          <a:off x="0" y="0"/>
+          <a:ext cx="0" cy="0"/>
+          <a:chOff x="0" y="0"/>
+          <a:chExt cx="0" cy="0"/>
+        </a:xfrm>
+      </p:grpSpPr>
+      <p:sp>
+        <p:nvSpPr>
+          <p:cNvPr id="5" name="Title 1">
+            <a:extLst>
+              <a:ext uri="{FF2B5EF4-FFF2-40B4-BE49-F238E27FC236}">
+                <a16:creationId xmlns:a16="http://schemas.microsoft.com/office/drawing/2014/main" id="{3444037F-B658-D82C-5DCA-53E8AA1493D7}"/>
+              </a:ext>
+            </a:extLst>
+          </p:cNvPr>
+          <p:cNvSpPr txBox="1">
+            <a:spLocks/>
+          </p:cNvSpPr>
+          <p:nvPr/>
+        </p:nvSpPr>
+        <p:spPr>
+          <a:xfrm>
+            <a:off x="1524000" y="1516449"/>
+            <a:ext cx="9144000" cy="4290585"/>
+          </a:xfrm>
+          <a:prstGeom prst="rect">
+            <a:avLst/>
+          </a:prstGeom>
+        </p:spPr>
+        <p:txBody>
+          <a:bodyPr vert="horz" lIns="91440" tIns="45720" rIns="91440" bIns="45720" rtlCol="0" anchor="b">
+            <a:normAutofit fontScale="97500"/>
+          </a:bodyPr>
+          <a:lstStyle>
+            <a:lvl1pPr algn="ctr" defTabSz="914400" rtl="0" eaLnBrk="1" latinLnBrk="0" hangingPunct="1">
+              <a:lnSpc>
+                <a:spcPct val="90000"/>
+              </a:lnSpc>
+              <a:spcBef>
+                <a:spcPct val="0"/>
+              </a:spcBef>
+              <a:buNone/>
+              <a:defRPr sz="6000" kern="1200">
+                <a:solidFill>
+                  <a:schemeClr val="tx1"/>
+                </a:solidFill>
+                <a:latin typeface="+mj-lt"/>
+                <a:ea typeface="+mj-ea"/>
+                <a:cs typeface="+mj-cs"/>
+              </a:defRPr>
+            </a:lvl1pPr>
+          </a:lstStyle>
+          <a:p>
+            <a:pPr algn="l"/>
+            <a:endParaRPr lang="en-US" sz="3100" dirty="0"/>
+          </a:p>
+          <a:p>
+            <a:pPr algn="l"/>
+            <a:endParaRPr lang="en-US" sz="3100" dirty="0"/>
+          </a:p>
+          <a:p>
+            <a:pPr algn="l"/>
+            <a:endParaRPr lang="en-US" sz="3100" dirty="0"/>
+          </a:p>
+          <a:p>
+            <a:pPr algn="l"/>
+            <a:endParaRPr lang="en-US" sz="3100" dirty="0"/>
+          </a:p>
+          <a:p>
+            <a:pPr algn="l"/>
+            <a:endParaRPr lang="en-US" sz="3000" dirty="0"/>
+          </a:p>
+          <a:p>
+            <a:pPr algn="l"/>
+            <a:endParaRPr lang="en-US" sz="3000" dirty="0"/>
+          </a:p>
+        </p:txBody>
+      </p:sp>
+      <p:sp>
+        <p:nvSpPr>
+          <p:cNvPr id="39" name="Footer Placeholder 3">
+            <a:extLst>
+              <a:ext uri="{FF2B5EF4-FFF2-40B4-BE49-F238E27FC236}">
+                <a16:creationId xmlns:a16="http://schemas.microsoft.com/office/drawing/2014/main" id="{77EF4DA7-E5CF-896F-45E0-B1D58FD59B96}"/>
+              </a:ext>
+            </a:extLst>
+          </p:cNvPr>
+          <p:cNvSpPr>
+            <a:spLocks noGrp="1"/>
+          </p:cNvSpPr>
+          <p:nvPr>
+            <p:ph type="ftr" sz="quarter" idx="11"/>
+          </p:nvPr>
+        </p:nvSpPr>
+        <p:spPr>
+          <a:xfrm>
+            <a:off x="0" y="6139541"/>
+            <a:ext cx="12192000" cy="718459"/>
+          </a:xfrm>
+          <a:ln w="28575">
+            <a:solidFill>
+              <a:schemeClr val="accent5">
+                <a:lumMod val="50000"/>
+              </a:schemeClr>
+            </a:solidFill>
+          </a:ln>
+        </p:spPr>
+        <p:txBody>
+          <a:bodyPr/>
+          <a:lstStyle/>
+          <a:p>
+            <a:pPr lvl="1" algn="r"/>
+            <a:r>
+              <a:rPr lang="en-US" sz="1200" b="1" dirty="0"/>
+              <a:t>CCDATS1L</a:t>
+            </a:r>
+            <a:endParaRPr lang="en-PH" sz="1200" b="1" dirty="0"/>
+          </a:p>
+        </p:txBody>
+      </p:sp>
+      <p:sp>
+        <p:nvSpPr>
+          <p:cNvPr id="2" name="Title 1">
+            <a:extLst>
+              <a:ext uri="{FF2B5EF4-FFF2-40B4-BE49-F238E27FC236}">
+                <a16:creationId xmlns:a16="http://schemas.microsoft.com/office/drawing/2014/main" id="{79EF1114-32BB-A28C-0B44-90073AA32F6C}"/>
+              </a:ext>
+            </a:extLst>
+          </p:cNvPr>
+          <p:cNvSpPr txBox="1">
+            <a:spLocks/>
+          </p:cNvSpPr>
+          <p:nvPr/>
+        </p:nvSpPr>
+        <p:spPr>
+          <a:xfrm>
+            <a:off x="459205" y="1283707"/>
+            <a:ext cx="11273589" cy="4290585"/>
+          </a:xfrm>
+          <a:prstGeom prst="rect">
+            <a:avLst/>
+          </a:prstGeom>
+        </p:spPr>
+        <p:txBody>
+          <a:bodyPr vert="horz" lIns="91440" tIns="45720" rIns="91440" bIns="45720" rtlCol="0" anchor="b">
+            <a:normAutofit fontScale="97500"/>
+          </a:bodyPr>
+          <a:lstStyle>
+            <a:lvl1pPr algn="ctr" defTabSz="914400" rtl="0" eaLnBrk="1" latinLnBrk="0" hangingPunct="1">
+              <a:lnSpc>
+                <a:spcPct val="90000"/>
+              </a:lnSpc>
+              <a:spcBef>
+                <a:spcPct val="0"/>
+              </a:spcBef>
+              <a:buNone/>
+              <a:defRPr sz="6000" kern="1200">
+                <a:solidFill>
+                  <a:schemeClr val="tx1"/>
+                </a:solidFill>
+                <a:latin typeface="+mj-lt"/>
+                <a:ea typeface="+mj-ea"/>
+                <a:cs typeface="+mj-cs"/>
+              </a:defRPr>
+            </a:lvl1pPr>
+          </a:lstStyle>
+          <a:p>
+            <a:pPr algn="l"/>
+            <a:endParaRPr lang="en-US" sz="2900" b="1" i="0" dirty="0">
+              <a:solidFill>
+                <a:schemeClr val="tx1">
+                  <a:lumMod val="50000"/>
+                  <a:lumOff val="50000"/>
+                </a:schemeClr>
+              </a:solidFill>
+              <a:effectLst/>
+              <a:latin typeface="Calibri Light (Headings)"/>
+            </a:endParaRPr>
+          </a:p>
+          <a:p>
+            <a:pPr marL="457200" indent="-457200" algn="l">
+              <a:buFont typeface="Wingdings" pitchFamily="2" charset="2"/>
+              <a:buChar char="Ø"/>
+            </a:pPr>
+            <a:r>
+              <a:rPr lang="en-US" sz="2900" b="1" dirty="0">
+                <a:solidFill>
+                  <a:schemeClr val="tx1">
+                    <a:lumMod val="50000"/>
+                    <a:lumOff val="50000"/>
+                  </a:schemeClr>
+                </a:solidFill>
+                <a:latin typeface="Calibri Light (Headings)"/>
+              </a:rPr>
+              <a:t>What is a t-test?</a:t>
+            </a:r>
+          </a:p>
+          <a:p>
+            <a:pPr algn="l"/>
+            <a:endParaRPr lang="en-US" sz="2900" b="1" i="0" dirty="0">
+              <a:effectLst/>
+              <a:latin typeface="Calibri Light (Headings)"/>
+            </a:endParaRPr>
+          </a:p>
+          <a:p>
+            <a:pPr marL="457200" indent="-457200" algn="l">
+              <a:buFont typeface="Wingdings" pitchFamily="2" charset="2"/>
+              <a:buChar char="Ø"/>
+            </a:pPr>
+            <a:r>
+              <a:rPr lang="en-US" sz="2900" b="1" dirty="0">
+                <a:latin typeface="Calibri Light (Headings)"/>
+              </a:rPr>
+              <a:t>Types of t-test</a:t>
+            </a:r>
+          </a:p>
+          <a:p>
             <a:pPr marL="457200" indent="-457200" algn="l">
               <a:buFont typeface="Wingdings" pitchFamily="2" charset="2"/>
               <a:buChar char="Ø"/>
@@ -4404,6 +10357,111 @@
               <a:latin typeface="Calibri Light (Headings)"/>
             </a:endParaRPr>
           </a:p>
+          <a:p>
+            <a:pPr marL="457200" indent="-457200" algn="l">
+              <a:buFont typeface="Wingdings" pitchFamily="2" charset="2"/>
+              <a:buChar char="Ø"/>
+            </a:pPr>
+            <a:r>
+              <a:rPr lang="en-US" sz="2900" b="1" dirty="0">
+                <a:solidFill>
+                  <a:schemeClr val="tx1">
+                    <a:lumMod val="50000"/>
+                    <a:lumOff val="50000"/>
+                  </a:schemeClr>
+                </a:solidFill>
+                <a:latin typeface="Calibri Light (Headings)"/>
+              </a:rPr>
+              <a:t>Examples of t-test</a:t>
+            </a:r>
+          </a:p>
+          <a:p>
+            <a:pPr marL="457200" indent="-457200" algn="l">
+              <a:buFont typeface="Wingdings" pitchFamily="2" charset="2"/>
+              <a:buChar char="Ø"/>
+            </a:pPr>
+            <a:endParaRPr lang="en-US" sz="2900" b="1" dirty="0">
+              <a:solidFill>
+                <a:schemeClr val="tx1">
+                  <a:lumMod val="50000"/>
+                  <a:lumOff val="50000"/>
+                </a:schemeClr>
+              </a:solidFill>
+              <a:latin typeface="Calibri Light (Headings)"/>
+            </a:endParaRPr>
+          </a:p>
+          <a:p>
+            <a:pPr marL="457200" indent="-457200" algn="l">
+              <a:buFont typeface="Wingdings" pitchFamily="2" charset="2"/>
+              <a:buChar char="Ø"/>
+            </a:pPr>
+            <a:endParaRPr lang="en-US" sz="2900" b="1" dirty="0">
+              <a:solidFill>
+                <a:schemeClr val="tx1">
+                  <a:lumMod val="50000"/>
+                  <a:lumOff val="50000"/>
+                </a:schemeClr>
+              </a:solidFill>
+              <a:latin typeface="Calibri Light (Headings)"/>
+            </a:endParaRPr>
+          </a:p>
+          <a:p>
+            <a:pPr marL="457200" indent="-457200" algn="l">
+              <a:buFont typeface="Wingdings" pitchFamily="2" charset="2"/>
+              <a:buChar char="Ø"/>
+            </a:pPr>
+            <a:endParaRPr lang="en-US" sz="2900" b="1" dirty="0">
+              <a:solidFill>
+                <a:schemeClr val="tx1">
+                  <a:lumMod val="50000"/>
+                  <a:lumOff val="50000"/>
+                </a:schemeClr>
+              </a:solidFill>
+              <a:latin typeface="Calibri Light (Headings)"/>
+            </a:endParaRPr>
+          </a:p>
+          <a:p>
+            <a:pPr marL="457200" indent="-457200" algn="l">
+              <a:buFont typeface="Wingdings" pitchFamily="2" charset="2"/>
+              <a:buChar char="Ø"/>
+            </a:pPr>
+            <a:endParaRPr lang="en-US" sz="2900" b="1" dirty="0">
+              <a:solidFill>
+                <a:schemeClr val="tx1">
+                  <a:lumMod val="50000"/>
+                  <a:lumOff val="50000"/>
+                </a:schemeClr>
+              </a:solidFill>
+              <a:latin typeface="Calibri Light (Headings)"/>
+            </a:endParaRPr>
+          </a:p>
+          <a:p>
+            <a:pPr marL="457200" indent="-457200" algn="l">
+              <a:buFont typeface="Wingdings" pitchFamily="2" charset="2"/>
+              <a:buChar char="Ø"/>
+            </a:pPr>
+            <a:endParaRPr lang="en-US" sz="2900" b="1" dirty="0">
+              <a:solidFill>
+                <a:schemeClr val="tx1">
+                  <a:lumMod val="50000"/>
+                  <a:lumOff val="50000"/>
+                </a:schemeClr>
+              </a:solidFill>
+              <a:latin typeface="Calibri Light (Headings)"/>
+            </a:endParaRPr>
+          </a:p>
+          <a:p>
+            <a:pPr algn="l"/>
+            <a:endParaRPr lang="en-US" sz="2900" b="1" dirty="0">
+              <a:solidFill>
+                <a:schemeClr val="tx1">
+                  <a:lumMod val="50000"/>
+                  <a:lumOff val="50000"/>
+                </a:schemeClr>
+              </a:solidFill>
+              <a:latin typeface="Calibri Light (Headings)"/>
+            </a:endParaRPr>
+          </a:p>
         </p:txBody>
       </p:sp>
       <p:sp>
@@ -4435,18 +10493,1100 @@
           <a:lstStyle/>
           <a:p>
             <a:pPr algn="l"/>
-            <a:r>
-              <a:rPr lang="en-US" sz="4500" b="1" dirty="0"/>
-              <a:t>Outline</a:t>
-            </a:r>
             <a:endParaRPr lang="en-PH" sz="4500" b="1" dirty="0"/>
           </a:p>
         </p:txBody>
       </p:sp>
+      <p:pic>
+        <p:nvPicPr>
+          <p:cNvPr id="3" name="Graphic 2" descr="Checkmark with solid fill">
+            <a:extLst>
+              <a:ext uri="{FF2B5EF4-FFF2-40B4-BE49-F238E27FC236}">
+                <a16:creationId xmlns:a16="http://schemas.microsoft.com/office/drawing/2014/main" id="{A6BEF714-ECDA-ED82-EA83-1EE49846C9A3}"/>
+              </a:ext>
+            </a:extLst>
+          </p:cNvPr>
+          <p:cNvPicPr>
+            <a:picLocks noChangeAspect="1"/>
+          </p:cNvPicPr>
+          <p:nvPr/>
+        </p:nvPicPr>
+        <p:blipFill>
+          <a:blip r:embed="rId4">
+            <a:extLst>
+              <a:ext uri="{28A0092B-C50C-407E-A947-70E740481C1C}">
+                <a14:useLocalDpi xmlns:a14="http://schemas.microsoft.com/office/drawing/2010/main" val="0"/>
+              </a:ext>
+              <a:ext uri="{96DAC541-7B7A-43D3-8B79-37D633B846F1}">
+                <asvg:svgBlip xmlns:asvg="http://schemas.microsoft.com/office/drawing/2016/SVG/main" r:embed="rId5"/>
+              </a:ext>
+            </a:extLst>
+          </a:blip>
+          <a:stretch>
+            <a:fillRect/>
+          </a:stretch>
+        </p:blipFill>
+        <p:spPr>
+          <a:xfrm>
+            <a:off x="3544437" y="1077687"/>
+            <a:ext cx="673335" cy="673335"/>
+          </a:xfrm>
+          <a:prstGeom prst="rect">
+            <a:avLst/>
+          </a:prstGeom>
+        </p:spPr>
+      </p:pic>
     </p:spTree>
     <p:extLst>
       <p:ext uri="{BB962C8B-B14F-4D97-AF65-F5344CB8AC3E}">
-        <p14:creationId xmlns:p14="http://schemas.microsoft.com/office/powerpoint/2010/main" val="1181416942"/>
+        <p14:creationId xmlns:p14="http://schemas.microsoft.com/office/powerpoint/2010/main" val="1048325873"/>
+      </p:ext>
+    </p:extLst>
+  </p:cSld>
+  <p:clrMapOvr>
+    <a:masterClrMapping/>
+  </p:clrMapOvr>
+</p:sld>
+</file>
+
+<file path=ppt/slides/slide7.xml><?xml version="1.0" encoding="utf-8"?>
+<p:sld xmlns:a="http://schemas.openxmlformats.org/drawingml/2006/main" xmlns:r="http://schemas.openxmlformats.org/officeDocument/2006/relationships" xmlns:p="http://schemas.openxmlformats.org/presentationml/2006/main">
+  <p:cSld>
+    <p:bg>
+      <p:bgPr>
+        <a:blipFill dpi="0" rotWithShape="1">
+          <a:blip r:embed="rId3">
+            <a:alphaModFix amt="99000"/>
+            <a:lum/>
+          </a:blip>
+          <a:srcRect/>
+          <a:stretch>
+            <a:fillRect t="89000" r="85000" b="-1000"/>
+          </a:stretch>
+        </a:blipFill>
+        <a:effectLst/>
+      </p:bgPr>
+    </p:bg>
+    <p:spTree>
+      <p:nvGrpSpPr>
+        <p:cNvPr id="1" name=""/>
+        <p:cNvGrpSpPr/>
+        <p:nvPr/>
+      </p:nvGrpSpPr>
+      <p:grpSpPr>
+        <a:xfrm>
+          <a:off x="0" y="0"/>
+          <a:ext cx="0" cy="0"/>
+          <a:chOff x="0" y="0"/>
+          <a:chExt cx="0" cy="0"/>
+        </a:xfrm>
+      </p:grpSpPr>
+      <p:sp>
+        <p:nvSpPr>
+          <p:cNvPr id="5" name="Title 1">
+            <a:extLst>
+              <a:ext uri="{FF2B5EF4-FFF2-40B4-BE49-F238E27FC236}">
+                <a16:creationId xmlns:a16="http://schemas.microsoft.com/office/drawing/2014/main" id="{3444037F-B658-D82C-5DCA-53E8AA1493D7}"/>
+              </a:ext>
+            </a:extLst>
+          </p:cNvPr>
+          <p:cNvSpPr txBox="1">
+            <a:spLocks/>
+          </p:cNvSpPr>
+          <p:nvPr/>
+        </p:nvSpPr>
+        <p:spPr>
+          <a:xfrm>
+            <a:off x="1524000" y="1516449"/>
+            <a:ext cx="9144000" cy="4290585"/>
+          </a:xfrm>
+          <a:prstGeom prst="rect">
+            <a:avLst/>
+          </a:prstGeom>
+        </p:spPr>
+        <p:txBody>
+          <a:bodyPr vert="horz" lIns="91440" tIns="45720" rIns="91440" bIns="45720" rtlCol="0" anchor="b">
+            <a:normAutofit fontScale="97500"/>
+          </a:bodyPr>
+          <a:lstStyle>
+            <a:lvl1pPr algn="ctr" defTabSz="914400" rtl="0" eaLnBrk="1" latinLnBrk="0" hangingPunct="1">
+              <a:lnSpc>
+                <a:spcPct val="90000"/>
+              </a:lnSpc>
+              <a:spcBef>
+                <a:spcPct val="0"/>
+              </a:spcBef>
+              <a:buNone/>
+              <a:defRPr sz="6000" kern="1200">
+                <a:solidFill>
+                  <a:schemeClr val="tx1"/>
+                </a:solidFill>
+                <a:latin typeface="+mj-lt"/>
+                <a:ea typeface="+mj-ea"/>
+                <a:cs typeface="+mj-cs"/>
+              </a:defRPr>
+            </a:lvl1pPr>
+          </a:lstStyle>
+          <a:p>
+            <a:pPr algn="l"/>
+            <a:endParaRPr lang="en-US" sz="3100" dirty="0"/>
+          </a:p>
+          <a:p>
+            <a:pPr algn="l"/>
+            <a:endParaRPr lang="en-US" sz="3100" dirty="0"/>
+          </a:p>
+          <a:p>
+            <a:pPr algn="l"/>
+            <a:endParaRPr lang="en-US" sz="3100" dirty="0"/>
+          </a:p>
+          <a:p>
+            <a:pPr algn="l"/>
+            <a:endParaRPr lang="en-US" sz="3100" dirty="0"/>
+          </a:p>
+          <a:p>
+            <a:pPr algn="l"/>
+            <a:endParaRPr lang="en-US" sz="3000" dirty="0"/>
+          </a:p>
+          <a:p>
+            <a:pPr algn="l"/>
+            <a:endParaRPr lang="en-US" sz="3000" dirty="0"/>
+          </a:p>
+        </p:txBody>
+      </p:sp>
+      <p:sp>
+        <p:nvSpPr>
+          <p:cNvPr id="39" name="Footer Placeholder 3">
+            <a:extLst>
+              <a:ext uri="{FF2B5EF4-FFF2-40B4-BE49-F238E27FC236}">
+                <a16:creationId xmlns:a16="http://schemas.microsoft.com/office/drawing/2014/main" id="{77EF4DA7-E5CF-896F-45E0-B1D58FD59B96}"/>
+              </a:ext>
+            </a:extLst>
+          </p:cNvPr>
+          <p:cNvSpPr>
+            <a:spLocks noGrp="1"/>
+          </p:cNvSpPr>
+          <p:nvPr>
+            <p:ph type="ftr" sz="quarter" idx="11"/>
+          </p:nvPr>
+        </p:nvSpPr>
+        <p:spPr>
+          <a:xfrm>
+            <a:off x="0" y="6139541"/>
+            <a:ext cx="12192000" cy="718459"/>
+          </a:xfrm>
+          <a:ln w="28575">
+            <a:solidFill>
+              <a:schemeClr val="accent5">
+                <a:lumMod val="50000"/>
+              </a:schemeClr>
+            </a:solidFill>
+          </a:ln>
+        </p:spPr>
+        <p:txBody>
+          <a:bodyPr/>
+          <a:lstStyle/>
+          <a:p>
+            <a:pPr lvl="1" algn="r"/>
+            <a:r>
+              <a:rPr lang="en-US" sz="1200" b="1" dirty="0"/>
+              <a:t>CCDATS1L</a:t>
+            </a:r>
+            <a:endParaRPr lang="en-PH" sz="1200" b="1" dirty="0"/>
+          </a:p>
+        </p:txBody>
+      </p:sp>
+      <p:sp>
+        <p:nvSpPr>
+          <p:cNvPr id="2" name="Title 1">
+            <a:extLst>
+              <a:ext uri="{FF2B5EF4-FFF2-40B4-BE49-F238E27FC236}">
+                <a16:creationId xmlns:a16="http://schemas.microsoft.com/office/drawing/2014/main" id="{79EF1114-32BB-A28C-0B44-90073AA32F6C}"/>
+              </a:ext>
+            </a:extLst>
+          </p:cNvPr>
+          <p:cNvSpPr txBox="1">
+            <a:spLocks/>
+          </p:cNvSpPr>
+          <p:nvPr/>
+        </p:nvSpPr>
+        <p:spPr>
+          <a:xfrm>
+            <a:off x="459205" y="1516449"/>
+            <a:ext cx="11273589" cy="2211860"/>
+          </a:xfrm>
+          <a:prstGeom prst="rect">
+            <a:avLst/>
+          </a:prstGeom>
+        </p:spPr>
+        <p:txBody>
+          <a:bodyPr vert="horz" lIns="91440" tIns="45720" rIns="91440" bIns="45720" rtlCol="0" anchor="b">
+            <a:noAutofit/>
+          </a:bodyPr>
+          <a:lstStyle>
+            <a:lvl1pPr algn="ctr" defTabSz="914400" rtl="0" eaLnBrk="1" latinLnBrk="0" hangingPunct="1">
+              <a:lnSpc>
+                <a:spcPct val="90000"/>
+              </a:lnSpc>
+              <a:spcBef>
+                <a:spcPct val="0"/>
+              </a:spcBef>
+              <a:buNone/>
+              <a:defRPr sz="6000" kern="1200">
+                <a:solidFill>
+                  <a:schemeClr val="tx1"/>
+                </a:solidFill>
+                <a:latin typeface="+mj-lt"/>
+                <a:ea typeface="+mj-ea"/>
+                <a:cs typeface="+mj-cs"/>
+              </a:defRPr>
+            </a:lvl1pPr>
+          </a:lstStyle>
+          <a:p>
+            <a:pPr marL="457200" indent="-457200" algn="l">
+              <a:buFont typeface="Wingdings" pitchFamily="2" charset="2"/>
+              <a:buChar char="Ø"/>
+            </a:pPr>
+            <a:r>
+              <a:rPr lang="en-PH" sz="3000" dirty="0">
+                <a:latin typeface="+mn-lt"/>
+              </a:rPr>
+              <a:t>An </a:t>
+            </a:r>
+            <a:r>
+              <a:rPr lang="en-PH" sz="3000" b="1" dirty="0">
+                <a:solidFill>
+                  <a:srgbClr val="00B0F0"/>
+                </a:solidFill>
+                <a:latin typeface="+mn-lt"/>
+              </a:rPr>
+              <a:t>independent samples t-test </a:t>
+            </a:r>
+          </a:p>
+          <a:p>
+            <a:pPr marL="457200" indent="-457200" algn="l">
+              <a:buFont typeface="Wingdings" pitchFamily="2" charset="2"/>
+              <a:buChar char="Ø"/>
+            </a:pPr>
+            <a:endParaRPr lang="en-PH" sz="3000" dirty="0">
+              <a:latin typeface="+mn-lt"/>
+            </a:endParaRPr>
+          </a:p>
+          <a:p>
+            <a:pPr marL="457200" indent="-457200" algn="l">
+              <a:buFont typeface="Wingdings" pitchFamily="2" charset="2"/>
+              <a:buChar char="Ø"/>
+            </a:pPr>
+            <a:r>
+              <a:rPr lang="en-PH" sz="3000" dirty="0">
+                <a:latin typeface="+mn-lt"/>
+              </a:rPr>
+              <a:t>A </a:t>
+            </a:r>
+            <a:r>
+              <a:rPr lang="en-PH" sz="3000" b="1" dirty="0">
+                <a:solidFill>
+                  <a:srgbClr val="00B0F0"/>
+                </a:solidFill>
+                <a:latin typeface="+mn-lt"/>
+              </a:rPr>
+              <a:t>paired sample t-test</a:t>
+            </a:r>
+          </a:p>
+          <a:p>
+            <a:pPr marL="457200" indent="-457200" algn="l">
+              <a:buFont typeface="Wingdings" pitchFamily="2" charset="2"/>
+              <a:buChar char="Ø"/>
+            </a:pPr>
+            <a:endParaRPr lang="en-PH" sz="3000" dirty="0">
+              <a:latin typeface="+mn-lt"/>
+            </a:endParaRPr>
+          </a:p>
+          <a:p>
+            <a:pPr marL="457200" indent="-457200" algn="l">
+              <a:buFont typeface="Wingdings" pitchFamily="2" charset="2"/>
+              <a:buChar char="Ø"/>
+            </a:pPr>
+            <a:r>
+              <a:rPr lang="en-PH" sz="3000" dirty="0">
+                <a:latin typeface="+mn-lt"/>
+              </a:rPr>
+              <a:t>A </a:t>
+            </a:r>
+            <a:r>
+              <a:rPr lang="en-PH" sz="3000" b="1" dirty="0">
+                <a:solidFill>
+                  <a:srgbClr val="00B0F0"/>
+                </a:solidFill>
+                <a:latin typeface="+mn-lt"/>
+              </a:rPr>
+              <a:t>one sample t-test</a:t>
+            </a:r>
+            <a:endParaRPr lang="en-PH" sz="3000" dirty="0">
+              <a:latin typeface="+mn-lt"/>
+            </a:endParaRPr>
+          </a:p>
+        </p:txBody>
+      </p:sp>
+      <p:sp>
+        <p:nvSpPr>
+          <p:cNvPr id="7" name="Title 1">
+            <a:extLst>
+              <a:ext uri="{FF2B5EF4-FFF2-40B4-BE49-F238E27FC236}">
+                <a16:creationId xmlns:a16="http://schemas.microsoft.com/office/drawing/2014/main" id="{F9F68FD0-4734-F88A-26AE-8BD1D795B778}"/>
+              </a:ext>
+            </a:extLst>
+          </p:cNvPr>
+          <p:cNvSpPr>
+            <a:spLocks noGrp="1"/>
+          </p:cNvSpPr>
+          <p:nvPr>
+            <p:ph type="ctrTitle"/>
+          </p:nvPr>
+        </p:nvSpPr>
+        <p:spPr>
+          <a:xfrm>
+            <a:off x="459205" y="359228"/>
+            <a:ext cx="11273589" cy="718459"/>
+          </a:xfrm>
+        </p:spPr>
+        <p:txBody>
+          <a:bodyPr>
+            <a:noAutofit/>
+          </a:bodyPr>
+          <a:lstStyle/>
+          <a:p>
+            <a:r>
+              <a:rPr lang="en-US" sz="5000" b="1" dirty="0"/>
+              <a:t>Types of t-test</a:t>
+            </a:r>
+            <a:endParaRPr lang="en-PH" sz="5000" b="1" dirty="0"/>
+          </a:p>
+        </p:txBody>
+      </p:sp>
+    </p:spTree>
+    <p:extLst>
+      <p:ext uri="{BB962C8B-B14F-4D97-AF65-F5344CB8AC3E}">
+        <p14:creationId xmlns:p14="http://schemas.microsoft.com/office/powerpoint/2010/main" val="398953976"/>
+      </p:ext>
+    </p:extLst>
+  </p:cSld>
+  <p:clrMapOvr>
+    <a:masterClrMapping/>
+  </p:clrMapOvr>
+</p:sld>
+</file>
+
+<file path=ppt/slides/slide8.xml><?xml version="1.0" encoding="utf-8"?>
+<p:sld xmlns:a="http://schemas.openxmlformats.org/drawingml/2006/main" xmlns:r="http://schemas.openxmlformats.org/officeDocument/2006/relationships" xmlns:p="http://schemas.openxmlformats.org/presentationml/2006/main">
+  <p:cSld>
+    <p:bg>
+      <p:bgPr>
+        <a:blipFill dpi="0" rotWithShape="1">
+          <a:blip r:embed="rId3">
+            <a:alphaModFix amt="99000"/>
+            <a:lum/>
+          </a:blip>
+          <a:srcRect/>
+          <a:stretch>
+            <a:fillRect t="89000" r="85000" b="-1000"/>
+          </a:stretch>
+        </a:blipFill>
+        <a:effectLst/>
+      </p:bgPr>
+    </p:bg>
+    <p:spTree>
+      <p:nvGrpSpPr>
+        <p:cNvPr id="1" name=""/>
+        <p:cNvGrpSpPr/>
+        <p:nvPr/>
+      </p:nvGrpSpPr>
+      <p:grpSpPr>
+        <a:xfrm>
+          <a:off x="0" y="0"/>
+          <a:ext cx="0" cy="0"/>
+          <a:chOff x="0" y="0"/>
+          <a:chExt cx="0" cy="0"/>
+        </a:xfrm>
+      </p:grpSpPr>
+      <p:sp>
+        <p:nvSpPr>
+          <p:cNvPr id="5" name="Title 1">
+            <a:extLst>
+              <a:ext uri="{FF2B5EF4-FFF2-40B4-BE49-F238E27FC236}">
+                <a16:creationId xmlns:a16="http://schemas.microsoft.com/office/drawing/2014/main" id="{3444037F-B658-D82C-5DCA-53E8AA1493D7}"/>
+              </a:ext>
+            </a:extLst>
+          </p:cNvPr>
+          <p:cNvSpPr txBox="1">
+            <a:spLocks/>
+          </p:cNvSpPr>
+          <p:nvPr/>
+        </p:nvSpPr>
+        <p:spPr>
+          <a:xfrm>
+            <a:off x="1524000" y="1516449"/>
+            <a:ext cx="9144000" cy="4290585"/>
+          </a:xfrm>
+          <a:prstGeom prst="rect">
+            <a:avLst/>
+          </a:prstGeom>
+        </p:spPr>
+        <p:txBody>
+          <a:bodyPr vert="horz" lIns="91440" tIns="45720" rIns="91440" bIns="45720" rtlCol="0" anchor="b">
+            <a:normAutofit fontScale="97500"/>
+          </a:bodyPr>
+          <a:lstStyle>
+            <a:lvl1pPr algn="ctr" defTabSz="914400" rtl="0" eaLnBrk="1" latinLnBrk="0" hangingPunct="1">
+              <a:lnSpc>
+                <a:spcPct val="90000"/>
+              </a:lnSpc>
+              <a:spcBef>
+                <a:spcPct val="0"/>
+              </a:spcBef>
+              <a:buNone/>
+              <a:defRPr sz="6000" kern="1200">
+                <a:solidFill>
+                  <a:schemeClr val="tx1"/>
+                </a:solidFill>
+                <a:latin typeface="+mj-lt"/>
+                <a:ea typeface="+mj-ea"/>
+                <a:cs typeface="+mj-cs"/>
+              </a:defRPr>
+            </a:lvl1pPr>
+          </a:lstStyle>
+          <a:p>
+            <a:pPr algn="l"/>
+            <a:endParaRPr lang="en-US" sz="3100" dirty="0"/>
+          </a:p>
+          <a:p>
+            <a:pPr algn="l"/>
+            <a:endParaRPr lang="en-US" sz="3100" dirty="0"/>
+          </a:p>
+          <a:p>
+            <a:pPr algn="l"/>
+            <a:endParaRPr lang="en-US" sz="3100" dirty="0"/>
+          </a:p>
+          <a:p>
+            <a:pPr algn="l"/>
+            <a:endParaRPr lang="en-US" sz="3100" dirty="0"/>
+          </a:p>
+          <a:p>
+            <a:pPr algn="l"/>
+            <a:endParaRPr lang="en-US" sz="3000" dirty="0"/>
+          </a:p>
+          <a:p>
+            <a:pPr algn="l"/>
+            <a:endParaRPr lang="en-US" sz="3000" dirty="0"/>
+          </a:p>
+        </p:txBody>
+      </p:sp>
+      <p:sp>
+        <p:nvSpPr>
+          <p:cNvPr id="39" name="Footer Placeholder 3">
+            <a:extLst>
+              <a:ext uri="{FF2B5EF4-FFF2-40B4-BE49-F238E27FC236}">
+                <a16:creationId xmlns:a16="http://schemas.microsoft.com/office/drawing/2014/main" id="{77EF4DA7-E5CF-896F-45E0-B1D58FD59B96}"/>
+              </a:ext>
+            </a:extLst>
+          </p:cNvPr>
+          <p:cNvSpPr>
+            <a:spLocks noGrp="1"/>
+          </p:cNvSpPr>
+          <p:nvPr>
+            <p:ph type="ftr" sz="quarter" idx="11"/>
+          </p:nvPr>
+        </p:nvSpPr>
+        <p:spPr>
+          <a:xfrm>
+            <a:off x="0" y="6139541"/>
+            <a:ext cx="12192000" cy="718459"/>
+          </a:xfrm>
+          <a:ln w="28575">
+            <a:solidFill>
+              <a:schemeClr val="accent5">
+                <a:lumMod val="50000"/>
+              </a:schemeClr>
+            </a:solidFill>
+          </a:ln>
+        </p:spPr>
+        <p:txBody>
+          <a:bodyPr/>
+          <a:lstStyle/>
+          <a:p>
+            <a:pPr lvl="1" algn="r"/>
+            <a:r>
+              <a:rPr lang="en-US" sz="1200" b="1" dirty="0"/>
+              <a:t>CCDATS1L</a:t>
+            </a:r>
+            <a:endParaRPr lang="en-PH" sz="1200" b="1" dirty="0"/>
+          </a:p>
+        </p:txBody>
+      </p:sp>
+      <p:sp>
+        <p:nvSpPr>
+          <p:cNvPr id="2" name="Title 1">
+            <a:extLst>
+              <a:ext uri="{FF2B5EF4-FFF2-40B4-BE49-F238E27FC236}">
+                <a16:creationId xmlns:a16="http://schemas.microsoft.com/office/drawing/2014/main" id="{79EF1114-32BB-A28C-0B44-90073AA32F6C}"/>
+              </a:ext>
+            </a:extLst>
+          </p:cNvPr>
+          <p:cNvSpPr txBox="1">
+            <a:spLocks/>
+          </p:cNvSpPr>
+          <p:nvPr/>
+        </p:nvSpPr>
+        <p:spPr>
+          <a:xfrm>
+            <a:off x="459205" y="1283707"/>
+            <a:ext cx="11273589" cy="4721677"/>
+          </a:xfrm>
+          <a:prstGeom prst="rect">
+            <a:avLst/>
+          </a:prstGeom>
+        </p:spPr>
+        <p:txBody>
+          <a:bodyPr vert="horz" lIns="91440" tIns="45720" rIns="91440" bIns="45720" rtlCol="0" anchor="b">
+            <a:noAutofit/>
+          </a:bodyPr>
+          <a:lstStyle>
+            <a:lvl1pPr algn="ctr" defTabSz="914400" rtl="0" eaLnBrk="1" latinLnBrk="0" hangingPunct="1">
+              <a:lnSpc>
+                <a:spcPct val="90000"/>
+              </a:lnSpc>
+              <a:spcBef>
+                <a:spcPct val="0"/>
+              </a:spcBef>
+              <a:buNone/>
+              <a:defRPr sz="6000" kern="1200">
+                <a:solidFill>
+                  <a:schemeClr val="tx1"/>
+                </a:solidFill>
+                <a:latin typeface="+mj-lt"/>
+                <a:ea typeface="+mj-ea"/>
+                <a:cs typeface="+mj-cs"/>
+              </a:defRPr>
+            </a:lvl1pPr>
+          </a:lstStyle>
+          <a:p>
+            <a:pPr algn="l"/>
+            <a:r>
+              <a:rPr lang="en-PH" sz="3000" dirty="0">
+                <a:latin typeface="+mn-lt"/>
+              </a:rPr>
+              <a:t>An </a:t>
+            </a:r>
+            <a:r>
+              <a:rPr lang="en-PH" sz="3000" b="1" dirty="0">
+                <a:solidFill>
+                  <a:srgbClr val="00B0F0"/>
+                </a:solidFill>
+                <a:latin typeface="+mn-lt"/>
+              </a:rPr>
+              <a:t>independent samples t-test </a:t>
+            </a:r>
+            <a:r>
+              <a:rPr lang="en-PH" sz="3000" dirty="0">
+                <a:latin typeface="+mn-lt"/>
+              </a:rPr>
+              <a:t>compares the means for two groups.</a:t>
+            </a:r>
+          </a:p>
+          <a:p>
+            <a:pPr algn="l"/>
+            <a:endParaRPr lang="en-PH" sz="3000" dirty="0">
+              <a:latin typeface="+mn-lt"/>
+            </a:endParaRPr>
+          </a:p>
+          <a:p>
+            <a:pPr algn="l">
+              <a:buFont typeface="Arial" panose="020B0604020202020204" pitchFamily="34" charset="0"/>
+              <a:buChar char="•"/>
+            </a:pPr>
+            <a:endParaRPr lang="en-PH" sz="3000" dirty="0">
+              <a:latin typeface="+mn-lt"/>
+            </a:endParaRPr>
+          </a:p>
+          <a:p>
+            <a:pPr algn="l">
+              <a:buFont typeface="Arial" panose="020B0604020202020204" pitchFamily="34" charset="0"/>
+              <a:buChar char="•"/>
+            </a:pPr>
+            <a:endParaRPr lang="en-PH" sz="3000" dirty="0">
+              <a:latin typeface="+mn-lt"/>
+            </a:endParaRPr>
+          </a:p>
+          <a:p>
+            <a:pPr algn="l">
+              <a:buFont typeface="Arial" panose="020B0604020202020204" pitchFamily="34" charset="0"/>
+              <a:buChar char="•"/>
+            </a:pPr>
+            <a:endParaRPr lang="en-PH" sz="3000" dirty="0">
+              <a:latin typeface="+mn-lt"/>
+            </a:endParaRPr>
+          </a:p>
+          <a:p>
+            <a:pPr algn="l">
+              <a:buFont typeface="Arial" panose="020B0604020202020204" pitchFamily="34" charset="0"/>
+              <a:buChar char="•"/>
+            </a:pPr>
+            <a:endParaRPr lang="en-PH" sz="3000" dirty="0">
+              <a:latin typeface="+mn-lt"/>
+            </a:endParaRPr>
+          </a:p>
+          <a:p>
+            <a:pPr algn="l">
+              <a:buFont typeface="Arial" panose="020B0604020202020204" pitchFamily="34" charset="0"/>
+              <a:buChar char="•"/>
+            </a:pPr>
+            <a:endParaRPr lang="en-PH" sz="3000" dirty="0">
+              <a:latin typeface="+mn-lt"/>
+            </a:endParaRPr>
+          </a:p>
+          <a:p>
+            <a:pPr algn="l">
+              <a:buFont typeface="Arial" panose="020B0604020202020204" pitchFamily="34" charset="0"/>
+              <a:buChar char="•"/>
+            </a:pPr>
+            <a:endParaRPr lang="en-PH" sz="3000" dirty="0">
+              <a:latin typeface="+mn-lt"/>
+            </a:endParaRPr>
+          </a:p>
+          <a:p>
+            <a:pPr algn="l"/>
+            <a:endParaRPr lang="en-PH" sz="3000" dirty="0">
+              <a:latin typeface="+mn-lt"/>
+            </a:endParaRPr>
+          </a:p>
+          <a:p>
+            <a:pPr algn="l"/>
+            <a:endParaRPr lang="en-PH" sz="3000" dirty="0">
+              <a:latin typeface="+mn-lt"/>
+            </a:endParaRPr>
+          </a:p>
+          <a:p>
+            <a:pPr algn="l"/>
+            <a:endParaRPr lang="en-PH" sz="3000" dirty="0">
+              <a:latin typeface="+mn-lt"/>
+            </a:endParaRPr>
+          </a:p>
+        </p:txBody>
+      </p:sp>
+      <p:sp>
+        <p:nvSpPr>
+          <p:cNvPr id="7" name="Title 1">
+            <a:extLst>
+              <a:ext uri="{FF2B5EF4-FFF2-40B4-BE49-F238E27FC236}">
+                <a16:creationId xmlns:a16="http://schemas.microsoft.com/office/drawing/2014/main" id="{F9F68FD0-4734-F88A-26AE-8BD1D795B778}"/>
+              </a:ext>
+            </a:extLst>
+          </p:cNvPr>
+          <p:cNvSpPr>
+            <a:spLocks noGrp="1"/>
+          </p:cNvSpPr>
+          <p:nvPr>
+            <p:ph type="ctrTitle"/>
+          </p:nvPr>
+        </p:nvSpPr>
+        <p:spPr>
+          <a:xfrm>
+            <a:off x="459205" y="359228"/>
+            <a:ext cx="11273589" cy="718459"/>
+          </a:xfrm>
+        </p:spPr>
+        <p:txBody>
+          <a:bodyPr>
+            <a:noAutofit/>
+          </a:bodyPr>
+          <a:lstStyle/>
+          <a:p>
+            <a:r>
+              <a:rPr lang="en-US" sz="5000" b="1" dirty="0"/>
+              <a:t>Types of t-test</a:t>
+            </a:r>
+            <a:endParaRPr lang="en-PH" sz="5000" b="1" dirty="0"/>
+          </a:p>
+        </p:txBody>
+      </p:sp>
+      <p:pic>
+        <p:nvPicPr>
+          <p:cNvPr id="4" name="Picture 3">
+            <a:extLst>
+              <a:ext uri="{FF2B5EF4-FFF2-40B4-BE49-F238E27FC236}">
+                <a16:creationId xmlns:a16="http://schemas.microsoft.com/office/drawing/2014/main" id="{DDA1F334-2E32-17D9-6084-2B6C712BF412}"/>
+              </a:ext>
+            </a:extLst>
+          </p:cNvPr>
+          <p:cNvPicPr>
+            <a:picLocks noChangeAspect="1"/>
+          </p:cNvPicPr>
+          <p:nvPr/>
+        </p:nvPicPr>
+        <p:blipFill>
+          <a:blip r:embed="rId4">
+            <a:extLst>
+              <a:ext uri="{28A0092B-C50C-407E-A947-70E740481C1C}">
+                <a14:useLocalDpi xmlns:a14="http://schemas.microsoft.com/office/drawing/2010/main" val="0"/>
+              </a:ext>
+            </a:extLst>
+          </a:blip>
+          <a:stretch>
+            <a:fillRect/>
+          </a:stretch>
+        </p:blipFill>
+        <p:spPr>
+          <a:xfrm>
+            <a:off x="3398537" y="1948924"/>
+            <a:ext cx="5394923" cy="4090852"/>
+          </a:xfrm>
+          <a:prstGeom prst="rect">
+            <a:avLst/>
+          </a:prstGeom>
+        </p:spPr>
+      </p:pic>
+    </p:spTree>
+    <p:extLst>
+      <p:ext uri="{BB962C8B-B14F-4D97-AF65-F5344CB8AC3E}">
+        <p14:creationId xmlns:p14="http://schemas.microsoft.com/office/powerpoint/2010/main" val="771450931"/>
+      </p:ext>
+    </p:extLst>
+  </p:cSld>
+  <p:clrMapOvr>
+    <a:masterClrMapping/>
+  </p:clrMapOvr>
+</p:sld>
+</file>
+
+<file path=ppt/slides/slide9.xml><?xml version="1.0" encoding="utf-8"?>
+<p:sld xmlns:a="http://schemas.openxmlformats.org/drawingml/2006/main" xmlns:r="http://schemas.openxmlformats.org/officeDocument/2006/relationships" xmlns:p="http://schemas.openxmlformats.org/presentationml/2006/main">
+  <p:cSld>
+    <p:bg>
+      <p:bgPr>
+        <a:blipFill dpi="0" rotWithShape="1">
+          <a:blip r:embed="rId3">
+            <a:alphaModFix amt="99000"/>
+            <a:lum/>
+          </a:blip>
+          <a:srcRect/>
+          <a:stretch>
+            <a:fillRect t="89000" r="85000" b="-1000"/>
+          </a:stretch>
+        </a:blipFill>
+        <a:effectLst/>
+      </p:bgPr>
+    </p:bg>
+    <p:spTree>
+      <p:nvGrpSpPr>
+        <p:cNvPr id="1" name=""/>
+        <p:cNvGrpSpPr/>
+        <p:nvPr/>
+      </p:nvGrpSpPr>
+      <p:grpSpPr>
+        <a:xfrm>
+          <a:off x="0" y="0"/>
+          <a:ext cx="0" cy="0"/>
+          <a:chOff x="0" y="0"/>
+          <a:chExt cx="0" cy="0"/>
+        </a:xfrm>
+      </p:grpSpPr>
+      <p:sp>
+        <p:nvSpPr>
+          <p:cNvPr id="5" name="Title 1">
+            <a:extLst>
+              <a:ext uri="{FF2B5EF4-FFF2-40B4-BE49-F238E27FC236}">
+                <a16:creationId xmlns:a16="http://schemas.microsoft.com/office/drawing/2014/main" id="{3444037F-B658-D82C-5DCA-53E8AA1493D7}"/>
+              </a:ext>
+            </a:extLst>
+          </p:cNvPr>
+          <p:cNvSpPr txBox="1">
+            <a:spLocks/>
+          </p:cNvSpPr>
+          <p:nvPr/>
+        </p:nvSpPr>
+        <p:spPr>
+          <a:xfrm>
+            <a:off x="1524000" y="1516449"/>
+            <a:ext cx="9144000" cy="4290585"/>
+          </a:xfrm>
+          <a:prstGeom prst="rect">
+            <a:avLst/>
+          </a:prstGeom>
+        </p:spPr>
+        <p:txBody>
+          <a:bodyPr vert="horz" lIns="91440" tIns="45720" rIns="91440" bIns="45720" rtlCol="0" anchor="b">
+            <a:normAutofit fontScale="97500"/>
+          </a:bodyPr>
+          <a:lstStyle>
+            <a:lvl1pPr algn="ctr" defTabSz="914400" rtl="0" eaLnBrk="1" latinLnBrk="0" hangingPunct="1">
+              <a:lnSpc>
+                <a:spcPct val="90000"/>
+              </a:lnSpc>
+              <a:spcBef>
+                <a:spcPct val="0"/>
+              </a:spcBef>
+              <a:buNone/>
+              <a:defRPr sz="6000" kern="1200">
+                <a:solidFill>
+                  <a:schemeClr val="tx1"/>
+                </a:solidFill>
+                <a:latin typeface="+mj-lt"/>
+                <a:ea typeface="+mj-ea"/>
+                <a:cs typeface="+mj-cs"/>
+              </a:defRPr>
+            </a:lvl1pPr>
+          </a:lstStyle>
+          <a:p>
+            <a:pPr algn="l"/>
+            <a:endParaRPr lang="en-US" sz="3100" dirty="0"/>
+          </a:p>
+          <a:p>
+            <a:pPr algn="l"/>
+            <a:endParaRPr lang="en-US" sz="3100" dirty="0"/>
+          </a:p>
+          <a:p>
+            <a:pPr algn="l"/>
+            <a:endParaRPr lang="en-US" sz="3100" dirty="0"/>
+          </a:p>
+          <a:p>
+            <a:pPr algn="l"/>
+            <a:endParaRPr lang="en-US" sz="3100" dirty="0"/>
+          </a:p>
+          <a:p>
+            <a:pPr algn="l"/>
+            <a:endParaRPr lang="en-US" sz="3000" dirty="0"/>
+          </a:p>
+          <a:p>
+            <a:pPr algn="l"/>
+            <a:endParaRPr lang="en-US" sz="3000" dirty="0"/>
+          </a:p>
+        </p:txBody>
+      </p:sp>
+      <p:sp>
+        <p:nvSpPr>
+          <p:cNvPr id="39" name="Footer Placeholder 3">
+            <a:extLst>
+              <a:ext uri="{FF2B5EF4-FFF2-40B4-BE49-F238E27FC236}">
+                <a16:creationId xmlns:a16="http://schemas.microsoft.com/office/drawing/2014/main" id="{77EF4DA7-E5CF-896F-45E0-B1D58FD59B96}"/>
+              </a:ext>
+            </a:extLst>
+          </p:cNvPr>
+          <p:cNvSpPr>
+            <a:spLocks noGrp="1"/>
+          </p:cNvSpPr>
+          <p:nvPr>
+            <p:ph type="ftr" sz="quarter" idx="11"/>
+          </p:nvPr>
+        </p:nvSpPr>
+        <p:spPr>
+          <a:xfrm>
+            <a:off x="0" y="6139541"/>
+            <a:ext cx="12192000" cy="718459"/>
+          </a:xfrm>
+          <a:ln w="28575">
+            <a:solidFill>
+              <a:schemeClr val="accent5">
+                <a:lumMod val="50000"/>
+              </a:schemeClr>
+            </a:solidFill>
+          </a:ln>
+        </p:spPr>
+        <p:txBody>
+          <a:bodyPr/>
+          <a:lstStyle/>
+          <a:p>
+            <a:pPr lvl="1" algn="r"/>
+            <a:r>
+              <a:rPr lang="en-US" sz="1200" b="1" dirty="0"/>
+              <a:t>CCDATS1L</a:t>
+            </a:r>
+            <a:endParaRPr lang="en-PH" sz="1200" b="1" dirty="0"/>
+          </a:p>
+        </p:txBody>
+      </p:sp>
+      <p:sp>
+        <p:nvSpPr>
+          <p:cNvPr id="2" name="Title 1">
+            <a:extLst>
+              <a:ext uri="{FF2B5EF4-FFF2-40B4-BE49-F238E27FC236}">
+                <a16:creationId xmlns:a16="http://schemas.microsoft.com/office/drawing/2014/main" id="{79EF1114-32BB-A28C-0B44-90073AA32F6C}"/>
+              </a:ext>
+            </a:extLst>
+          </p:cNvPr>
+          <p:cNvSpPr txBox="1">
+            <a:spLocks/>
+          </p:cNvSpPr>
+          <p:nvPr/>
+        </p:nvSpPr>
+        <p:spPr>
+          <a:xfrm>
+            <a:off x="480642" y="1350196"/>
+            <a:ext cx="11273589" cy="968221"/>
+          </a:xfrm>
+          <a:prstGeom prst="rect">
+            <a:avLst/>
+          </a:prstGeom>
+        </p:spPr>
+        <p:txBody>
+          <a:bodyPr vert="horz" lIns="91440" tIns="45720" rIns="91440" bIns="45720" rtlCol="0" anchor="b">
+            <a:noAutofit/>
+          </a:bodyPr>
+          <a:lstStyle>
+            <a:lvl1pPr algn="ctr" defTabSz="914400" rtl="0" eaLnBrk="1" latinLnBrk="0" hangingPunct="1">
+              <a:lnSpc>
+                <a:spcPct val="90000"/>
+              </a:lnSpc>
+              <a:spcBef>
+                <a:spcPct val="0"/>
+              </a:spcBef>
+              <a:buNone/>
+              <a:defRPr sz="6000" kern="1200">
+                <a:solidFill>
+                  <a:schemeClr val="tx1"/>
+                </a:solidFill>
+                <a:latin typeface="+mj-lt"/>
+                <a:ea typeface="+mj-ea"/>
+                <a:cs typeface="+mj-cs"/>
+              </a:defRPr>
+            </a:lvl1pPr>
+          </a:lstStyle>
+          <a:p>
+            <a:pPr algn="l"/>
+            <a:r>
+              <a:rPr lang="en-PH" sz="3000" dirty="0">
+                <a:latin typeface="+mn-lt"/>
+              </a:rPr>
+              <a:t>A </a:t>
+            </a:r>
+            <a:r>
+              <a:rPr lang="en-PH" sz="3000" b="1" dirty="0">
+                <a:solidFill>
+                  <a:srgbClr val="00B0F0"/>
+                </a:solidFill>
+                <a:latin typeface="+mn-lt"/>
+              </a:rPr>
+              <a:t>paired sample t-test </a:t>
+            </a:r>
+            <a:r>
+              <a:rPr lang="en-PH" sz="3000" dirty="0">
+                <a:latin typeface="+mn-lt"/>
+              </a:rPr>
+              <a:t>compares means from the same group at different times (say, one year apart).</a:t>
+            </a:r>
+          </a:p>
+        </p:txBody>
+      </p:sp>
+      <p:sp>
+        <p:nvSpPr>
+          <p:cNvPr id="7" name="Title 1">
+            <a:extLst>
+              <a:ext uri="{FF2B5EF4-FFF2-40B4-BE49-F238E27FC236}">
+                <a16:creationId xmlns:a16="http://schemas.microsoft.com/office/drawing/2014/main" id="{F9F68FD0-4734-F88A-26AE-8BD1D795B778}"/>
+              </a:ext>
+            </a:extLst>
+          </p:cNvPr>
+          <p:cNvSpPr>
+            <a:spLocks noGrp="1"/>
+          </p:cNvSpPr>
+          <p:nvPr>
+            <p:ph type="ctrTitle"/>
+          </p:nvPr>
+        </p:nvSpPr>
+        <p:spPr>
+          <a:xfrm>
+            <a:off x="459205" y="359228"/>
+            <a:ext cx="11273589" cy="718459"/>
+          </a:xfrm>
+        </p:spPr>
+        <p:txBody>
+          <a:bodyPr>
+            <a:noAutofit/>
+          </a:bodyPr>
+          <a:lstStyle/>
+          <a:p>
+            <a:r>
+              <a:rPr lang="en-US" sz="5000" b="1" dirty="0"/>
+              <a:t>Types of t-test</a:t>
+            </a:r>
+            <a:endParaRPr lang="en-PH" sz="5000" b="1" dirty="0"/>
+          </a:p>
+        </p:txBody>
+      </p:sp>
+      <p:pic>
+        <p:nvPicPr>
+          <p:cNvPr id="6" name="Picture 5">
+            <a:extLst>
+              <a:ext uri="{FF2B5EF4-FFF2-40B4-BE49-F238E27FC236}">
+                <a16:creationId xmlns:a16="http://schemas.microsoft.com/office/drawing/2014/main" id="{AC337A68-D001-664D-E3DE-62699A68FE5E}"/>
+              </a:ext>
+            </a:extLst>
+          </p:cNvPr>
+          <p:cNvPicPr>
+            <a:picLocks noChangeAspect="1"/>
+          </p:cNvPicPr>
+          <p:nvPr/>
+        </p:nvPicPr>
+        <p:blipFill>
+          <a:blip r:embed="rId4">
+            <a:extLst>
+              <a:ext uri="{28A0092B-C50C-407E-A947-70E740481C1C}">
+                <a14:useLocalDpi xmlns:a14="http://schemas.microsoft.com/office/drawing/2010/main" val="0"/>
+              </a:ext>
+            </a:extLst>
+          </a:blip>
+          <a:stretch>
+            <a:fillRect/>
+          </a:stretch>
+        </p:blipFill>
+        <p:spPr>
+          <a:xfrm>
+            <a:off x="480642" y="2484670"/>
+            <a:ext cx="3757072" cy="2111818"/>
+          </a:xfrm>
+          <a:prstGeom prst="rect">
+            <a:avLst/>
+          </a:prstGeom>
+        </p:spPr>
+      </p:pic>
+      <p:pic>
+        <p:nvPicPr>
+          <p:cNvPr id="9" name="Picture 8">
+            <a:extLst>
+              <a:ext uri="{FF2B5EF4-FFF2-40B4-BE49-F238E27FC236}">
+                <a16:creationId xmlns:a16="http://schemas.microsoft.com/office/drawing/2014/main" id="{34085B37-1811-7E1D-CDA3-1592765C2A19}"/>
+              </a:ext>
+            </a:extLst>
+          </p:cNvPr>
+          <p:cNvPicPr>
+            <a:picLocks noChangeAspect="1"/>
+          </p:cNvPicPr>
+          <p:nvPr/>
+        </p:nvPicPr>
+        <p:blipFill>
+          <a:blip r:embed="rId5">
+            <a:extLst>
+              <a:ext uri="{28A0092B-C50C-407E-A947-70E740481C1C}">
+                <a14:useLocalDpi xmlns:a14="http://schemas.microsoft.com/office/drawing/2010/main" val="0"/>
+              </a:ext>
+            </a:extLst>
+          </a:blip>
+          <a:stretch>
+            <a:fillRect/>
+          </a:stretch>
+        </p:blipFill>
+        <p:spPr>
+          <a:xfrm>
+            <a:off x="6128156" y="2484670"/>
+            <a:ext cx="5082960" cy="3488615"/>
+          </a:xfrm>
+          <a:prstGeom prst="rect">
+            <a:avLst/>
+          </a:prstGeom>
+        </p:spPr>
+      </p:pic>
+    </p:spTree>
+    <p:extLst>
+      <p:ext uri="{BB962C8B-B14F-4D97-AF65-F5344CB8AC3E}">
+        <p14:creationId xmlns:p14="http://schemas.microsoft.com/office/powerpoint/2010/main" val="1652223651"/>
       </p:ext>
     </p:extLst>
   </p:cSld>
@@ -5047,12 +12187,6 @@
 </file>
 
 <file path=customXml/item1.xml><?xml version="1.0" encoding="utf-8"?>
-<p:properties xmlns:p="http://schemas.microsoft.com/office/2006/metadata/properties" xmlns:xsi="http://www.w3.org/2001/XMLSchema-instance" xmlns:pc="http://schemas.microsoft.com/office/infopath/2007/PartnerControls">
-  <documentManagement/>
-</p:properties>
-</file>
-
-<file path=customXml/item2.xml><?xml version="1.0" encoding="utf-8"?>
 <ct:contentTypeSchema xmlns:ct="http://schemas.microsoft.com/office/2006/metadata/contentType" xmlns:ma="http://schemas.microsoft.com/office/2006/metadata/properties/metaAttributes" ct:_="" ma:_="" ma:contentTypeName="Document" ma:contentTypeID="0x0101007188BDCA587B344BBA6CB1A93FAE6998" ma:contentTypeVersion="2" ma:contentTypeDescription="Create a new document." ma:contentTypeScope="" ma:versionID="7a8e4b6720badb2566a0cfeddfaf2856">
   <xsd:schema xmlns:xsd="http://www.w3.org/2001/XMLSchema" xmlns:xs="http://www.w3.org/2001/XMLSchema" xmlns:p="http://schemas.microsoft.com/office/2006/metadata/properties" xmlns:ns2="ba111d12-426d-4af0-bcb6-460e36974645" targetNamespace="http://schemas.microsoft.com/office/2006/metadata/properties" ma:root="true" ma:fieldsID="989b05398519136c88ba0a8d54e3c3da" ns2:_="">
     <xsd:import namespace="ba111d12-426d-4af0-bcb6-460e36974645"/>
@@ -5184,7 +12318,7 @@
 </ct:contentTypeSchema>
 </file>
 
-<file path=customXml/item3.xml><?xml version="1.0" encoding="utf-8"?>
+<file path=customXml/item2.xml><?xml version="1.0" encoding="utf-8"?>
 <?mso-contentType ?>
 <FormTemplates xmlns="http://schemas.microsoft.com/sharepoint/v3/contenttype/forms">
   <Display>DocumentLibraryForm</Display>
@@ -5193,16 +12327,13 @@
 </FormTemplates>
 </file>
 
-<file path=customXml/itemProps1.xml><?xml version="1.0" encoding="utf-8"?>
-<ds:datastoreItem xmlns:ds="http://schemas.openxmlformats.org/officeDocument/2006/customXml" ds:itemID="{EA3362E2-FA54-4262-AE94-2FA98FF8142D}">
-  <ds:schemaRefs>
-    <ds:schemaRef ds:uri="http://schemas.microsoft.com/office/2006/metadata/properties"/>
-    <ds:schemaRef ds:uri="http://schemas.microsoft.com/office/infopath/2007/PartnerControls"/>
-  </ds:schemaRefs>
-</ds:datastoreItem>
+<file path=customXml/item3.xml><?xml version="1.0" encoding="utf-8"?>
+<p:properties xmlns:p="http://schemas.microsoft.com/office/2006/metadata/properties" xmlns:xsi="http://www.w3.org/2001/XMLSchema-instance" xmlns:pc="http://schemas.microsoft.com/office/infopath/2007/PartnerControls">
+  <documentManagement/>
+</p:properties>
 </file>
 
-<file path=customXml/itemProps2.xml><?xml version="1.0" encoding="utf-8"?>
+<file path=customXml/itemProps1.xml><?xml version="1.0" encoding="utf-8"?>
 <ds:datastoreItem xmlns:ds="http://schemas.openxmlformats.org/officeDocument/2006/customXml" ds:itemID="{3D61E20B-708A-4719-8C02-DA91A478A7AB}">
   <ds:schemaRefs>
     <ds:schemaRef ds:uri="http://schemas.microsoft.com/office/2006/metadata/contentType"/>
@@ -5220,10 +12351,19 @@
 </ds:datastoreItem>
 </file>
 
-<file path=customXml/itemProps3.xml><?xml version="1.0" encoding="utf-8"?>
+<file path=customXml/itemProps2.xml><?xml version="1.0" encoding="utf-8"?>
 <ds:datastoreItem xmlns:ds="http://schemas.openxmlformats.org/officeDocument/2006/customXml" ds:itemID="{651370AF-26B9-4AFA-BA9D-5D4A7E1A6722}">
   <ds:schemaRefs>
     <ds:schemaRef ds:uri="http://schemas.microsoft.com/sharepoint/v3/contenttype/forms"/>
   </ds:schemaRefs>
 </ds:datastoreItem>
+</file>
+
+<file path=customXml/itemProps3.xml><?xml version="1.0" encoding="utf-8"?>
+<ds:datastoreItem xmlns:ds="http://schemas.openxmlformats.org/officeDocument/2006/customXml" ds:itemID="{EA3362E2-FA54-4262-AE94-2FA98FF8142D}">
+  <ds:schemaRefs>
+    <ds:schemaRef ds:uri="http://schemas.microsoft.com/office/2006/metadata/properties"/>
+    <ds:schemaRef ds:uri="http://schemas.microsoft.com/office/infopath/2007/PartnerControls"/>
+  </ds:schemaRefs>
+</ds:datastoreItem>
 </file>